--- a/Courses/Computer-Modeling-and-IT/Computer-Modeling-and-IT-6-Class/32-Creating-and-Modifying-a-Character/32-Creating-and-Modifying-a-Character.pptx
+++ b/Courses/Computer-Modeling-and-IT/Computer-Modeling-and-IT-6-Class/32-Creating-and-Modifying-a-Character/32-Creating-and-Modifying-a-Character.pptx
@@ -5,17 +5,26 @@
     <p:sldMasterId id="2147483675" r:id="rId1"/>
   </p:sldMasterIdLst>
   <p:notesMasterIdLst>
-    <p:notesMasterId r:id="rId7"/>
+    <p:notesMasterId r:id="rId16"/>
   </p:notesMasterIdLst>
   <p:handoutMasterIdLst>
-    <p:handoutMasterId r:id="rId8"/>
+    <p:handoutMasterId r:id="rId17"/>
   </p:handoutMasterIdLst>
   <p:sldIdLst>
     <p:sldId id="503" r:id="rId2"/>
     <p:sldId id="276" r:id="rId3"/>
-    <p:sldId id="586" r:id="rId4"/>
-    <p:sldId id="504" r:id="rId5"/>
-    <p:sldId id="505" r:id="rId6"/>
+    <p:sldId id="587" r:id="rId4"/>
+    <p:sldId id="588" r:id="rId5"/>
+    <p:sldId id="589" r:id="rId6"/>
+    <p:sldId id="590" r:id="rId7"/>
+    <p:sldId id="591" r:id="rId8"/>
+    <p:sldId id="592" r:id="rId9"/>
+    <p:sldId id="593" r:id="rId10"/>
+    <p:sldId id="594" r:id="rId11"/>
+    <p:sldId id="595" r:id="rId12"/>
+    <p:sldId id="586" r:id="rId13"/>
+    <p:sldId id="504" r:id="rId14"/>
+    <p:sldId id="505" r:id="rId15"/>
   </p:sldIdLst>
   <p:sldSz cx="12192000" cy="6858000"/>
   <p:notesSz cx="6858000" cy="9144000"/>
@@ -123,6 +132,23 @@
             <p14:sldId id="276"/>
           </p14:sldIdLst>
         </p14:section>
+        <p14:section name="Създаване на герой" id="{5C99A43F-A2F1-47A2-A3C2-2343CC3E2869}">
+          <p14:sldIdLst>
+            <p14:sldId id="587"/>
+            <p14:sldId id="588"/>
+          </p14:sldIdLst>
+        </p14:section>
+        <p14:section name="Персонализиране на визията и характеристиките на героя" id="{2D860BD4-0CE4-4369-952F-544854906D19}">
+          <p14:sldIdLst>
+            <p14:sldId id="589"/>
+            <p14:sldId id="590"/>
+            <p14:sldId id="591"/>
+            <p14:sldId id="592"/>
+            <p14:sldId id="593"/>
+            <p14:sldId id="594"/>
+            <p14:sldId id="595"/>
+          </p14:sldIdLst>
+        </p14:section>
         <p14:section name="Заключение" id="{E19D07F1-86E2-47E9-B2AB-7ADC4F89DC12}">
           <p14:sldIdLst>
             <p14:sldId id="586"/>
@@ -247,7 +273,7 @@
           <a:p>
             <a:fld id="{4E087215-0C8F-4762-A664-737A353EC9A4}" type="datetimeFigureOut">
               <a:rPr lang="bg-BG" smtClean="0"/>
-              <a:t>17.12.2024 г.</a:t>
+              <a:t>29.12.2024 г.</a:t>
             </a:fld>
             <a:endParaRPr lang="bg-BG"/>
           </a:p>
@@ -443,7 +469,7 @@
           <a:p>
             <a:fld id="{72D84649-876A-46C9-8472-14CB09C070D8}" type="datetimeFigureOut">
               <a:rPr lang="en-US" smtClean="0"/>
-              <a:t>12/17/2024</a:t>
+              <a:t>12/29/2024</a:t>
             </a:fld>
             <a:endParaRPr lang="en-US" dirty="0"/>
           </a:p>
@@ -1226,7 +1252,7 @@
             <a:fld id="{3EBA5BD7-F043-4D1B-AA17-CD412FC534DE}" type="slidenum">
               <a:rPr lang="en-US" smtClean="0"/>
               <a:pPr/>
-              <a:t>3</a:t>
+              <a:t>12</a:t>
             </a:fld>
             <a:endParaRPr lang="en-US" dirty="0"/>
           </a:p>
@@ -1417,7 +1443,7 @@
             <a:fld id="{3EBA5BD7-F043-4D1B-AA17-CD412FC534DE}" type="slidenum">
               <a:rPr lang="en-US" smtClean="0"/>
               <a:pPr/>
-              <a:t>4</a:t>
+              <a:t>13</a:t>
             </a:fld>
             <a:endParaRPr lang="en-US" dirty="0"/>
           </a:p>
@@ -1646,7 +1672,7 @@
             <a:fld id="{3EBA5BD7-F043-4D1B-AA17-CD412FC534DE}" type="slidenum">
               <a:rPr lang="en-US" smtClean="0"/>
               <a:pPr/>
-              <a:t>5</a:t>
+              <a:t>14</a:t>
             </a:fld>
             <a:endParaRPr lang="en-US" dirty="0"/>
           </a:p>
@@ -6884,7 +6910,7 @@
           <a:p>
             <a:r>
               <a:rPr lang="bg-BG" dirty="0"/>
-              <a:t>Използване на библиотеката </a:t>
+              <a:t>Разширено използване на библиотеката </a:t>
             </a:r>
             <a:r>
               <a:rPr lang="en-GB" dirty="0"/>
@@ -7022,7 +7048,728 @@
 </p:sld>
 </file>
 
-<file path=ppt/slides/slide2.xml><?xml version="1.0" encoding="utf-8"?>
+<file path=ppt/slides/slide10.xml><?xml version="1.0" encoding="utf-8"?>
+<p:sld xmlns:a="http://schemas.openxmlformats.org/drawingml/2006/main" xmlns:r="http://schemas.openxmlformats.org/officeDocument/2006/relationships" xmlns:p="http://schemas.openxmlformats.org/presentationml/2006/main">
+  <p:cSld>
+    <p:spTree>
+      <p:nvGrpSpPr>
+        <p:cNvPr id="1" name="">
+          <a:extLst>
+            <a:ext uri="{FF2B5EF4-FFF2-40B4-BE49-F238E27FC236}">
+              <a16:creationId xmlns:a16="http://schemas.microsoft.com/office/drawing/2014/main" id="{0B53FA7A-EF1C-17B3-12C1-C64F9585B0B4}"/>
+            </a:ext>
+          </a:extLst>
+        </p:cNvPr>
+        <p:cNvGrpSpPr/>
+        <p:nvPr/>
+      </p:nvGrpSpPr>
+      <p:grpSpPr>
+        <a:xfrm>
+          <a:off x="0" y="0"/>
+          <a:ext cx="0" cy="0"/>
+          <a:chOff x="0" y="0"/>
+          <a:chExt cx="0" cy="0"/>
+        </a:xfrm>
+      </p:grpSpPr>
+      <p:sp>
+        <p:nvSpPr>
+          <p:cNvPr id="2" name="Slide Number Placeholder 1">
+            <a:extLst>
+              <a:ext uri="{FF2B5EF4-FFF2-40B4-BE49-F238E27FC236}">
+                <a16:creationId xmlns:a16="http://schemas.microsoft.com/office/drawing/2014/main" id="{D2A030A7-59F4-A3B6-EAAA-2C6083F0680F}"/>
+              </a:ext>
+            </a:extLst>
+          </p:cNvPr>
+          <p:cNvSpPr>
+            <a:spLocks noGrp="1"/>
+          </p:cNvSpPr>
+          <p:nvPr>
+            <p:ph type="sldNum" sz="quarter" idx="5"/>
+          </p:nvPr>
+        </p:nvSpPr>
+        <p:spPr/>
+        <p:txBody>
+          <a:bodyPr/>
+          <a:lstStyle/>
+          <a:p>
+            <a:fld id="{2BF067CD-8E6B-4360-9AA8-C5DF2A48A6D1}" type="slidenum">
+              <a:rPr lang="en-US" noProof="0" smtClean="0"/>
+              <a:pPr/>
+              <a:t>10</a:t>
+            </a:fld>
+            <a:endParaRPr lang="en-US" noProof="0" dirty="0"/>
+          </a:p>
+        </p:txBody>
+      </p:sp>
+      <p:sp>
+        <p:nvSpPr>
+          <p:cNvPr id="3" name="Text Placeholder 2">
+            <a:extLst>
+              <a:ext uri="{FF2B5EF4-FFF2-40B4-BE49-F238E27FC236}">
+                <a16:creationId xmlns:a16="http://schemas.microsoft.com/office/drawing/2014/main" id="{EBE7425C-8D67-9D02-5DC4-31FDB273ACBF}"/>
+              </a:ext>
+            </a:extLst>
+          </p:cNvPr>
+          <p:cNvSpPr>
+            <a:spLocks noGrp="1"/>
+          </p:cNvSpPr>
+          <p:nvPr>
+            <p:ph type="body" sz="quarter" idx="10"/>
+          </p:nvPr>
+        </p:nvSpPr>
+        <p:spPr/>
+        <p:txBody>
+          <a:bodyPr/>
+          <a:lstStyle/>
+          <a:p>
+            <a:r>
+              <a:rPr lang="bg-BG" dirty="0"/>
+              <a:t>За да използваме </a:t>
+            </a:r>
+            <a:r>
+              <a:rPr lang="bg-BG" b="1" dirty="0"/>
+              <a:t>собсвтен костюм</a:t>
+            </a:r>
+            <a:r>
+              <a:rPr lang="bg-BG" dirty="0"/>
+              <a:t>, първо трябва да </a:t>
+            </a:r>
+            <a:r>
+              <a:rPr lang="bg-BG" b="1" dirty="0">
+                <a:solidFill>
+                  <a:schemeClr val="bg1"/>
+                </a:solidFill>
+              </a:rPr>
+              <a:t>регистрираме файла</a:t>
+            </a:r>
+            <a:endParaRPr lang="en-GB" b="1" dirty="0">
+              <a:solidFill>
+                <a:schemeClr val="bg1"/>
+              </a:solidFill>
+            </a:endParaRPr>
+          </a:p>
+          <a:p>
+            <a:endParaRPr lang="en-GB" dirty="0"/>
+          </a:p>
+          <a:p>
+            <a:endParaRPr lang="en-GB" dirty="0"/>
+          </a:p>
+          <a:p>
+            <a:r>
+              <a:rPr lang="bg-BG" dirty="0"/>
+              <a:t>Героят</a:t>
+            </a:r>
+            <a:r>
+              <a:rPr lang="bg-BG" b="1" dirty="0"/>
+              <a:t> </a:t>
+            </a:r>
+            <a:r>
+              <a:rPr lang="en-GB" b="1" dirty="0"/>
+              <a:t>turtle</a:t>
+            </a:r>
+            <a:r>
+              <a:rPr lang="bg-BG" b="1" dirty="0"/>
+              <a:t> </a:t>
+            </a:r>
+            <a:r>
+              <a:rPr lang="bg-BG" dirty="0"/>
+              <a:t>ще използва </a:t>
+            </a:r>
+            <a:r>
+              <a:rPr lang="bg-BG" b="1" dirty="0"/>
+              <a:t>файла </a:t>
+            </a:r>
+            <a:r>
+              <a:rPr lang="en-GB" b="1" dirty="0">
+                <a:solidFill>
+                  <a:schemeClr val="bg1"/>
+                </a:solidFill>
+              </a:rPr>
+              <a:t>mario.gif </a:t>
+            </a:r>
+            <a:r>
+              <a:rPr lang="bg-BG" dirty="0"/>
+              <a:t>като </a:t>
+            </a:r>
+            <a:r>
+              <a:rPr lang="bg-BG" b="1" dirty="0"/>
+              <a:t>костюм</a:t>
+            </a:r>
+            <a:endParaRPr lang="en-GB" b="1" dirty="0"/>
+          </a:p>
+        </p:txBody>
+      </p:sp>
+      <p:sp>
+        <p:nvSpPr>
+          <p:cNvPr id="4" name="Title 3">
+            <a:extLst>
+              <a:ext uri="{FF2B5EF4-FFF2-40B4-BE49-F238E27FC236}">
+                <a16:creationId xmlns:a16="http://schemas.microsoft.com/office/drawing/2014/main" id="{386B5BFC-A2C2-D2A1-2E7A-A9E110D2FE5C}"/>
+              </a:ext>
+            </a:extLst>
+          </p:cNvPr>
+          <p:cNvSpPr>
+            <a:spLocks noGrp="1"/>
+          </p:cNvSpPr>
+          <p:nvPr>
+            <p:ph type="title"/>
+          </p:nvPr>
+        </p:nvSpPr>
+        <p:spPr/>
+        <p:txBody>
+          <a:bodyPr/>
+          <a:lstStyle/>
+          <a:p>
+            <a:r>
+              <a:rPr lang="bg-BG" dirty="0"/>
+              <a:t>Собствен костюм</a:t>
+            </a:r>
+            <a:r>
+              <a:rPr lang="en-GB" dirty="0"/>
+              <a:t> (2)</a:t>
+            </a:r>
+          </a:p>
+        </p:txBody>
+      </p:sp>
+      <p:sp>
+        <p:nvSpPr>
+          <p:cNvPr id="5" name="TextBox 4">
+            <a:extLst>
+              <a:ext uri="{FF2B5EF4-FFF2-40B4-BE49-F238E27FC236}">
+                <a16:creationId xmlns:a16="http://schemas.microsoft.com/office/drawing/2014/main" id="{3035F5B1-B091-080D-D8EA-3A1FD1F56BB6}"/>
+              </a:ext>
+            </a:extLst>
+          </p:cNvPr>
+          <p:cNvSpPr txBox="1"/>
+          <p:nvPr/>
+        </p:nvSpPr>
+        <p:spPr>
+          <a:xfrm>
+            <a:off x="651000" y="2574000"/>
+            <a:ext cx="6210000" cy="1085206"/>
+          </a:xfrm>
+          <a:prstGeom prst="rect">
+            <a:avLst/>
+          </a:prstGeom>
+          <a:solidFill>
+            <a:schemeClr val="accent6">
+              <a:lumMod val="75000"/>
+              <a:alpha val="15000"/>
+            </a:schemeClr>
+          </a:solidFill>
+          <a:ln w="12700">
+            <a:solidFill>
+              <a:schemeClr val="tx1">
+                <a:lumMod val="75000"/>
+              </a:schemeClr>
+            </a:solidFill>
+          </a:ln>
+        </p:spPr>
+        <p:txBody>
+          <a:bodyPr vert="horz" wrap="square" lIns="144000" tIns="108000" rIns="144000" bIns="108000" rtlCol="0">
+            <a:spAutoFit/>
+          </a:bodyPr>
+          <a:lstStyle/>
+          <a:p>
+            <a:pPr eaLnBrk="0" hangingPunct="0">
+              <a:lnSpc>
+                <a:spcPct val="110000"/>
+              </a:lnSpc>
+              <a:spcAft>
+                <a:spcPts val="600"/>
+              </a:spcAft>
+              <a:buClr>
+                <a:schemeClr val="accent5">
+                  <a:lumMod val="40000"/>
+                  <a:lumOff val="60000"/>
+                </a:schemeClr>
+              </a:buClr>
+              <a:buSzPct val="70000"/>
+            </a:pPr>
+            <a:r>
+              <a:rPr lang="en-GB" sz="2400" b="1" dirty="0">
+                <a:latin typeface="Consolas" panose="020B0609020204030204" pitchFamily="49" charset="0"/>
+              </a:rPr>
+              <a:t>screen.</a:t>
+            </a:r>
+            <a:r>
+              <a:rPr lang="en-GB" sz="2400" b="1" dirty="0">
+                <a:solidFill>
+                  <a:schemeClr val="bg1"/>
+                </a:solidFill>
+                <a:latin typeface="Consolas" panose="020B0609020204030204" pitchFamily="49" charset="0"/>
+              </a:rPr>
+              <a:t>register_shape(</a:t>
+            </a:r>
+            <a:r>
+              <a:rPr lang="en-GB" sz="2400" b="1" dirty="0">
+                <a:latin typeface="Consolas" panose="020B0609020204030204" pitchFamily="49" charset="0"/>
+              </a:rPr>
+              <a:t>"mario.gif"</a:t>
+            </a:r>
+            <a:r>
+              <a:rPr lang="en-GB" sz="2400" b="1" dirty="0">
+                <a:solidFill>
+                  <a:schemeClr val="bg1"/>
+                </a:solidFill>
+                <a:latin typeface="Consolas" panose="020B0609020204030204" pitchFamily="49" charset="0"/>
+              </a:rPr>
+              <a:t>)</a:t>
+            </a:r>
+            <a:endParaRPr lang="en-US" sz="2400" b="1" dirty="0">
+              <a:solidFill>
+                <a:schemeClr val="bg1"/>
+              </a:solidFill>
+              <a:latin typeface="Consolas" panose="020B0609020204030204" pitchFamily="49" charset="0"/>
+            </a:endParaRPr>
+          </a:p>
+          <a:p>
+            <a:pPr eaLnBrk="0" hangingPunct="0">
+              <a:lnSpc>
+                <a:spcPct val="110000"/>
+              </a:lnSpc>
+              <a:buClr>
+                <a:schemeClr val="accent5">
+                  <a:lumMod val="40000"/>
+                  <a:lumOff val="60000"/>
+                </a:schemeClr>
+              </a:buClr>
+              <a:buSzPct val="70000"/>
+            </a:pPr>
+            <a:r>
+              <a:rPr lang="en-US" sz="2400" b="1" dirty="0">
+                <a:latin typeface="Consolas" panose="020B0609020204030204" pitchFamily="49" charset="0"/>
+              </a:rPr>
+              <a:t>turtle.</a:t>
+            </a:r>
+            <a:r>
+              <a:rPr lang="en-US" sz="2400" b="1" dirty="0">
+                <a:solidFill>
+                  <a:schemeClr val="bg1"/>
+                </a:solidFill>
+                <a:latin typeface="Consolas" panose="020B0609020204030204" pitchFamily="49" charset="0"/>
+              </a:rPr>
+              <a:t>shape(</a:t>
+            </a:r>
+            <a:r>
+              <a:rPr lang="en-US" sz="2400" b="1" dirty="0">
+                <a:latin typeface="Consolas" panose="020B0609020204030204" pitchFamily="49" charset="0"/>
+              </a:rPr>
+              <a:t>"mario.gif"</a:t>
+            </a:r>
+            <a:r>
+              <a:rPr lang="en-US" sz="2400" b="1" dirty="0">
+                <a:solidFill>
+                  <a:schemeClr val="bg1"/>
+                </a:solidFill>
+                <a:latin typeface="Consolas" panose="020B0609020204030204" pitchFamily="49" charset="0"/>
+              </a:rPr>
+              <a:t>)</a:t>
+            </a:r>
+            <a:endParaRPr lang="en-GB" sz="2400" b="1" dirty="0">
+              <a:solidFill>
+                <a:schemeClr val="bg1"/>
+              </a:solidFill>
+              <a:latin typeface="Consolas" panose="020B0609020204030204" pitchFamily="49" charset="0"/>
+            </a:endParaRPr>
+          </a:p>
+        </p:txBody>
+      </p:sp>
+      <p:pic>
+        <p:nvPicPr>
+          <p:cNvPr id="6" name="Graphic 5" descr="Turtle with solid fill">
+            <a:extLst>
+              <a:ext uri="{FF2B5EF4-FFF2-40B4-BE49-F238E27FC236}">
+                <a16:creationId xmlns:a16="http://schemas.microsoft.com/office/drawing/2014/main" id="{816DFA57-CF3C-2DD0-B2A7-F93BEB28F0FE}"/>
+              </a:ext>
+            </a:extLst>
+          </p:cNvPr>
+          <p:cNvPicPr>
+            <a:picLocks noChangeAspect="1"/>
+          </p:cNvPicPr>
+          <p:nvPr/>
+        </p:nvPicPr>
+        <p:blipFill>
+          <a:blip r:embed="rId2">
+            <a:extLst>
+              <a:ext uri="{96DAC541-7B7A-43D3-8B79-37D633B846F1}">
+                <asvg:svgBlip xmlns:asvg="http://schemas.microsoft.com/office/drawing/2016/SVG/main" r:embed="rId3"/>
+              </a:ext>
+            </a:extLst>
+          </a:blip>
+          <a:stretch>
+            <a:fillRect/>
+          </a:stretch>
+        </p:blipFill>
+        <p:spPr>
+          <a:xfrm>
+            <a:off x="3480703" y="4708229"/>
+            <a:ext cx="1665000" cy="1665000"/>
+          </a:xfrm>
+          <a:prstGeom prst="rect">
+            <a:avLst/>
+          </a:prstGeom>
+        </p:spPr>
+      </p:pic>
+      <p:cxnSp>
+        <p:nvCxnSpPr>
+          <p:cNvPr id="9" name="Straight Arrow Connector 8">
+            <a:extLst>
+              <a:ext uri="{FF2B5EF4-FFF2-40B4-BE49-F238E27FC236}">
+                <a16:creationId xmlns:a16="http://schemas.microsoft.com/office/drawing/2014/main" id="{BFB49B23-FECB-FC2B-13A3-DF581ADDB0E6}"/>
+              </a:ext>
+            </a:extLst>
+          </p:cNvPr>
+          <p:cNvCxnSpPr/>
+          <p:nvPr/>
+        </p:nvCxnSpPr>
+        <p:spPr>
+          <a:xfrm>
+            <a:off x="5460703" y="5620079"/>
+            <a:ext cx="1130297" cy="0"/>
+          </a:xfrm>
+          <a:prstGeom prst="straightConnector1">
+            <a:avLst/>
+          </a:prstGeom>
+          <a:ln w="76200">
+            <a:tailEnd type="triangle"/>
+          </a:ln>
+        </p:spPr>
+        <p:style>
+          <a:lnRef idx="1">
+            <a:schemeClr val="dk1"/>
+          </a:lnRef>
+          <a:fillRef idx="0">
+            <a:schemeClr val="dk1"/>
+          </a:fillRef>
+          <a:effectRef idx="0">
+            <a:schemeClr val="dk1"/>
+          </a:effectRef>
+          <a:fontRef idx="minor">
+            <a:schemeClr val="tx1"/>
+          </a:fontRef>
+        </p:style>
+      </p:cxnSp>
+      <p:pic>
+        <p:nvPicPr>
+          <p:cNvPr id="13" name="Picture 12" descr="A cartoon character running with a mustache&#10;&#10;Description automatically generated">
+            <a:extLst>
+              <a:ext uri="{FF2B5EF4-FFF2-40B4-BE49-F238E27FC236}">
+                <a16:creationId xmlns:a16="http://schemas.microsoft.com/office/drawing/2014/main" id="{35EB2C19-1156-0779-42FC-5DC423BFDED6}"/>
+              </a:ext>
+            </a:extLst>
+          </p:cNvPr>
+          <p:cNvPicPr>
+            <a:picLocks noChangeAspect="1"/>
+          </p:cNvPicPr>
+          <p:nvPr/>
+        </p:nvPicPr>
+        <p:blipFill>
+          <a:blip r:embed="rId4">
+            <a:extLst>
+              <a:ext uri="{28A0092B-C50C-407E-A947-70E740481C1C}">
+                <a14:useLocalDpi xmlns:a14="http://schemas.microsoft.com/office/drawing/2010/main" val="0"/>
+              </a:ext>
+            </a:extLst>
+          </a:blip>
+          <a:stretch>
+            <a:fillRect/>
+          </a:stretch>
+        </p:blipFill>
+        <p:spPr>
+          <a:xfrm>
+            <a:off x="6591000" y="4779000"/>
+            <a:ext cx="2340000" cy="1523457"/>
+          </a:xfrm>
+          <a:prstGeom prst="rect">
+            <a:avLst/>
+          </a:prstGeom>
+        </p:spPr>
+      </p:pic>
+    </p:spTree>
+    <p:extLst>
+      <p:ext uri="{BB962C8B-B14F-4D97-AF65-F5344CB8AC3E}">
+        <p14:creationId xmlns:p14="http://schemas.microsoft.com/office/powerpoint/2010/main" val="3891052248"/>
+      </p:ext>
+    </p:extLst>
+  </p:cSld>
+  <p:clrMapOvr>
+    <a:masterClrMapping/>
+  </p:clrMapOvr>
+  <mc:AlternateContent xmlns:mc="http://schemas.openxmlformats.org/markup-compatibility/2006">
+    <mc:Choice xmlns:p14="http://schemas.microsoft.com/office/powerpoint/2010/main" Requires="p14">
+      <p:transition spd="slow" p14:dur="2000" advClick="0" advTm="5000"/>
+    </mc:Choice>
+    <mc:Fallback>
+      <p:transition spd="slow" advClick="0" advTm="5000"/>
+    </mc:Fallback>
+  </mc:AlternateContent>
+  <p:timing>
+    <p:tnLst>
+      <p:par>
+        <p:cTn id="1" dur="indefinite" restart="never" nodeType="tmRoot">
+          <p:childTnLst>
+            <p:seq concurrent="1" nextAc="seek">
+              <p:cTn id="2" dur="indefinite" nodeType="mainSeq">
+                <p:childTnLst>
+                  <p:par>
+                    <p:cTn id="3" fill="hold">
+                      <p:stCondLst>
+                        <p:cond delay="indefinite"/>
+                      </p:stCondLst>
+                      <p:childTnLst>
+                        <p:par>
+                          <p:cTn id="4" fill="hold">
+                            <p:stCondLst>
+                              <p:cond delay="0"/>
+                            </p:stCondLst>
+                            <p:childTnLst>
+                              <p:par>
+                                <p:cTn id="5" presetID="1" presetClass="entr" presetSubtype="0" fill="hold" grpId="0" nodeType="clickEffect">
+                                  <p:stCondLst>
+                                    <p:cond delay="0"/>
+                                  </p:stCondLst>
+                                  <p:childTnLst>
+                                    <p:set>
+                                      <p:cBhvr>
+                                        <p:cTn id="6" dur="1" fill="hold">
+                                          <p:stCondLst>
+                                            <p:cond delay="0"/>
+                                          </p:stCondLst>
+                                        </p:cTn>
+                                        <p:tgtEl>
+                                          <p:spTgt spid="5"/>
+                                        </p:tgtEl>
+                                        <p:attrNameLst>
+                                          <p:attrName>style.visibility</p:attrName>
+                                        </p:attrNameLst>
+                                      </p:cBhvr>
+                                      <p:to>
+                                        <p:strVal val="visible"/>
+                                      </p:to>
+                                    </p:set>
+                                  </p:childTnLst>
+                                </p:cTn>
+                              </p:par>
+                            </p:childTnLst>
+                          </p:cTn>
+                        </p:par>
+                      </p:childTnLst>
+                    </p:cTn>
+                  </p:par>
+                  <p:par>
+                    <p:cTn id="7" fill="hold">
+                      <p:stCondLst>
+                        <p:cond delay="indefinite"/>
+                      </p:stCondLst>
+                      <p:childTnLst>
+                        <p:par>
+                          <p:cTn id="8" fill="hold">
+                            <p:stCondLst>
+                              <p:cond delay="0"/>
+                            </p:stCondLst>
+                            <p:childTnLst>
+                              <p:par>
+                                <p:cTn id="9" presetID="1" presetClass="entr" presetSubtype="0" fill="hold" nodeType="clickEffect">
+                                  <p:stCondLst>
+                                    <p:cond delay="0"/>
+                                  </p:stCondLst>
+                                  <p:childTnLst>
+                                    <p:set>
+                                      <p:cBhvr>
+                                        <p:cTn id="10" dur="1" fill="hold">
+                                          <p:stCondLst>
+                                            <p:cond delay="0"/>
+                                          </p:stCondLst>
+                                        </p:cTn>
+                                        <p:tgtEl>
+                                          <p:spTgt spid="3">
+                                            <p:txEl>
+                                              <p:pRg st="3" end="3"/>
+                                            </p:txEl>
+                                          </p:spTgt>
+                                        </p:tgtEl>
+                                        <p:attrNameLst>
+                                          <p:attrName>style.visibility</p:attrName>
+                                        </p:attrNameLst>
+                                      </p:cBhvr>
+                                      <p:to>
+                                        <p:strVal val="visible"/>
+                                      </p:to>
+                                    </p:set>
+                                  </p:childTnLst>
+                                </p:cTn>
+                              </p:par>
+                            </p:childTnLst>
+                          </p:cTn>
+                        </p:par>
+                      </p:childTnLst>
+                    </p:cTn>
+                  </p:par>
+                  <p:par>
+                    <p:cTn id="11" fill="hold">
+                      <p:stCondLst>
+                        <p:cond delay="indefinite"/>
+                      </p:stCondLst>
+                      <p:childTnLst>
+                        <p:par>
+                          <p:cTn id="12" fill="hold">
+                            <p:stCondLst>
+                              <p:cond delay="0"/>
+                            </p:stCondLst>
+                            <p:childTnLst>
+                              <p:par>
+                                <p:cTn id="13" presetID="1" presetClass="entr" presetSubtype="0" fill="hold" nodeType="clickEffect">
+                                  <p:stCondLst>
+                                    <p:cond delay="0"/>
+                                  </p:stCondLst>
+                                  <p:childTnLst>
+                                    <p:set>
+                                      <p:cBhvr>
+                                        <p:cTn id="14" dur="1" fill="hold">
+                                          <p:stCondLst>
+                                            <p:cond delay="0"/>
+                                          </p:stCondLst>
+                                        </p:cTn>
+                                        <p:tgtEl>
+                                          <p:spTgt spid="6"/>
+                                        </p:tgtEl>
+                                        <p:attrNameLst>
+                                          <p:attrName>style.visibility</p:attrName>
+                                        </p:attrNameLst>
+                                      </p:cBhvr>
+                                      <p:to>
+                                        <p:strVal val="visible"/>
+                                      </p:to>
+                                    </p:set>
+                                  </p:childTnLst>
+                                </p:cTn>
+                              </p:par>
+                            </p:childTnLst>
+                          </p:cTn>
+                        </p:par>
+                      </p:childTnLst>
+                    </p:cTn>
+                  </p:par>
+                  <p:par>
+                    <p:cTn id="15" fill="hold">
+                      <p:stCondLst>
+                        <p:cond delay="indefinite"/>
+                      </p:stCondLst>
+                      <p:childTnLst>
+                        <p:par>
+                          <p:cTn id="16" fill="hold">
+                            <p:stCondLst>
+                              <p:cond delay="0"/>
+                            </p:stCondLst>
+                            <p:childTnLst>
+                              <p:par>
+                                <p:cTn id="17" presetID="1" presetClass="entr" presetSubtype="0" fill="hold" nodeType="clickEffect">
+                                  <p:stCondLst>
+                                    <p:cond delay="0"/>
+                                  </p:stCondLst>
+                                  <p:childTnLst>
+                                    <p:set>
+                                      <p:cBhvr>
+                                        <p:cTn id="18" dur="1" fill="hold">
+                                          <p:stCondLst>
+                                            <p:cond delay="0"/>
+                                          </p:stCondLst>
+                                        </p:cTn>
+                                        <p:tgtEl>
+                                          <p:spTgt spid="9"/>
+                                        </p:tgtEl>
+                                        <p:attrNameLst>
+                                          <p:attrName>style.visibility</p:attrName>
+                                        </p:attrNameLst>
+                                      </p:cBhvr>
+                                      <p:to>
+                                        <p:strVal val="visible"/>
+                                      </p:to>
+                                    </p:set>
+                                  </p:childTnLst>
+                                </p:cTn>
+                              </p:par>
+                            </p:childTnLst>
+                          </p:cTn>
+                        </p:par>
+                      </p:childTnLst>
+                    </p:cTn>
+                  </p:par>
+                  <p:par>
+                    <p:cTn id="19" fill="hold">
+                      <p:stCondLst>
+                        <p:cond delay="indefinite"/>
+                      </p:stCondLst>
+                      <p:childTnLst>
+                        <p:par>
+                          <p:cTn id="20" fill="hold">
+                            <p:stCondLst>
+                              <p:cond delay="0"/>
+                            </p:stCondLst>
+                            <p:childTnLst>
+                              <p:par>
+                                <p:cTn id="21" presetID="1" presetClass="entr" presetSubtype="0" fill="hold" nodeType="clickEffect">
+                                  <p:stCondLst>
+                                    <p:cond delay="0"/>
+                                  </p:stCondLst>
+                                  <p:childTnLst>
+                                    <p:set>
+                                      <p:cBhvr>
+                                        <p:cTn id="22" dur="1" fill="hold">
+                                          <p:stCondLst>
+                                            <p:cond delay="0"/>
+                                          </p:stCondLst>
+                                        </p:cTn>
+                                        <p:tgtEl>
+                                          <p:spTgt spid="13"/>
+                                        </p:tgtEl>
+                                        <p:attrNameLst>
+                                          <p:attrName>style.visibility</p:attrName>
+                                        </p:attrNameLst>
+                                      </p:cBhvr>
+                                      <p:to>
+                                        <p:strVal val="visible"/>
+                                      </p:to>
+                                    </p:set>
+                                  </p:childTnLst>
+                                </p:cTn>
+                              </p:par>
+                            </p:childTnLst>
+                          </p:cTn>
+                        </p:par>
+                      </p:childTnLst>
+                    </p:cTn>
+                  </p:par>
+                </p:childTnLst>
+              </p:cTn>
+              <p:prevCondLst>
+                <p:cond evt="onPrev" delay="0">
+                  <p:tgtEl>
+                    <p:sldTgt/>
+                  </p:tgtEl>
+                </p:cond>
+              </p:prevCondLst>
+              <p:nextCondLst>
+                <p:cond evt="onNext" delay="0">
+                  <p:tgtEl>
+                    <p:sldTgt/>
+                  </p:tgtEl>
+                </p:cond>
+              </p:nextCondLst>
+            </p:seq>
+          </p:childTnLst>
+        </p:cTn>
+      </p:par>
+    </p:tnLst>
+    <p:bldLst>
+      <p:bldP spid="5" grpId="0" animBg="1"/>
+    </p:bldLst>
+  </p:timing>
+</p:sld>
+</file>
+
+<file path=ppt/slides/slide11.xml><?xml version="1.0" encoding="utf-8"?>
 <p:sld xmlns:a="http://schemas.openxmlformats.org/drawingml/2006/main" xmlns:r="http://schemas.openxmlformats.org/officeDocument/2006/relationships" xmlns:p="http://schemas.openxmlformats.org/presentationml/2006/main">
   <p:cSld>
     <p:spTree>
@@ -7041,198 +7788,159 @@
       </p:grpSpPr>
       <p:sp>
         <p:nvSpPr>
-          <p:cNvPr id="5" name="Slide Number">
+          <p:cNvPr id="2" name="Slide Number Placeholder 1">
             <a:extLst>
               <a:ext uri="{FF2B5EF4-FFF2-40B4-BE49-F238E27FC236}">
-                <a16:creationId xmlns:a16="http://schemas.microsoft.com/office/drawing/2014/main" id="{6A760D59-0056-4F39-B077-DBDBE3D2927E}"/>
+                <a16:creationId xmlns:a16="http://schemas.microsoft.com/office/drawing/2014/main" id="{1BFC0F2E-5CA8-BB34-9C00-1E5055CA4F5E}"/>
               </a:ext>
             </a:extLst>
           </p:cNvPr>
-          <p:cNvSpPr txBox="1">
-            <a:spLocks/>
-          </p:cNvSpPr>
-          <p:nvPr/>
-        </p:nvSpPr>
-        <p:spPr>
-          <a:xfrm>
-            <a:off x="11753030" y="6507000"/>
-            <a:ext cx="367414" cy="297000"/>
-          </a:xfrm>
-          <a:prstGeom prst="rect">
-            <a:avLst/>
-          </a:prstGeom>
-        </p:spPr>
-        <p:txBody>
-          <a:bodyPr vert="horz" lIns="91440" tIns="45720" rIns="91440" bIns="45720" rtlCol="0" anchor="b"/>
-          <a:lstStyle>
-            <a:defPPr>
-              <a:defRPr lang="en-US"/>
-            </a:defPPr>
-            <a:lvl1pPr marL="0" algn="r" defTabSz="914400" rtl="0" eaLnBrk="1" latinLnBrk="0" hangingPunct="1">
-              <a:defRPr sz="1000" kern="1200">
-                <a:solidFill>
-                  <a:schemeClr val="tx1"/>
-                </a:solidFill>
-                <a:latin typeface="+mn-lt"/>
-                <a:ea typeface="+mn-ea"/>
-                <a:cs typeface="+mn-cs"/>
-              </a:defRPr>
-            </a:lvl1pPr>
-            <a:lvl2pPr marL="457200" algn="l" defTabSz="914400" rtl="0" eaLnBrk="1" latinLnBrk="0" hangingPunct="1">
-              <a:defRPr sz="1800" kern="1200">
-                <a:solidFill>
-                  <a:schemeClr val="tx1"/>
-                </a:solidFill>
-                <a:latin typeface="+mn-lt"/>
-                <a:ea typeface="+mn-ea"/>
-                <a:cs typeface="+mn-cs"/>
-              </a:defRPr>
-            </a:lvl2pPr>
-            <a:lvl3pPr marL="914400" algn="l" defTabSz="914400" rtl="0" eaLnBrk="1" latinLnBrk="0" hangingPunct="1">
-              <a:defRPr sz="1800" kern="1200">
-                <a:solidFill>
-                  <a:schemeClr val="tx1"/>
-                </a:solidFill>
-                <a:latin typeface="+mn-lt"/>
-                <a:ea typeface="+mn-ea"/>
-                <a:cs typeface="+mn-cs"/>
-              </a:defRPr>
-            </a:lvl3pPr>
-            <a:lvl4pPr marL="1371600" algn="l" defTabSz="914400" rtl="0" eaLnBrk="1" latinLnBrk="0" hangingPunct="1">
-              <a:defRPr sz="1800" kern="1200">
-                <a:solidFill>
-                  <a:schemeClr val="tx1"/>
-                </a:solidFill>
-                <a:latin typeface="+mn-lt"/>
-                <a:ea typeface="+mn-ea"/>
-                <a:cs typeface="+mn-cs"/>
-              </a:defRPr>
-            </a:lvl4pPr>
-            <a:lvl5pPr marL="1828800" algn="l" defTabSz="914400" rtl="0" eaLnBrk="1" latinLnBrk="0" hangingPunct="1">
-              <a:defRPr sz="1800" kern="1200">
-                <a:solidFill>
-                  <a:schemeClr val="tx1"/>
-                </a:solidFill>
-                <a:latin typeface="+mn-lt"/>
-                <a:ea typeface="+mn-ea"/>
-                <a:cs typeface="+mn-cs"/>
-              </a:defRPr>
-            </a:lvl5pPr>
-            <a:lvl6pPr marL="2286000" algn="l" defTabSz="914400" rtl="0" eaLnBrk="1" latinLnBrk="0" hangingPunct="1">
-              <a:defRPr sz="1800" kern="1200">
-                <a:solidFill>
-                  <a:schemeClr val="tx1"/>
-                </a:solidFill>
-                <a:latin typeface="+mn-lt"/>
-                <a:ea typeface="+mn-ea"/>
-                <a:cs typeface="+mn-cs"/>
-              </a:defRPr>
-            </a:lvl6pPr>
-            <a:lvl7pPr marL="2743200" algn="l" defTabSz="914400" rtl="0" eaLnBrk="1" latinLnBrk="0" hangingPunct="1">
-              <a:defRPr sz="1800" kern="1200">
-                <a:solidFill>
-                  <a:schemeClr val="tx1"/>
-                </a:solidFill>
-                <a:latin typeface="+mn-lt"/>
-                <a:ea typeface="+mn-ea"/>
-                <a:cs typeface="+mn-cs"/>
-              </a:defRPr>
-            </a:lvl7pPr>
-            <a:lvl8pPr marL="3200400" algn="l" defTabSz="914400" rtl="0" eaLnBrk="1" latinLnBrk="0" hangingPunct="1">
-              <a:defRPr sz="1800" kern="1200">
-                <a:solidFill>
-                  <a:schemeClr val="tx1"/>
-                </a:solidFill>
-                <a:latin typeface="+mn-lt"/>
-                <a:ea typeface="+mn-ea"/>
-                <a:cs typeface="+mn-cs"/>
-              </a:defRPr>
-            </a:lvl8pPr>
-            <a:lvl9pPr marL="3657600" algn="l" defTabSz="914400" rtl="0" eaLnBrk="1" latinLnBrk="0" hangingPunct="1">
-              <a:defRPr sz="1800" kern="1200">
-                <a:solidFill>
-                  <a:schemeClr val="tx1"/>
-                </a:solidFill>
-                <a:latin typeface="+mn-lt"/>
-                <a:ea typeface="+mn-ea"/>
-                <a:cs typeface="+mn-cs"/>
-              </a:defRPr>
-            </a:lvl9pPr>
-          </a:lstStyle>
-          <a:p>
-            <a:fld id="{2BF067CD-8E6B-4360-9AA8-C5DF2A48A6D1}" type="slidenum">
-              <a:rPr lang="en-US" smtClean="0"/>
-              <a:pPr/>
-              <a:t>2</a:t>
-            </a:fld>
-            <a:endParaRPr lang="en-US" dirty="0"/>
-          </a:p>
-        </p:txBody>
-      </p:sp>
-      <p:sp>
-        <p:nvSpPr>
-          <p:cNvPr id="444419" name="Slide Body"/>
           <p:cNvSpPr>
-            <a:spLocks noGrp="1" noChangeArrowheads="1"/>
+            <a:spLocks noGrp="1"/>
           </p:cNvSpPr>
           <p:nvPr>
-            <p:ph type="body" sz="quarter" idx="13"/>
+            <p:ph type="sldNum" sz="quarter" idx="5"/>
           </p:nvPr>
         </p:nvSpPr>
-        <p:spPr>
-          <a:xfrm>
-            <a:off x="196766" y="1371604"/>
-            <a:ext cx="8959234" cy="5207396"/>
-          </a:xfrm>
-        </p:spPr>
+        <p:spPr/>
         <p:txBody>
-          <a:bodyPr>
-            <a:normAutofit/>
-          </a:bodyPr>
+          <a:bodyPr/>
           <a:lstStyle/>
           <a:p>
-            <a:r>
-              <a:rPr lang="en-GB" dirty="0"/>
-              <a:t>TODO</a:t>
-            </a:r>
-            <a:endParaRPr lang="bg-BG" dirty="0"/>
+            <a:fld id="{2BF067CD-8E6B-4360-9AA8-C5DF2A48A6D1}" type="slidenum">
+              <a:rPr lang="en-US" noProof="0" smtClean="0"/>
+              <a:pPr/>
+              <a:t>11</a:t>
+            </a:fld>
+            <a:endParaRPr lang="en-US" noProof="0" dirty="0"/>
           </a:p>
         </p:txBody>
       </p:sp>
       <p:sp>
         <p:nvSpPr>
-          <p:cNvPr id="444418" name="Slide Title"/>
+          <p:cNvPr id="3" name="Text Placeholder 2">
+            <a:extLst>
+              <a:ext uri="{FF2B5EF4-FFF2-40B4-BE49-F238E27FC236}">
+                <a16:creationId xmlns:a16="http://schemas.microsoft.com/office/drawing/2014/main" id="{D214194F-1482-9C2E-872B-57786037AA94}"/>
+              </a:ext>
+            </a:extLst>
+          </p:cNvPr>
           <p:cNvSpPr>
-            <a:spLocks noGrp="1" noChangeArrowheads="1"/>
+            <a:spLocks noGrp="1"/>
+          </p:cNvSpPr>
+          <p:nvPr>
+            <p:ph type="body" sz="quarter" idx="10"/>
+          </p:nvPr>
+        </p:nvSpPr>
+        <p:spPr/>
+        <p:txBody>
+          <a:bodyPr/>
+          <a:lstStyle/>
+          <a:p>
+            <a:r>
+              <a:rPr lang="bg-BG" dirty="0"/>
+              <a:t>Отворете </a:t>
+            </a:r>
+            <a:r>
+              <a:rPr lang="bg-BG" b="1" dirty="0"/>
+              <a:t>файла</a:t>
+            </a:r>
+            <a:r>
+              <a:rPr lang="bg-BG" dirty="0"/>
+              <a:t> </a:t>
+            </a:r>
+            <a:r>
+              <a:rPr lang="en-GB" b="1" dirty="0">
+                <a:solidFill>
+                  <a:schemeClr val="bg1"/>
+                </a:solidFill>
+              </a:rPr>
+              <a:t>customcostumes.py</a:t>
+            </a:r>
+            <a:r>
+              <a:rPr lang="bg-BG" b="1" dirty="0">
+                <a:solidFill>
+                  <a:schemeClr val="bg1"/>
+                </a:solidFill>
+              </a:rPr>
+              <a:t> </a:t>
+            </a:r>
+            <a:r>
+              <a:rPr lang="bg-BG" dirty="0"/>
+              <a:t>от </a:t>
+            </a:r>
+            <a:r>
+              <a:rPr lang="bg-BG" b="1" dirty="0"/>
+              <a:t>папката </a:t>
+            </a:r>
+            <a:r>
+              <a:rPr lang="en-GB" b="1" dirty="0">
+                <a:solidFill>
+                  <a:schemeClr val="bg1"/>
+                </a:solidFill>
+              </a:rPr>
+              <a:t>Resources</a:t>
+            </a:r>
+          </a:p>
+          <a:p>
+            <a:r>
+              <a:rPr lang="bg-BG" b="1" dirty="0"/>
+              <a:t>Разгледайте</a:t>
+            </a:r>
+            <a:r>
+              <a:rPr lang="bg-BG" dirty="0"/>
+              <a:t> кода и </a:t>
+            </a:r>
+            <a:r>
+              <a:rPr lang="bg-BG" b="1" dirty="0"/>
+              <a:t>изпълнете</a:t>
+            </a:r>
+            <a:r>
+              <a:rPr lang="bg-BG" dirty="0"/>
+              <a:t> програмата</a:t>
+            </a:r>
+            <a:endParaRPr lang="en-GB" dirty="0"/>
+          </a:p>
+          <a:p>
+            <a:endParaRPr lang="en-GB" dirty="0"/>
+          </a:p>
+        </p:txBody>
+      </p:sp>
+      <p:sp>
+        <p:nvSpPr>
+          <p:cNvPr id="4" name="Title 3">
+            <a:extLst>
+              <a:ext uri="{FF2B5EF4-FFF2-40B4-BE49-F238E27FC236}">
+                <a16:creationId xmlns:a16="http://schemas.microsoft.com/office/drawing/2014/main" id="{5311207D-6768-3614-67E1-AA7AA6C30595}"/>
+              </a:ext>
+            </a:extLst>
+          </p:cNvPr>
+          <p:cNvSpPr>
+            <a:spLocks noGrp="1"/>
           </p:cNvSpPr>
           <p:nvPr>
             <p:ph type="title"/>
           </p:nvPr>
         </p:nvSpPr>
-        <p:spPr>
-          <a:xfrm>
-            <a:off x="190406" y="100750"/>
-            <a:ext cx="10270594" cy="882654"/>
-          </a:xfrm>
-        </p:spPr>
+        <p:spPr/>
         <p:txBody>
           <a:bodyPr/>
           <a:lstStyle/>
           <a:p>
             <a:r>
-              <a:rPr lang="bg-BG"/>
-              <a:t>Съдържание</a:t>
-            </a:r>
-            <a:endParaRPr lang="bg-BG" dirty="0"/>
+              <a:rPr lang="bg-BG" dirty="0"/>
+              <a:t>Собствен костюм – демо</a:t>
+            </a:r>
+            <a:endParaRPr lang="en-GB" dirty="0"/>
           </a:p>
         </p:txBody>
       </p:sp>
       <p:pic>
         <p:nvPicPr>
-          <p:cNvPr id="4" name="Picture 3">
+          <p:cNvPr id="6" name="Picture 5">
             <a:extLst>
               <a:ext uri="{FF2B5EF4-FFF2-40B4-BE49-F238E27FC236}">
-                <a16:creationId xmlns:a16="http://schemas.microsoft.com/office/drawing/2014/main" id="{8835CDFB-0E94-0132-177D-CD4B4F85BF89}"/>
+                <a16:creationId xmlns:a16="http://schemas.microsoft.com/office/drawing/2014/main" id="{B47D8941-7E37-04B0-E00E-AD8B10B5D59E}"/>
               </a:ext>
             </a:extLst>
           </p:cNvPr>
@@ -7242,44 +7950,32 @@
           <p:nvPr/>
         </p:nvPicPr>
         <p:blipFill>
-          <a:blip r:embed="rId3">
-            <a:duotone>
-              <a:prstClr val="black"/>
-              <a:schemeClr val="accent1">
-                <a:tint val="45000"/>
-                <a:satMod val="400000"/>
-              </a:schemeClr>
-            </a:duotone>
-            <a:extLst>
-              <a:ext uri="{BEBA8EAE-BF5A-486C-A8C5-ECC9F3942E4B}">
-                <a14:imgProps xmlns:a14="http://schemas.microsoft.com/office/drawing/2010/main">
-                  <a14:imgLayer r:embed="rId4">
-                    <a14:imgEffect>
-                      <a14:brightnessContrast bright="30000"/>
-                    </a14:imgEffect>
-                  </a14:imgLayer>
-                </a14:imgProps>
-              </a:ext>
-            </a:extLst>
-          </a:blip>
+          <a:blip r:embed="rId2"/>
           <a:stretch>
             <a:fillRect/>
           </a:stretch>
         </p:blipFill>
         <p:spPr>
           <a:xfrm>
-            <a:off x="10011000" y="1584000"/>
-            <a:ext cx="1581246" cy="2115000"/>
+            <a:off x="3160431" y="2727685"/>
+            <a:ext cx="5871137" cy="3927815"/>
           </a:xfrm>
           <a:prstGeom prst="rect">
             <a:avLst/>
           </a:prstGeom>
+          <a:ln>
+            <a:solidFill>
+              <a:schemeClr val="bg2">
+                <a:lumMod val="75000"/>
+              </a:schemeClr>
+            </a:solidFill>
+          </a:ln>
         </p:spPr>
       </p:pic>
     </p:spTree>
     <p:extLst>
       <p:ext uri="{BB962C8B-B14F-4D97-AF65-F5344CB8AC3E}">
-        <p14:creationId xmlns:p14="http://schemas.microsoft.com/office/powerpoint/2010/main" val="1646986932"/>
+        <p14:creationId xmlns:p14="http://schemas.microsoft.com/office/powerpoint/2010/main" val="253195428"/>
       </p:ext>
     </p:extLst>
   </p:cSld>
@@ -7297,7 +7993,7 @@
 </p:sld>
 </file>
 
-<file path=ppt/slides/slide3.xml><?xml version="1.0" encoding="utf-8"?>
+<file path=ppt/slides/slide12.xml><?xml version="1.0" encoding="utf-8"?>
 <p:sld xmlns:a="http://schemas.openxmlformats.org/drawingml/2006/main" xmlns:r="http://schemas.openxmlformats.org/officeDocument/2006/relationships" xmlns:p="http://schemas.openxmlformats.org/presentationml/2006/main">
   <p:cSld>
     <p:spTree>
@@ -7559,7 +8255,7 @@
             <a:fld id="{C014DD1E-5D91-48A3-AD6D-45FBA980D106}" type="slidenum">
               <a:rPr lang="en-US" smtClean="0"/>
               <a:pPr/>
-              <a:t>3</a:t>
+              <a:t>12</a:t>
             </a:fld>
             <a:endParaRPr lang="en-US" dirty="0"/>
           </a:p>
@@ -8004,7 +8700,7 @@
 </p:sld>
 </file>
 
-<file path=ppt/slides/slide4.xml><?xml version="1.0" encoding="utf-8"?>
+<file path=ppt/slides/slide13.xml><?xml version="1.0" encoding="utf-8"?>
 <p:sld xmlns:a="http://schemas.openxmlformats.org/drawingml/2006/main" xmlns:r="http://schemas.openxmlformats.org/officeDocument/2006/relationships" xmlns:p="http://schemas.openxmlformats.org/presentationml/2006/main">
   <p:cSld>
     <p:spTree>
@@ -8194,7 +8890,7 @@
 </p:sld>
 </file>
 
-<file path=ppt/slides/slide5.xml><?xml version="1.0" encoding="utf-8"?>
+<file path=ppt/slides/slide14.xml><?xml version="1.0" encoding="utf-8"?>
 <p:sld xmlns:a="http://schemas.openxmlformats.org/drawingml/2006/main" xmlns:r="http://schemas.openxmlformats.org/officeDocument/2006/relationships" xmlns:p="http://schemas.openxmlformats.org/presentationml/2006/main" show="0">
   <p:cSld>
     <p:spTree>
@@ -8247,7 +8943,7 @@
             <a:fld id="{2BF067CD-8E6B-4360-9AA8-C5DF2A48A6D1}" type="slidenum">
               <a:rPr lang="en-US" smtClean="0"/>
               <a:pPr/>
-              <a:t>5</a:t>
+              <a:t>14</a:t>
             </a:fld>
             <a:endParaRPr lang="en-US" dirty="0"/>
           </a:p>
@@ -8574,6 +9270,3437 @@
       <p:transition spd="slow" advClick="0" advTm="5000"/>
     </mc:Fallback>
   </mc:AlternateContent>
+</p:sld>
+</file>
+
+<file path=ppt/slides/slide2.xml><?xml version="1.0" encoding="utf-8"?>
+<p:sld xmlns:a="http://schemas.openxmlformats.org/drawingml/2006/main" xmlns:r="http://schemas.openxmlformats.org/officeDocument/2006/relationships" xmlns:p="http://schemas.openxmlformats.org/presentationml/2006/main">
+  <p:cSld>
+    <p:spTree>
+      <p:nvGrpSpPr>
+        <p:cNvPr id="1" name=""/>
+        <p:cNvGrpSpPr/>
+        <p:nvPr/>
+      </p:nvGrpSpPr>
+      <p:grpSpPr>
+        <a:xfrm>
+          <a:off x="0" y="0"/>
+          <a:ext cx="0" cy="0"/>
+          <a:chOff x="0" y="0"/>
+          <a:chExt cx="0" cy="0"/>
+        </a:xfrm>
+      </p:grpSpPr>
+      <p:sp>
+        <p:nvSpPr>
+          <p:cNvPr id="5" name="Slide Number">
+            <a:extLst>
+              <a:ext uri="{FF2B5EF4-FFF2-40B4-BE49-F238E27FC236}">
+                <a16:creationId xmlns:a16="http://schemas.microsoft.com/office/drawing/2014/main" id="{6A760D59-0056-4F39-B077-DBDBE3D2927E}"/>
+              </a:ext>
+            </a:extLst>
+          </p:cNvPr>
+          <p:cNvSpPr txBox="1">
+            <a:spLocks/>
+          </p:cNvSpPr>
+          <p:nvPr/>
+        </p:nvSpPr>
+        <p:spPr>
+          <a:xfrm>
+            <a:off x="11753030" y="6507000"/>
+            <a:ext cx="367414" cy="297000"/>
+          </a:xfrm>
+          <a:prstGeom prst="rect">
+            <a:avLst/>
+          </a:prstGeom>
+        </p:spPr>
+        <p:txBody>
+          <a:bodyPr vert="horz" lIns="91440" tIns="45720" rIns="91440" bIns="45720" rtlCol="0" anchor="b"/>
+          <a:lstStyle>
+            <a:defPPr>
+              <a:defRPr lang="en-US"/>
+            </a:defPPr>
+            <a:lvl1pPr marL="0" algn="r" defTabSz="914400" rtl="0" eaLnBrk="1" latinLnBrk="0" hangingPunct="1">
+              <a:defRPr sz="1000" kern="1200">
+                <a:solidFill>
+                  <a:schemeClr val="tx1"/>
+                </a:solidFill>
+                <a:latin typeface="+mn-lt"/>
+                <a:ea typeface="+mn-ea"/>
+                <a:cs typeface="+mn-cs"/>
+              </a:defRPr>
+            </a:lvl1pPr>
+            <a:lvl2pPr marL="457200" algn="l" defTabSz="914400" rtl="0" eaLnBrk="1" latinLnBrk="0" hangingPunct="1">
+              <a:defRPr sz="1800" kern="1200">
+                <a:solidFill>
+                  <a:schemeClr val="tx1"/>
+                </a:solidFill>
+                <a:latin typeface="+mn-lt"/>
+                <a:ea typeface="+mn-ea"/>
+                <a:cs typeface="+mn-cs"/>
+              </a:defRPr>
+            </a:lvl2pPr>
+            <a:lvl3pPr marL="914400" algn="l" defTabSz="914400" rtl="0" eaLnBrk="1" latinLnBrk="0" hangingPunct="1">
+              <a:defRPr sz="1800" kern="1200">
+                <a:solidFill>
+                  <a:schemeClr val="tx1"/>
+                </a:solidFill>
+                <a:latin typeface="+mn-lt"/>
+                <a:ea typeface="+mn-ea"/>
+                <a:cs typeface="+mn-cs"/>
+              </a:defRPr>
+            </a:lvl3pPr>
+            <a:lvl4pPr marL="1371600" algn="l" defTabSz="914400" rtl="0" eaLnBrk="1" latinLnBrk="0" hangingPunct="1">
+              <a:defRPr sz="1800" kern="1200">
+                <a:solidFill>
+                  <a:schemeClr val="tx1"/>
+                </a:solidFill>
+                <a:latin typeface="+mn-lt"/>
+                <a:ea typeface="+mn-ea"/>
+                <a:cs typeface="+mn-cs"/>
+              </a:defRPr>
+            </a:lvl4pPr>
+            <a:lvl5pPr marL="1828800" algn="l" defTabSz="914400" rtl="0" eaLnBrk="1" latinLnBrk="0" hangingPunct="1">
+              <a:defRPr sz="1800" kern="1200">
+                <a:solidFill>
+                  <a:schemeClr val="tx1"/>
+                </a:solidFill>
+                <a:latin typeface="+mn-lt"/>
+                <a:ea typeface="+mn-ea"/>
+                <a:cs typeface="+mn-cs"/>
+              </a:defRPr>
+            </a:lvl5pPr>
+            <a:lvl6pPr marL="2286000" algn="l" defTabSz="914400" rtl="0" eaLnBrk="1" latinLnBrk="0" hangingPunct="1">
+              <a:defRPr sz="1800" kern="1200">
+                <a:solidFill>
+                  <a:schemeClr val="tx1"/>
+                </a:solidFill>
+                <a:latin typeface="+mn-lt"/>
+                <a:ea typeface="+mn-ea"/>
+                <a:cs typeface="+mn-cs"/>
+              </a:defRPr>
+            </a:lvl6pPr>
+            <a:lvl7pPr marL="2743200" algn="l" defTabSz="914400" rtl="0" eaLnBrk="1" latinLnBrk="0" hangingPunct="1">
+              <a:defRPr sz="1800" kern="1200">
+                <a:solidFill>
+                  <a:schemeClr val="tx1"/>
+                </a:solidFill>
+                <a:latin typeface="+mn-lt"/>
+                <a:ea typeface="+mn-ea"/>
+                <a:cs typeface="+mn-cs"/>
+              </a:defRPr>
+            </a:lvl7pPr>
+            <a:lvl8pPr marL="3200400" algn="l" defTabSz="914400" rtl="0" eaLnBrk="1" latinLnBrk="0" hangingPunct="1">
+              <a:defRPr sz="1800" kern="1200">
+                <a:solidFill>
+                  <a:schemeClr val="tx1"/>
+                </a:solidFill>
+                <a:latin typeface="+mn-lt"/>
+                <a:ea typeface="+mn-ea"/>
+                <a:cs typeface="+mn-cs"/>
+              </a:defRPr>
+            </a:lvl8pPr>
+            <a:lvl9pPr marL="3657600" algn="l" defTabSz="914400" rtl="0" eaLnBrk="1" latinLnBrk="0" hangingPunct="1">
+              <a:defRPr sz="1800" kern="1200">
+                <a:solidFill>
+                  <a:schemeClr val="tx1"/>
+                </a:solidFill>
+                <a:latin typeface="+mn-lt"/>
+                <a:ea typeface="+mn-ea"/>
+                <a:cs typeface="+mn-cs"/>
+              </a:defRPr>
+            </a:lvl9pPr>
+          </a:lstStyle>
+          <a:p>
+            <a:fld id="{2BF067CD-8E6B-4360-9AA8-C5DF2A48A6D1}" type="slidenum">
+              <a:rPr lang="en-US" smtClean="0"/>
+              <a:pPr/>
+              <a:t>2</a:t>
+            </a:fld>
+            <a:endParaRPr lang="en-US" dirty="0"/>
+          </a:p>
+        </p:txBody>
+      </p:sp>
+      <p:sp>
+        <p:nvSpPr>
+          <p:cNvPr id="444419" name="Slide Body"/>
+          <p:cNvSpPr>
+            <a:spLocks noGrp="1" noChangeArrowheads="1"/>
+          </p:cNvSpPr>
+          <p:nvPr>
+            <p:ph type="body" sz="quarter" idx="13"/>
+          </p:nvPr>
+        </p:nvSpPr>
+        <p:spPr>
+          <a:xfrm>
+            <a:off x="196766" y="1371604"/>
+            <a:ext cx="8959234" cy="5207396"/>
+          </a:xfrm>
+        </p:spPr>
+        <p:txBody>
+          <a:bodyPr>
+            <a:normAutofit/>
+          </a:bodyPr>
+          <a:lstStyle/>
+          <a:p>
+            <a:r>
+              <a:rPr lang="bg-BG" dirty="0"/>
+              <a:t>Създаване на герой</a:t>
+            </a:r>
+          </a:p>
+          <a:p>
+            <a:r>
+              <a:rPr lang="ru-RU" dirty="0"/>
+              <a:t>Персонализиране на визията и характеристиките на героя</a:t>
+            </a:r>
+          </a:p>
+          <a:p>
+            <a:pPr lvl="1"/>
+            <a:r>
+              <a:rPr lang="bg-BG" dirty="0"/>
+              <a:t>Костюм</a:t>
+            </a:r>
+          </a:p>
+          <a:p>
+            <a:pPr lvl="1"/>
+            <a:r>
+              <a:rPr lang="bg-BG" dirty="0"/>
+              <a:t>Състояние</a:t>
+            </a:r>
+          </a:p>
+          <a:p>
+            <a:pPr lvl="1"/>
+            <a:r>
+              <a:rPr lang="bg-BG" dirty="0"/>
+              <a:t>Цвят</a:t>
+            </a:r>
+          </a:p>
+          <a:p>
+            <a:pPr lvl="1"/>
+            <a:r>
+              <a:rPr lang="bg-BG" dirty="0"/>
+              <a:t>Размер</a:t>
+            </a:r>
+          </a:p>
+        </p:txBody>
+      </p:sp>
+      <p:sp>
+        <p:nvSpPr>
+          <p:cNvPr id="444418" name="Slide Title"/>
+          <p:cNvSpPr>
+            <a:spLocks noGrp="1" noChangeArrowheads="1"/>
+          </p:cNvSpPr>
+          <p:nvPr>
+            <p:ph type="title"/>
+          </p:nvPr>
+        </p:nvSpPr>
+        <p:spPr>
+          <a:xfrm>
+            <a:off x="190406" y="100750"/>
+            <a:ext cx="10270594" cy="882654"/>
+          </a:xfrm>
+        </p:spPr>
+        <p:txBody>
+          <a:bodyPr/>
+          <a:lstStyle/>
+          <a:p>
+            <a:r>
+              <a:rPr lang="bg-BG"/>
+              <a:t>Съдържание</a:t>
+            </a:r>
+            <a:endParaRPr lang="bg-BG" dirty="0"/>
+          </a:p>
+        </p:txBody>
+      </p:sp>
+      <p:pic>
+        <p:nvPicPr>
+          <p:cNvPr id="4" name="Picture 3">
+            <a:extLst>
+              <a:ext uri="{FF2B5EF4-FFF2-40B4-BE49-F238E27FC236}">
+                <a16:creationId xmlns:a16="http://schemas.microsoft.com/office/drawing/2014/main" id="{8835CDFB-0E94-0132-177D-CD4B4F85BF89}"/>
+              </a:ext>
+            </a:extLst>
+          </p:cNvPr>
+          <p:cNvPicPr>
+            <a:picLocks noChangeAspect="1"/>
+          </p:cNvPicPr>
+          <p:nvPr/>
+        </p:nvPicPr>
+        <p:blipFill>
+          <a:blip r:embed="rId3">
+            <a:duotone>
+              <a:prstClr val="black"/>
+              <a:schemeClr val="accent1">
+                <a:tint val="45000"/>
+                <a:satMod val="400000"/>
+              </a:schemeClr>
+            </a:duotone>
+            <a:extLst>
+              <a:ext uri="{BEBA8EAE-BF5A-486C-A8C5-ECC9F3942E4B}">
+                <a14:imgProps xmlns:a14="http://schemas.microsoft.com/office/drawing/2010/main">
+                  <a14:imgLayer r:embed="rId4">
+                    <a14:imgEffect>
+                      <a14:brightnessContrast bright="30000"/>
+                    </a14:imgEffect>
+                  </a14:imgLayer>
+                </a14:imgProps>
+              </a:ext>
+            </a:extLst>
+          </a:blip>
+          <a:stretch>
+            <a:fillRect/>
+          </a:stretch>
+        </p:blipFill>
+        <p:spPr>
+          <a:xfrm>
+            <a:off x="10011000" y="1584000"/>
+            <a:ext cx="1581246" cy="2115000"/>
+          </a:xfrm>
+          <a:prstGeom prst="rect">
+            <a:avLst/>
+          </a:prstGeom>
+        </p:spPr>
+      </p:pic>
+    </p:spTree>
+    <p:extLst>
+      <p:ext uri="{BB962C8B-B14F-4D97-AF65-F5344CB8AC3E}">
+        <p14:creationId xmlns:p14="http://schemas.microsoft.com/office/powerpoint/2010/main" val="1646986932"/>
+      </p:ext>
+    </p:extLst>
+  </p:cSld>
+  <p:clrMapOvr>
+    <a:masterClrMapping/>
+  </p:clrMapOvr>
+  <mc:AlternateContent xmlns:mc="http://schemas.openxmlformats.org/markup-compatibility/2006" xmlns:p14="http://schemas.microsoft.com/office/powerpoint/2010/main">
+    <mc:Choice Requires="p14">
+      <p:transition spd="slow" p14:dur="2000" advClick="0" advTm="5000"/>
+    </mc:Choice>
+    <mc:Fallback xmlns="">
+      <p:transition spd="slow" advClick="0" advTm="5000"/>
+    </mc:Fallback>
+  </mc:AlternateContent>
+</p:sld>
+</file>
+
+<file path=ppt/slides/slide3.xml><?xml version="1.0" encoding="utf-8"?>
+<p:sld xmlns:a="http://schemas.openxmlformats.org/drawingml/2006/main" xmlns:r="http://schemas.openxmlformats.org/officeDocument/2006/relationships" xmlns:p="http://schemas.openxmlformats.org/presentationml/2006/main">
+  <p:cSld>
+    <p:spTree>
+      <p:nvGrpSpPr>
+        <p:cNvPr id="1" name=""/>
+        <p:cNvGrpSpPr/>
+        <p:nvPr/>
+      </p:nvGrpSpPr>
+      <p:grpSpPr>
+        <a:xfrm>
+          <a:off x="0" y="0"/>
+          <a:ext cx="0" cy="0"/>
+          <a:chOff x="0" y="0"/>
+          <a:chExt cx="0" cy="0"/>
+        </a:xfrm>
+      </p:grpSpPr>
+      <p:sp>
+        <p:nvSpPr>
+          <p:cNvPr id="8" name="Subtitle 7">
+            <a:extLst>
+              <a:ext uri="{FF2B5EF4-FFF2-40B4-BE49-F238E27FC236}">
+                <a16:creationId xmlns:a16="http://schemas.microsoft.com/office/drawing/2014/main" id="{7DED7145-167C-5B96-A09A-4C8BFB040811}"/>
+              </a:ext>
+            </a:extLst>
+          </p:cNvPr>
+          <p:cNvSpPr>
+            <a:spLocks noGrp="1"/>
+          </p:cNvSpPr>
+          <p:nvPr>
+            <p:ph type="subTitle" sz="quarter" idx="11"/>
+          </p:nvPr>
+        </p:nvSpPr>
+        <p:spPr/>
+        <p:txBody>
+          <a:bodyPr/>
+          <a:lstStyle/>
+          <a:p>
+            <a:r>
+              <a:rPr lang="bg-BG" dirty="0"/>
+              <a:t>Разширени функционалности</a:t>
+            </a:r>
+            <a:endParaRPr lang="en-GB" dirty="0"/>
+          </a:p>
+        </p:txBody>
+      </p:sp>
+      <p:sp>
+        <p:nvSpPr>
+          <p:cNvPr id="7" name="Title 6">
+            <a:extLst>
+              <a:ext uri="{FF2B5EF4-FFF2-40B4-BE49-F238E27FC236}">
+                <a16:creationId xmlns:a16="http://schemas.microsoft.com/office/drawing/2014/main" id="{5BF119E4-6643-7F9F-1015-A83D51D16486}"/>
+              </a:ext>
+            </a:extLst>
+          </p:cNvPr>
+          <p:cNvSpPr>
+            <a:spLocks noGrp="1"/>
+          </p:cNvSpPr>
+          <p:nvPr>
+            <p:ph type="title" sz="quarter" idx="10"/>
+          </p:nvPr>
+        </p:nvSpPr>
+        <p:spPr/>
+        <p:txBody>
+          <a:bodyPr/>
+          <a:lstStyle/>
+          <a:p>
+            <a:r>
+              <a:rPr lang="bg-BG" dirty="0"/>
+              <a:t>Създаване на герой</a:t>
+            </a:r>
+            <a:endParaRPr lang="en-GB" dirty="0"/>
+          </a:p>
+        </p:txBody>
+      </p:sp>
+      <p:pic>
+        <p:nvPicPr>
+          <p:cNvPr id="10" name="Picture 9">
+            <a:extLst>
+              <a:ext uri="{FF2B5EF4-FFF2-40B4-BE49-F238E27FC236}">
+                <a16:creationId xmlns:a16="http://schemas.microsoft.com/office/drawing/2014/main" id="{BC3F57A0-8F56-EF2A-04C0-89376073393D}"/>
+              </a:ext>
+            </a:extLst>
+          </p:cNvPr>
+          <p:cNvPicPr>
+            <a:picLocks noChangeAspect="1"/>
+          </p:cNvPicPr>
+          <p:nvPr/>
+        </p:nvPicPr>
+        <p:blipFill>
+          <a:blip r:embed="rId2">
+            <a:extLst>
+              <a:ext uri="{28A0092B-C50C-407E-A947-70E740481C1C}">
+                <a14:useLocalDpi xmlns:a14="http://schemas.microsoft.com/office/drawing/2010/main" val="0"/>
+              </a:ext>
+            </a:extLst>
+          </a:blip>
+          <a:stretch>
+            <a:fillRect/>
+          </a:stretch>
+        </p:blipFill>
+        <p:spPr>
+          <a:xfrm>
+            <a:off x="4426716" y="1539000"/>
+            <a:ext cx="3338568" cy="2173575"/>
+          </a:xfrm>
+          <a:prstGeom prst="rect">
+            <a:avLst/>
+          </a:prstGeom>
+        </p:spPr>
+      </p:pic>
+    </p:spTree>
+    <p:extLst>
+      <p:ext uri="{BB962C8B-B14F-4D97-AF65-F5344CB8AC3E}">
+        <p14:creationId xmlns:p14="http://schemas.microsoft.com/office/powerpoint/2010/main" val="1361586382"/>
+      </p:ext>
+    </p:extLst>
+  </p:cSld>
+  <p:clrMapOvr>
+    <a:masterClrMapping/>
+  </p:clrMapOvr>
+  <mc:AlternateContent xmlns:mc="http://schemas.openxmlformats.org/markup-compatibility/2006" xmlns:p14="http://schemas.microsoft.com/office/powerpoint/2010/main">
+    <mc:Choice Requires="p14">
+      <p:transition spd="slow" p14:dur="2000" advClick="0" advTm="5000"/>
+    </mc:Choice>
+    <mc:Fallback xmlns="">
+      <p:transition spd="slow" advClick="0" advTm="5000"/>
+    </mc:Fallback>
+  </mc:AlternateContent>
+</p:sld>
+</file>
+
+<file path=ppt/slides/slide4.xml><?xml version="1.0" encoding="utf-8"?>
+<p:sld xmlns:a="http://schemas.openxmlformats.org/drawingml/2006/main" xmlns:r="http://schemas.openxmlformats.org/officeDocument/2006/relationships" xmlns:p="http://schemas.openxmlformats.org/presentationml/2006/main">
+  <p:cSld>
+    <p:spTree>
+      <p:nvGrpSpPr>
+        <p:cNvPr id="1" name=""/>
+        <p:cNvGrpSpPr/>
+        <p:nvPr/>
+      </p:nvGrpSpPr>
+      <p:grpSpPr>
+        <a:xfrm>
+          <a:off x="0" y="0"/>
+          <a:ext cx="0" cy="0"/>
+          <a:chOff x="0" y="0"/>
+          <a:chExt cx="0" cy="0"/>
+        </a:xfrm>
+      </p:grpSpPr>
+      <p:sp>
+        <p:nvSpPr>
+          <p:cNvPr id="5" name="Text Placeholder 4">
+            <a:extLst>
+              <a:ext uri="{FF2B5EF4-FFF2-40B4-BE49-F238E27FC236}">
+                <a16:creationId xmlns:a16="http://schemas.microsoft.com/office/drawing/2014/main" id="{A3E1EA24-A0B3-D14B-81D3-D3BC877CF0C3}"/>
+              </a:ext>
+            </a:extLst>
+          </p:cNvPr>
+          <p:cNvSpPr>
+            <a:spLocks noGrp="1"/>
+          </p:cNvSpPr>
+          <p:nvPr>
+            <p:ph type="body" sz="quarter" idx="10"/>
+          </p:nvPr>
+        </p:nvSpPr>
+        <p:spPr/>
+        <p:txBody>
+          <a:bodyPr/>
+          <a:lstStyle/>
+          <a:p>
+            <a:r>
+              <a:rPr lang="bg-BG" dirty="0"/>
+              <a:t>За да </a:t>
+            </a:r>
+            <a:r>
+              <a:rPr lang="bg-BG" b="1" dirty="0"/>
+              <a:t>създадем </a:t>
+            </a:r>
+            <a:r>
+              <a:rPr lang="bg-BG" b="1" dirty="0">
+                <a:solidFill>
+                  <a:schemeClr val="bg1"/>
+                </a:solidFill>
+              </a:rPr>
+              <a:t>герой</a:t>
+            </a:r>
+            <a:r>
+              <a:rPr lang="bg-BG" b="1" dirty="0"/>
+              <a:t> </a:t>
+            </a:r>
+            <a:r>
+              <a:rPr lang="bg-BG" dirty="0"/>
+              <a:t>в </a:t>
+            </a:r>
+            <a:r>
+              <a:rPr lang="en-GB" b="1" dirty="0"/>
+              <a:t>Python</a:t>
+            </a:r>
+            <a:r>
+              <a:rPr lang="bg-BG" dirty="0"/>
+              <a:t>, трябва да</a:t>
+            </a:r>
+            <a:r>
+              <a:rPr lang="en-GB" dirty="0"/>
+              <a:t>:</a:t>
+            </a:r>
+          </a:p>
+        </p:txBody>
+      </p:sp>
+      <p:sp>
+        <p:nvSpPr>
+          <p:cNvPr id="4" name="Title 3">
+            <a:extLst>
+              <a:ext uri="{FF2B5EF4-FFF2-40B4-BE49-F238E27FC236}">
+                <a16:creationId xmlns:a16="http://schemas.microsoft.com/office/drawing/2014/main" id="{0936FD20-5A5A-F401-C595-A53B9DFA4E5D}"/>
+              </a:ext>
+            </a:extLst>
+          </p:cNvPr>
+          <p:cNvSpPr>
+            <a:spLocks noGrp="1"/>
+          </p:cNvSpPr>
+          <p:nvPr>
+            <p:ph type="title"/>
+          </p:nvPr>
+        </p:nvSpPr>
+        <p:spPr/>
+        <p:txBody>
+          <a:bodyPr/>
+          <a:lstStyle/>
+          <a:p>
+            <a:r>
+              <a:rPr lang="bg-BG" dirty="0"/>
+              <a:t>Нека да припомним!</a:t>
+            </a:r>
+            <a:endParaRPr lang="en-GB" dirty="0"/>
+          </a:p>
+        </p:txBody>
+      </p:sp>
+      <p:sp>
+        <p:nvSpPr>
+          <p:cNvPr id="6" name="TextBox 5">
+            <a:extLst>
+              <a:ext uri="{FF2B5EF4-FFF2-40B4-BE49-F238E27FC236}">
+                <a16:creationId xmlns:a16="http://schemas.microsoft.com/office/drawing/2014/main" id="{5871C4D5-2A80-5075-90FC-36CE3D12472E}"/>
+              </a:ext>
+            </a:extLst>
+          </p:cNvPr>
+          <p:cNvSpPr txBox="1"/>
+          <p:nvPr/>
+        </p:nvSpPr>
+        <p:spPr>
+          <a:xfrm>
+            <a:off x="3351000" y="3170959"/>
+            <a:ext cx="5490000" cy="1613876"/>
+          </a:xfrm>
+          <a:prstGeom prst="rect">
+            <a:avLst/>
+          </a:prstGeom>
+          <a:solidFill>
+            <a:schemeClr val="accent6">
+              <a:lumMod val="75000"/>
+              <a:alpha val="15000"/>
+            </a:schemeClr>
+          </a:solidFill>
+          <a:ln w="12700">
+            <a:solidFill>
+              <a:schemeClr val="tx1">
+                <a:lumMod val="75000"/>
+              </a:schemeClr>
+            </a:solidFill>
+          </a:ln>
+        </p:spPr>
+        <p:txBody>
+          <a:bodyPr vert="horz" wrap="square" lIns="144000" tIns="108000" rIns="144000" bIns="108000" rtlCol="0">
+            <a:spAutoFit/>
+          </a:bodyPr>
+          <a:lstStyle/>
+          <a:p>
+            <a:pPr eaLnBrk="0" hangingPunct="0">
+              <a:lnSpc>
+                <a:spcPct val="110000"/>
+              </a:lnSpc>
+              <a:buClr>
+                <a:schemeClr val="accent5">
+                  <a:lumMod val="40000"/>
+                  <a:lumOff val="60000"/>
+                </a:schemeClr>
+              </a:buClr>
+              <a:buSzPct val="70000"/>
+            </a:pPr>
+            <a:r>
+              <a:rPr lang="en-GB" sz="2800" b="1" dirty="0">
+                <a:latin typeface="Consolas" panose="020B0609020204030204" pitchFamily="49" charset="0"/>
+              </a:rPr>
+              <a:t>from </a:t>
+            </a:r>
+            <a:r>
+              <a:rPr lang="en-GB" sz="2800" b="1" dirty="0">
+                <a:solidFill>
+                  <a:schemeClr val="bg1"/>
+                </a:solidFill>
+                <a:latin typeface="Consolas" panose="020B0609020204030204" pitchFamily="49" charset="0"/>
+              </a:rPr>
+              <a:t>turtle</a:t>
+            </a:r>
+            <a:r>
+              <a:rPr lang="en-GB" sz="2800" b="1" dirty="0">
+                <a:latin typeface="Consolas" panose="020B0609020204030204" pitchFamily="49" charset="0"/>
+              </a:rPr>
+              <a:t> </a:t>
+            </a:r>
+            <a:r>
+              <a:rPr lang="en-US" sz="2800" b="1" dirty="0">
+                <a:latin typeface="Consolas" panose="020B0609020204030204" pitchFamily="49" charset="0"/>
+              </a:rPr>
+              <a:t>import </a:t>
+            </a:r>
+            <a:r>
+              <a:rPr lang="bg-BG" sz="2800" b="1" dirty="0">
+                <a:solidFill>
+                  <a:schemeClr val="bg1"/>
+                </a:solidFill>
+                <a:latin typeface="Consolas" panose="020B0609020204030204" pitchFamily="49" charset="0"/>
+              </a:rPr>
+              <a:t>*</a:t>
+            </a:r>
+            <a:endParaRPr lang="en-GB" sz="2800" b="1" dirty="0">
+              <a:solidFill>
+                <a:schemeClr val="bg1"/>
+              </a:solidFill>
+              <a:latin typeface="Consolas" panose="020B0609020204030204" pitchFamily="49" charset="0"/>
+            </a:endParaRPr>
+          </a:p>
+          <a:p>
+            <a:pPr eaLnBrk="0" hangingPunct="0">
+              <a:lnSpc>
+                <a:spcPct val="110000"/>
+              </a:lnSpc>
+              <a:buClr>
+                <a:schemeClr val="accent5">
+                  <a:lumMod val="40000"/>
+                  <a:lumOff val="60000"/>
+                </a:schemeClr>
+              </a:buClr>
+              <a:buSzPct val="70000"/>
+            </a:pPr>
+            <a:endParaRPr lang="en-GB" sz="2800" b="1" dirty="0">
+              <a:solidFill>
+                <a:schemeClr val="bg1"/>
+              </a:solidFill>
+              <a:latin typeface="Consolas" panose="020B0609020204030204" pitchFamily="49" charset="0"/>
+            </a:endParaRPr>
+          </a:p>
+          <a:p>
+            <a:pPr eaLnBrk="0" hangingPunct="0">
+              <a:lnSpc>
+                <a:spcPct val="110000"/>
+              </a:lnSpc>
+              <a:buClr>
+                <a:schemeClr val="accent5">
+                  <a:lumMod val="40000"/>
+                  <a:lumOff val="60000"/>
+                </a:schemeClr>
+              </a:buClr>
+              <a:buSzPct val="70000"/>
+            </a:pPr>
+            <a:r>
+              <a:rPr lang="en-US" sz="2800" b="1" dirty="0">
+                <a:latin typeface="Consolas" panose="020B0609020204030204" pitchFamily="49" charset="0"/>
+              </a:rPr>
+              <a:t>pesho = </a:t>
+            </a:r>
+            <a:r>
+              <a:rPr lang="en-US" sz="2800" b="1" dirty="0">
+                <a:solidFill>
+                  <a:schemeClr val="bg1"/>
+                </a:solidFill>
+                <a:latin typeface="Consolas" panose="020B0609020204030204" pitchFamily="49" charset="0"/>
+              </a:rPr>
+              <a:t>Turtle() </a:t>
+            </a:r>
+          </a:p>
+        </p:txBody>
+      </p:sp>
+      <p:sp>
+        <p:nvSpPr>
+          <p:cNvPr id="7" name="Speech Bubble: Rectangle with Corners Rounded 6">
+            <a:extLst>
+              <a:ext uri="{FF2B5EF4-FFF2-40B4-BE49-F238E27FC236}">
+                <a16:creationId xmlns:a16="http://schemas.microsoft.com/office/drawing/2014/main" id="{38BA3999-44DC-D13E-2EF3-BFEB841C4C85}"/>
+              </a:ext>
+            </a:extLst>
+          </p:cNvPr>
+          <p:cNvSpPr/>
+          <p:nvPr/>
+        </p:nvSpPr>
+        <p:spPr bwMode="auto">
+          <a:xfrm>
+            <a:off x="7806000" y="2169000"/>
+            <a:ext cx="3375000" cy="1080000"/>
+          </a:xfrm>
+          <a:prstGeom prst="wedgeRoundRectCallout">
+            <a:avLst>
+              <a:gd name="adj1" fmla="val -82688"/>
+              <a:gd name="adj2" fmla="val 51318"/>
+              <a:gd name="adj3" fmla="val 16667"/>
+            </a:avLst>
+          </a:prstGeom>
+          <a:solidFill>
+            <a:schemeClr val="dk2">
+              <a:alpha val="80000"/>
+            </a:schemeClr>
+          </a:solidFill>
+          <a:ln w="19050">
+            <a:solidFill>
+              <a:schemeClr val="tx1">
+                <a:lumMod val="75000"/>
+                <a:alpha val="80000"/>
+              </a:schemeClr>
+            </a:solidFill>
+          </a:ln>
+          <a:effectLst/>
+        </p:spPr>
+        <p:style>
+          <a:lnRef idx="2">
+            <a:schemeClr val="accent1">
+              <a:shade val="50000"/>
+            </a:schemeClr>
+          </a:lnRef>
+          <a:fillRef idx="1001">
+            <a:schemeClr val="dk2"/>
+          </a:fillRef>
+          <a:effectRef idx="0">
+            <a:schemeClr val="accent1"/>
+          </a:effectRef>
+          <a:fontRef idx="minor">
+            <a:schemeClr val="lt1"/>
+          </a:fontRef>
+        </p:style>
+        <p:txBody>
+          <a:bodyPr rot="0" spcFirstLastPara="0" vertOverflow="overflow" horzOverflow="overflow" vert="horz" wrap="square" lIns="91440" tIns="45720" rIns="91440" bIns="45720" numCol="1" spcCol="0" rtlCol="0" fromWordArt="0" anchor="ctr" anchorCtr="0" forceAA="0" compatLnSpc="1">
+            <a:prstTxWarp prst="textNoShape">
+              <a:avLst/>
+            </a:prstTxWarp>
+            <a:noAutofit/>
+          </a:bodyPr>
+          <a:lstStyle/>
+          <a:p>
+            <a:pPr algn="ctr"/>
+            <a:r>
+              <a:rPr lang="bg-BG" sz="2800" b="1" dirty="0">
+                <a:solidFill>
+                  <a:srgbClr val="FFFFFF"/>
+                </a:solidFill>
+                <a:effectLst>
+                  <a:outerShdw blurRad="38100" dist="38100" dir="2700000" algn="tl">
+                    <a:srgbClr val="000000">
+                      <a:alpha val="43137"/>
+                    </a:srgbClr>
+                  </a:outerShdw>
+                </a:effectLst>
+              </a:rPr>
+              <a:t>Вмъкнем библиотеката </a:t>
+            </a:r>
+            <a:r>
+              <a:rPr lang="en-GB" sz="2800" b="1" dirty="0">
+                <a:solidFill>
+                  <a:schemeClr val="accent1">
+                    <a:lumMod val="60000"/>
+                    <a:lumOff val="40000"/>
+                  </a:schemeClr>
+                </a:solidFill>
+                <a:effectLst>
+                  <a:outerShdw blurRad="38100" dist="38100" dir="2700000" algn="tl">
+                    <a:srgbClr val="000000">
+                      <a:alpha val="43137"/>
+                    </a:srgbClr>
+                  </a:outerShdw>
+                </a:effectLst>
+              </a:rPr>
+              <a:t>turtle</a:t>
+            </a:r>
+          </a:p>
+        </p:txBody>
+      </p:sp>
+      <p:sp>
+        <p:nvSpPr>
+          <p:cNvPr id="8" name="Speech Bubble: Rectangle with Corners Rounded 7">
+            <a:extLst>
+              <a:ext uri="{FF2B5EF4-FFF2-40B4-BE49-F238E27FC236}">
+                <a16:creationId xmlns:a16="http://schemas.microsoft.com/office/drawing/2014/main" id="{214FDA01-3850-D4D0-C5EC-FE639E46BA90}"/>
+              </a:ext>
+            </a:extLst>
+          </p:cNvPr>
+          <p:cNvSpPr/>
+          <p:nvPr/>
+        </p:nvSpPr>
+        <p:spPr bwMode="auto">
+          <a:xfrm>
+            <a:off x="1011000" y="5229000"/>
+            <a:ext cx="4005000" cy="720000"/>
+          </a:xfrm>
+          <a:prstGeom prst="wedgeRoundRectCallout">
+            <a:avLst>
+              <a:gd name="adj1" fmla="val 44431"/>
+              <a:gd name="adj2" fmla="val -116019"/>
+              <a:gd name="adj3" fmla="val 16667"/>
+            </a:avLst>
+          </a:prstGeom>
+          <a:solidFill>
+            <a:schemeClr val="dk2">
+              <a:alpha val="80000"/>
+            </a:schemeClr>
+          </a:solidFill>
+          <a:ln w="19050">
+            <a:solidFill>
+              <a:schemeClr val="tx1">
+                <a:lumMod val="75000"/>
+                <a:alpha val="80000"/>
+              </a:schemeClr>
+            </a:solidFill>
+          </a:ln>
+          <a:effectLst/>
+        </p:spPr>
+        <p:style>
+          <a:lnRef idx="2">
+            <a:schemeClr val="accent1">
+              <a:shade val="50000"/>
+            </a:schemeClr>
+          </a:lnRef>
+          <a:fillRef idx="1001">
+            <a:schemeClr val="dk2"/>
+          </a:fillRef>
+          <a:effectRef idx="0">
+            <a:schemeClr val="accent1"/>
+          </a:effectRef>
+          <a:fontRef idx="minor">
+            <a:schemeClr val="lt1"/>
+          </a:fontRef>
+        </p:style>
+        <p:txBody>
+          <a:bodyPr rot="0" spcFirstLastPara="0" vertOverflow="overflow" horzOverflow="overflow" vert="horz" wrap="square" lIns="91440" tIns="45720" rIns="91440" bIns="45720" numCol="1" spcCol="0" rtlCol="0" fromWordArt="0" anchor="ctr" anchorCtr="0" forceAA="0" compatLnSpc="1">
+            <a:prstTxWarp prst="textNoShape">
+              <a:avLst/>
+            </a:prstTxWarp>
+            <a:noAutofit/>
+          </a:bodyPr>
+          <a:lstStyle/>
+          <a:p>
+            <a:pPr algn="ctr"/>
+            <a:r>
+              <a:rPr lang="bg-BG" sz="2800" b="1" dirty="0">
+                <a:solidFill>
+                  <a:srgbClr val="FFFFFF"/>
+                </a:solidFill>
+                <a:effectLst>
+                  <a:outerShdw blurRad="38100" dist="38100" dir="2700000" algn="tl">
+                    <a:srgbClr val="000000">
+                      <a:alpha val="43137"/>
+                    </a:srgbClr>
+                  </a:outerShdw>
+                </a:effectLst>
+              </a:rPr>
+              <a:t>Инициализираме героя </a:t>
+            </a:r>
+          </a:p>
+        </p:txBody>
+      </p:sp>
+    </p:spTree>
+    <p:extLst>
+      <p:ext uri="{BB962C8B-B14F-4D97-AF65-F5344CB8AC3E}">
+        <p14:creationId xmlns:p14="http://schemas.microsoft.com/office/powerpoint/2010/main" val="2786647647"/>
+      </p:ext>
+    </p:extLst>
+  </p:cSld>
+  <p:clrMapOvr>
+    <a:masterClrMapping/>
+  </p:clrMapOvr>
+  <mc:AlternateContent xmlns:mc="http://schemas.openxmlformats.org/markup-compatibility/2006" xmlns:p14="http://schemas.microsoft.com/office/powerpoint/2010/main">
+    <mc:Choice Requires="p14">
+      <p:transition spd="slow" p14:dur="2000" advClick="0" advTm="5000"/>
+    </mc:Choice>
+    <mc:Fallback xmlns="">
+      <p:transition spd="slow" advClick="0" advTm="5000"/>
+    </mc:Fallback>
+  </mc:AlternateContent>
+  <p:timing>
+    <p:tnLst>
+      <p:par>
+        <p:cTn id="1" dur="indefinite" restart="never" nodeType="tmRoot">
+          <p:childTnLst>
+            <p:seq concurrent="1" nextAc="seek">
+              <p:cTn id="2" dur="indefinite" nodeType="mainSeq">
+                <p:childTnLst>
+                  <p:par>
+                    <p:cTn id="3" fill="hold">
+                      <p:stCondLst>
+                        <p:cond delay="indefinite"/>
+                      </p:stCondLst>
+                      <p:childTnLst>
+                        <p:par>
+                          <p:cTn id="4" fill="hold">
+                            <p:stCondLst>
+                              <p:cond delay="0"/>
+                            </p:stCondLst>
+                            <p:childTnLst>
+                              <p:par>
+                                <p:cTn id="5" presetID="1" presetClass="entr" presetSubtype="0" fill="hold" nodeType="clickEffect">
+                                  <p:stCondLst>
+                                    <p:cond delay="0"/>
+                                  </p:stCondLst>
+                                  <p:childTnLst>
+                                    <p:set>
+                                      <p:cBhvr>
+                                        <p:cTn id="6" dur="1" fill="hold">
+                                          <p:stCondLst>
+                                            <p:cond delay="0"/>
+                                          </p:stCondLst>
+                                        </p:cTn>
+                                        <p:tgtEl>
+                                          <p:spTgt spid="6">
+                                            <p:txEl>
+                                              <p:pRg st="0" end="0"/>
+                                            </p:txEl>
+                                          </p:spTgt>
+                                        </p:tgtEl>
+                                        <p:attrNameLst>
+                                          <p:attrName>style.visibility</p:attrName>
+                                        </p:attrNameLst>
+                                      </p:cBhvr>
+                                      <p:to>
+                                        <p:strVal val="visible"/>
+                                      </p:to>
+                                    </p:set>
+                                  </p:childTnLst>
+                                </p:cTn>
+                              </p:par>
+                            </p:childTnLst>
+                          </p:cTn>
+                        </p:par>
+                      </p:childTnLst>
+                    </p:cTn>
+                  </p:par>
+                  <p:par>
+                    <p:cTn id="7" fill="hold">
+                      <p:stCondLst>
+                        <p:cond delay="indefinite"/>
+                      </p:stCondLst>
+                      <p:childTnLst>
+                        <p:par>
+                          <p:cTn id="8" fill="hold">
+                            <p:stCondLst>
+                              <p:cond delay="0"/>
+                            </p:stCondLst>
+                            <p:childTnLst>
+                              <p:par>
+                                <p:cTn id="9" presetID="1" presetClass="entr" presetSubtype="0" fill="hold" grpId="0" nodeType="clickEffect">
+                                  <p:stCondLst>
+                                    <p:cond delay="0"/>
+                                  </p:stCondLst>
+                                  <p:childTnLst>
+                                    <p:set>
+                                      <p:cBhvr>
+                                        <p:cTn id="10" dur="1" fill="hold">
+                                          <p:stCondLst>
+                                            <p:cond delay="0"/>
+                                          </p:stCondLst>
+                                        </p:cTn>
+                                        <p:tgtEl>
+                                          <p:spTgt spid="7"/>
+                                        </p:tgtEl>
+                                        <p:attrNameLst>
+                                          <p:attrName>style.visibility</p:attrName>
+                                        </p:attrNameLst>
+                                      </p:cBhvr>
+                                      <p:to>
+                                        <p:strVal val="visible"/>
+                                      </p:to>
+                                    </p:set>
+                                  </p:childTnLst>
+                                </p:cTn>
+                              </p:par>
+                            </p:childTnLst>
+                          </p:cTn>
+                        </p:par>
+                      </p:childTnLst>
+                    </p:cTn>
+                  </p:par>
+                  <p:par>
+                    <p:cTn id="11" fill="hold">
+                      <p:stCondLst>
+                        <p:cond delay="indefinite"/>
+                      </p:stCondLst>
+                      <p:childTnLst>
+                        <p:par>
+                          <p:cTn id="12" fill="hold">
+                            <p:stCondLst>
+                              <p:cond delay="0"/>
+                            </p:stCondLst>
+                            <p:childTnLst>
+                              <p:par>
+                                <p:cTn id="13" presetID="1" presetClass="entr" presetSubtype="0" fill="hold" nodeType="clickEffect">
+                                  <p:stCondLst>
+                                    <p:cond delay="0"/>
+                                  </p:stCondLst>
+                                  <p:childTnLst>
+                                    <p:set>
+                                      <p:cBhvr>
+                                        <p:cTn id="14" dur="1" fill="hold">
+                                          <p:stCondLst>
+                                            <p:cond delay="0"/>
+                                          </p:stCondLst>
+                                        </p:cTn>
+                                        <p:tgtEl>
+                                          <p:spTgt spid="6">
+                                            <p:txEl>
+                                              <p:pRg st="2" end="2"/>
+                                            </p:txEl>
+                                          </p:spTgt>
+                                        </p:tgtEl>
+                                        <p:attrNameLst>
+                                          <p:attrName>style.visibility</p:attrName>
+                                        </p:attrNameLst>
+                                      </p:cBhvr>
+                                      <p:to>
+                                        <p:strVal val="visible"/>
+                                      </p:to>
+                                    </p:set>
+                                  </p:childTnLst>
+                                </p:cTn>
+                              </p:par>
+                            </p:childTnLst>
+                          </p:cTn>
+                        </p:par>
+                      </p:childTnLst>
+                    </p:cTn>
+                  </p:par>
+                  <p:par>
+                    <p:cTn id="15" fill="hold">
+                      <p:stCondLst>
+                        <p:cond delay="indefinite"/>
+                      </p:stCondLst>
+                      <p:childTnLst>
+                        <p:par>
+                          <p:cTn id="16" fill="hold">
+                            <p:stCondLst>
+                              <p:cond delay="0"/>
+                            </p:stCondLst>
+                            <p:childTnLst>
+                              <p:par>
+                                <p:cTn id="17" presetID="1" presetClass="entr" presetSubtype="0" fill="hold" grpId="0" nodeType="clickEffect">
+                                  <p:stCondLst>
+                                    <p:cond delay="0"/>
+                                  </p:stCondLst>
+                                  <p:childTnLst>
+                                    <p:set>
+                                      <p:cBhvr>
+                                        <p:cTn id="18" dur="1" fill="hold">
+                                          <p:stCondLst>
+                                            <p:cond delay="0"/>
+                                          </p:stCondLst>
+                                        </p:cTn>
+                                        <p:tgtEl>
+                                          <p:spTgt spid="8"/>
+                                        </p:tgtEl>
+                                        <p:attrNameLst>
+                                          <p:attrName>style.visibility</p:attrName>
+                                        </p:attrNameLst>
+                                      </p:cBhvr>
+                                      <p:to>
+                                        <p:strVal val="visible"/>
+                                      </p:to>
+                                    </p:set>
+                                  </p:childTnLst>
+                                </p:cTn>
+                              </p:par>
+                            </p:childTnLst>
+                          </p:cTn>
+                        </p:par>
+                      </p:childTnLst>
+                    </p:cTn>
+                  </p:par>
+                </p:childTnLst>
+              </p:cTn>
+              <p:prevCondLst>
+                <p:cond evt="onPrev" delay="0">
+                  <p:tgtEl>
+                    <p:sldTgt/>
+                  </p:tgtEl>
+                </p:cond>
+              </p:prevCondLst>
+              <p:nextCondLst>
+                <p:cond evt="onNext" delay="0">
+                  <p:tgtEl>
+                    <p:sldTgt/>
+                  </p:tgtEl>
+                </p:cond>
+              </p:nextCondLst>
+            </p:seq>
+          </p:childTnLst>
+        </p:cTn>
+      </p:par>
+    </p:tnLst>
+    <p:bldLst>
+      <p:bldP spid="7" grpId="0" animBg="1"/>
+      <p:bldP spid="8" grpId="0" animBg="1"/>
+    </p:bldLst>
+  </p:timing>
+</p:sld>
+</file>
+
+<file path=ppt/slides/slide5.xml><?xml version="1.0" encoding="utf-8"?>
+<p:sld xmlns:a="http://schemas.openxmlformats.org/drawingml/2006/main" xmlns:r="http://schemas.openxmlformats.org/officeDocument/2006/relationships" xmlns:p="http://schemas.openxmlformats.org/presentationml/2006/main">
+  <p:cSld>
+    <p:spTree>
+      <p:nvGrpSpPr>
+        <p:cNvPr id="1" name=""/>
+        <p:cNvGrpSpPr/>
+        <p:nvPr/>
+      </p:nvGrpSpPr>
+      <p:grpSpPr>
+        <a:xfrm>
+          <a:off x="0" y="0"/>
+          <a:ext cx="0" cy="0"/>
+          <a:chOff x="0" y="0"/>
+          <a:chExt cx="0" cy="0"/>
+        </a:xfrm>
+      </p:grpSpPr>
+      <p:sp>
+        <p:nvSpPr>
+          <p:cNvPr id="5" name="Title 4">
+            <a:extLst>
+              <a:ext uri="{FF2B5EF4-FFF2-40B4-BE49-F238E27FC236}">
+                <a16:creationId xmlns:a16="http://schemas.microsoft.com/office/drawing/2014/main" id="{2F3B97B4-2068-189B-9900-CB48BABD707F}"/>
+              </a:ext>
+            </a:extLst>
+          </p:cNvPr>
+          <p:cNvSpPr>
+            <a:spLocks noGrp="1"/>
+          </p:cNvSpPr>
+          <p:nvPr>
+            <p:ph type="title" sz="quarter" idx="10"/>
+          </p:nvPr>
+        </p:nvSpPr>
+        <p:spPr>
+          <a:xfrm>
+            <a:off x="615109" y="4704824"/>
+            <a:ext cx="10961783" cy="1694175"/>
+          </a:xfrm>
+        </p:spPr>
+        <p:txBody>
+          <a:bodyPr/>
+          <a:lstStyle/>
+          <a:p>
+            <a:r>
+              <a:rPr lang="ru-RU" dirty="0"/>
+              <a:t>Персонализиране на визията и характеристиките на героя</a:t>
+            </a:r>
+            <a:endParaRPr lang="en-GB" dirty="0"/>
+          </a:p>
+        </p:txBody>
+      </p:sp>
+      <p:pic>
+        <p:nvPicPr>
+          <p:cNvPr id="11" name="Picture 10">
+            <a:extLst>
+              <a:ext uri="{FF2B5EF4-FFF2-40B4-BE49-F238E27FC236}">
+                <a16:creationId xmlns:a16="http://schemas.microsoft.com/office/drawing/2014/main" id="{325D11A6-214F-A8C5-94B7-15429ADD8423}"/>
+              </a:ext>
+            </a:extLst>
+          </p:cNvPr>
+          <p:cNvPicPr>
+            <a:picLocks noChangeAspect="1"/>
+          </p:cNvPicPr>
+          <p:nvPr/>
+        </p:nvPicPr>
+        <p:blipFill>
+          <a:blip r:embed="rId2"/>
+          <a:srcRect r="545"/>
+          <a:stretch/>
+        </p:blipFill>
+        <p:spPr>
+          <a:xfrm>
+            <a:off x="4003500" y="459001"/>
+            <a:ext cx="4185000" cy="4184610"/>
+          </a:xfrm>
+          <a:prstGeom prst="rect">
+            <a:avLst/>
+          </a:prstGeom>
+          <a:ln>
+            <a:solidFill>
+              <a:schemeClr val="bg2">
+                <a:lumMod val="75000"/>
+              </a:schemeClr>
+            </a:solidFill>
+          </a:ln>
+        </p:spPr>
+      </p:pic>
+    </p:spTree>
+    <p:extLst>
+      <p:ext uri="{BB962C8B-B14F-4D97-AF65-F5344CB8AC3E}">
+        <p14:creationId xmlns:p14="http://schemas.microsoft.com/office/powerpoint/2010/main" val="152201661"/>
+      </p:ext>
+    </p:extLst>
+  </p:cSld>
+  <p:clrMapOvr>
+    <a:masterClrMapping/>
+  </p:clrMapOvr>
+  <mc:AlternateContent xmlns:mc="http://schemas.openxmlformats.org/markup-compatibility/2006" xmlns:p14="http://schemas.microsoft.com/office/powerpoint/2010/main">
+    <mc:Choice Requires="p14">
+      <p:transition spd="slow" p14:dur="2000" advClick="0" advTm="5000"/>
+    </mc:Choice>
+    <mc:Fallback xmlns="">
+      <p:transition spd="slow" advClick="0" advTm="5000"/>
+    </mc:Fallback>
+  </mc:AlternateContent>
+</p:sld>
+</file>
+
+<file path=ppt/slides/slide6.xml><?xml version="1.0" encoding="utf-8"?>
+<p:sld xmlns:a="http://schemas.openxmlformats.org/drawingml/2006/main" xmlns:r="http://schemas.openxmlformats.org/officeDocument/2006/relationships" xmlns:p="http://schemas.openxmlformats.org/presentationml/2006/main">
+  <p:cSld>
+    <p:spTree>
+      <p:nvGrpSpPr>
+        <p:cNvPr id="1" name=""/>
+        <p:cNvGrpSpPr/>
+        <p:nvPr/>
+      </p:nvGrpSpPr>
+      <p:grpSpPr>
+        <a:xfrm>
+          <a:off x="0" y="0"/>
+          <a:ext cx="0" cy="0"/>
+          <a:chOff x="0" y="0"/>
+          <a:chExt cx="0" cy="0"/>
+        </a:xfrm>
+      </p:grpSpPr>
+      <p:sp>
+        <p:nvSpPr>
+          <p:cNvPr id="7" name="Subtitle 6">
+            <a:extLst>
+              <a:ext uri="{FF2B5EF4-FFF2-40B4-BE49-F238E27FC236}">
+                <a16:creationId xmlns:a16="http://schemas.microsoft.com/office/drawing/2014/main" id="{8FF3EEDF-9B11-249A-4C13-15431D0CBC89}"/>
+              </a:ext>
+            </a:extLst>
+          </p:cNvPr>
+          <p:cNvSpPr>
+            <a:spLocks noGrp="1"/>
+          </p:cNvSpPr>
+          <p:nvPr>
+            <p:ph type="subTitle" sz="quarter" idx="11"/>
+          </p:nvPr>
+        </p:nvSpPr>
+        <p:spPr>
+          <a:xfrm>
+            <a:off x="4836000" y="3114000"/>
+            <a:ext cx="6650892" cy="1170613"/>
+          </a:xfrm>
+        </p:spPr>
+        <p:txBody>
+          <a:bodyPr/>
+          <a:lstStyle/>
+          <a:p>
+            <a:r>
+              <a:rPr lang="bg-BG" dirty="0"/>
+              <a:t>Промяна на визията</a:t>
+            </a:r>
+            <a:endParaRPr lang="en-GB" dirty="0"/>
+          </a:p>
+        </p:txBody>
+      </p:sp>
+      <p:sp>
+        <p:nvSpPr>
+          <p:cNvPr id="6" name="Title 5">
+            <a:extLst>
+              <a:ext uri="{FF2B5EF4-FFF2-40B4-BE49-F238E27FC236}">
+                <a16:creationId xmlns:a16="http://schemas.microsoft.com/office/drawing/2014/main" id="{A9295A79-DD94-A2A6-C5F2-BDD7A62A310C}"/>
+              </a:ext>
+            </a:extLst>
+          </p:cNvPr>
+          <p:cNvSpPr>
+            <a:spLocks noGrp="1"/>
+          </p:cNvSpPr>
+          <p:nvPr>
+            <p:ph type="title" sz="quarter" idx="10"/>
+          </p:nvPr>
+        </p:nvSpPr>
+        <p:spPr>
+          <a:xfrm>
+            <a:off x="5128500" y="1944000"/>
+            <a:ext cx="6065892" cy="1281380"/>
+          </a:xfrm>
+        </p:spPr>
+        <p:txBody>
+          <a:bodyPr/>
+          <a:lstStyle/>
+          <a:p>
+            <a:r>
+              <a:rPr lang="bg-BG" dirty="0"/>
+              <a:t>Костюм на героя</a:t>
+            </a:r>
+            <a:endParaRPr lang="en-GB" dirty="0"/>
+          </a:p>
+        </p:txBody>
+      </p:sp>
+      <p:pic>
+        <p:nvPicPr>
+          <p:cNvPr id="3074" name="Picture 2" descr="Formal suit PNG Designs for T Shirt &amp; Merch">
+            <a:extLst>
+              <a:ext uri="{FF2B5EF4-FFF2-40B4-BE49-F238E27FC236}">
+                <a16:creationId xmlns:a16="http://schemas.microsoft.com/office/drawing/2014/main" id="{33327012-508D-0533-B053-E2C73340D34D}"/>
+              </a:ext>
+            </a:extLst>
+          </p:cNvPr>
+          <p:cNvPicPr>
+            <a:picLocks noChangeAspect="1" noChangeArrowheads="1"/>
+          </p:cNvPicPr>
+          <p:nvPr/>
+        </p:nvPicPr>
+        <p:blipFill>
+          <a:blip r:embed="rId2">
+            <a:extLst>
+              <a:ext uri="{28A0092B-C50C-407E-A947-70E740481C1C}">
+                <a14:useLocalDpi xmlns:a14="http://schemas.microsoft.com/office/drawing/2010/main" val="0"/>
+              </a:ext>
+            </a:extLst>
+          </a:blip>
+          <a:srcRect/>
+          <a:stretch>
+            <a:fillRect/>
+          </a:stretch>
+        </p:blipFill>
+        <p:spPr bwMode="auto">
+          <a:xfrm>
+            <a:off x="1191000" y="1478622"/>
+            <a:ext cx="2790000" cy="2790000"/>
+          </a:xfrm>
+          <a:prstGeom prst="rect">
+            <a:avLst/>
+          </a:prstGeom>
+          <a:noFill/>
+          <a:extLst>
+            <a:ext uri="{909E8E84-426E-40DD-AFC4-6F175D3DCCD1}">
+              <a14:hiddenFill xmlns:a14="http://schemas.microsoft.com/office/drawing/2010/main">
+                <a:solidFill>
+                  <a:srgbClr val="FFFFFF"/>
+                </a:solidFill>
+              </a14:hiddenFill>
+            </a:ext>
+          </a:extLst>
+        </p:spPr>
+      </p:pic>
+    </p:spTree>
+    <p:extLst>
+      <p:ext uri="{BB962C8B-B14F-4D97-AF65-F5344CB8AC3E}">
+        <p14:creationId xmlns:p14="http://schemas.microsoft.com/office/powerpoint/2010/main" val="4066255991"/>
+      </p:ext>
+    </p:extLst>
+  </p:cSld>
+  <p:clrMapOvr>
+    <a:masterClrMapping/>
+  </p:clrMapOvr>
+  <mc:AlternateContent xmlns:mc="http://schemas.openxmlformats.org/markup-compatibility/2006" xmlns:p14="http://schemas.microsoft.com/office/powerpoint/2010/main">
+    <mc:Choice Requires="p14">
+      <p:transition spd="slow" p14:dur="2000" advClick="0" advTm="5000"/>
+    </mc:Choice>
+    <mc:Fallback xmlns="">
+      <p:transition spd="slow" advClick="0" advTm="5000"/>
+    </mc:Fallback>
+  </mc:AlternateContent>
+</p:sld>
+</file>
+
+<file path=ppt/slides/slide7.xml><?xml version="1.0" encoding="utf-8"?>
+<p:sld xmlns:a="http://schemas.openxmlformats.org/drawingml/2006/main" xmlns:r="http://schemas.openxmlformats.org/officeDocument/2006/relationships" xmlns:p="http://schemas.openxmlformats.org/presentationml/2006/main">
+  <p:cSld>
+    <p:spTree>
+      <p:nvGrpSpPr>
+        <p:cNvPr id="1" name=""/>
+        <p:cNvGrpSpPr/>
+        <p:nvPr/>
+      </p:nvGrpSpPr>
+      <p:grpSpPr>
+        <a:xfrm>
+          <a:off x="0" y="0"/>
+          <a:ext cx="0" cy="0"/>
+          <a:chOff x="0" y="0"/>
+          <a:chExt cx="0" cy="0"/>
+        </a:xfrm>
+      </p:grpSpPr>
+      <p:sp>
+        <p:nvSpPr>
+          <p:cNvPr id="5" name="Text Placeholder 4">
+            <a:extLst>
+              <a:ext uri="{FF2B5EF4-FFF2-40B4-BE49-F238E27FC236}">
+                <a16:creationId xmlns:a16="http://schemas.microsoft.com/office/drawing/2014/main" id="{08F5E8D6-233F-9EED-A7DD-5E0145348D03}"/>
+              </a:ext>
+            </a:extLst>
+          </p:cNvPr>
+          <p:cNvSpPr>
+            <a:spLocks noGrp="1"/>
+          </p:cNvSpPr>
+          <p:nvPr>
+            <p:ph type="body" sz="quarter" idx="10"/>
+          </p:nvPr>
+        </p:nvSpPr>
+        <p:spPr/>
+        <p:txBody>
+          <a:bodyPr>
+            <a:normAutofit fontScale="92500" lnSpcReduction="10000"/>
+          </a:bodyPr>
+          <a:lstStyle/>
+          <a:p>
+            <a:pPr>
+              <a:spcAft>
+                <a:spcPts val="1800"/>
+              </a:spcAft>
+            </a:pPr>
+            <a:r>
+              <a:rPr lang="bg-BG" dirty="0"/>
+              <a:t>Може да задавате </a:t>
+            </a:r>
+            <a:r>
+              <a:rPr lang="bg-BG" b="1" dirty="0"/>
+              <a:t>различни костюми </a:t>
+            </a:r>
+            <a:r>
+              <a:rPr lang="bg-BG" dirty="0"/>
+              <a:t>на вашия герой</a:t>
+            </a:r>
+          </a:p>
+          <a:p>
+            <a:endParaRPr lang="bg-BG" dirty="0"/>
+          </a:p>
+          <a:p>
+            <a:r>
+              <a:rPr lang="bg-BG" dirty="0"/>
+              <a:t>В </a:t>
+            </a:r>
+            <a:r>
+              <a:rPr lang="bg-BG" b="1" dirty="0"/>
+              <a:t>библиотеката </a:t>
+            </a:r>
+            <a:r>
+              <a:rPr lang="en-GB" b="1" dirty="0"/>
+              <a:t>turtle </a:t>
+            </a:r>
+            <a:r>
+              <a:rPr lang="bg-BG" dirty="0"/>
+              <a:t>има няколко готови костюма</a:t>
+            </a:r>
+            <a:r>
+              <a:rPr lang="en-GB" dirty="0"/>
+              <a:t>:</a:t>
+            </a:r>
+          </a:p>
+          <a:p>
+            <a:pPr lvl="1"/>
+            <a:r>
+              <a:rPr lang="en-GB" dirty="0"/>
+              <a:t>arrow</a:t>
+            </a:r>
+          </a:p>
+          <a:p>
+            <a:pPr lvl="1"/>
+            <a:r>
+              <a:rPr lang="en-GB" dirty="0"/>
+              <a:t>circle</a:t>
+            </a:r>
+          </a:p>
+          <a:p>
+            <a:pPr lvl="1"/>
+            <a:r>
+              <a:rPr lang="en-GB" dirty="0"/>
+              <a:t>classic </a:t>
+            </a:r>
+          </a:p>
+          <a:p>
+            <a:pPr lvl="1"/>
+            <a:r>
+              <a:rPr lang="en-GB" dirty="0"/>
+              <a:t>square</a:t>
+            </a:r>
+          </a:p>
+          <a:p>
+            <a:pPr lvl="1"/>
+            <a:r>
+              <a:rPr lang="en-GB" dirty="0"/>
+              <a:t>triangle</a:t>
+            </a:r>
+          </a:p>
+          <a:p>
+            <a:pPr lvl="1"/>
+            <a:r>
+              <a:rPr lang="en-GB" dirty="0"/>
+              <a:t>turtle</a:t>
+            </a:r>
+            <a:endParaRPr lang="bg-BG" dirty="0"/>
+          </a:p>
+        </p:txBody>
+      </p:sp>
+      <p:sp>
+        <p:nvSpPr>
+          <p:cNvPr id="4" name="Title 3">
+            <a:extLst>
+              <a:ext uri="{FF2B5EF4-FFF2-40B4-BE49-F238E27FC236}">
+                <a16:creationId xmlns:a16="http://schemas.microsoft.com/office/drawing/2014/main" id="{044195D4-0D37-A42E-3469-1284AAF69643}"/>
+              </a:ext>
+            </a:extLst>
+          </p:cNvPr>
+          <p:cNvSpPr>
+            <a:spLocks noGrp="1"/>
+          </p:cNvSpPr>
+          <p:nvPr>
+            <p:ph type="title"/>
+          </p:nvPr>
+        </p:nvSpPr>
+        <p:spPr/>
+        <p:txBody>
+          <a:bodyPr/>
+          <a:lstStyle/>
+          <a:p>
+            <a:r>
+              <a:rPr lang="bg-BG" dirty="0"/>
+              <a:t>Костюм на героя</a:t>
+            </a:r>
+            <a:endParaRPr lang="en-GB" dirty="0"/>
+          </a:p>
+        </p:txBody>
+      </p:sp>
+      <p:sp>
+        <p:nvSpPr>
+          <p:cNvPr id="6" name="TextBox 5">
+            <a:extLst>
+              <a:ext uri="{FF2B5EF4-FFF2-40B4-BE49-F238E27FC236}">
+                <a16:creationId xmlns:a16="http://schemas.microsoft.com/office/drawing/2014/main" id="{77474FBE-BDE5-6E24-46C4-A50A4034F17D}"/>
+              </a:ext>
+            </a:extLst>
+          </p:cNvPr>
+          <p:cNvSpPr txBox="1"/>
+          <p:nvPr/>
+        </p:nvSpPr>
+        <p:spPr>
+          <a:xfrm>
+            <a:off x="696000" y="1809000"/>
+            <a:ext cx="5850000" cy="601997"/>
+          </a:xfrm>
+          <a:prstGeom prst="rect">
+            <a:avLst/>
+          </a:prstGeom>
+          <a:solidFill>
+            <a:schemeClr val="accent6">
+              <a:lumMod val="75000"/>
+              <a:alpha val="15000"/>
+            </a:schemeClr>
+          </a:solidFill>
+          <a:ln w="12700">
+            <a:solidFill>
+              <a:schemeClr val="tx1">
+                <a:lumMod val="75000"/>
+              </a:schemeClr>
+            </a:solidFill>
+          </a:ln>
+        </p:spPr>
+        <p:txBody>
+          <a:bodyPr vert="horz" wrap="square" lIns="144000" tIns="108000" rIns="144000" bIns="108000" rtlCol="0">
+            <a:spAutoFit/>
+          </a:bodyPr>
+          <a:lstStyle/>
+          <a:p>
+            <a:pPr eaLnBrk="0" hangingPunct="0">
+              <a:lnSpc>
+                <a:spcPct val="110000"/>
+              </a:lnSpc>
+              <a:buClr>
+                <a:schemeClr val="accent5">
+                  <a:lumMod val="40000"/>
+                  <a:lumOff val="60000"/>
+                </a:schemeClr>
+              </a:buClr>
+              <a:buSzPct val="70000"/>
+            </a:pPr>
+            <a:r>
+              <a:rPr lang="en-GB" sz="2400" b="1" dirty="0">
+                <a:latin typeface="Consolas" panose="020B0609020204030204" pitchFamily="49" charset="0"/>
+              </a:rPr>
+              <a:t>my_turtle.</a:t>
+            </a:r>
+            <a:r>
+              <a:rPr lang="en-GB" sz="2400" b="1" dirty="0">
+                <a:solidFill>
+                  <a:schemeClr val="bg1"/>
+                </a:solidFill>
+                <a:latin typeface="Consolas" panose="020B0609020204030204" pitchFamily="49" charset="0"/>
+              </a:rPr>
+              <a:t>shape(</a:t>
+            </a:r>
+            <a:r>
+              <a:rPr lang="en-GB" sz="2400" b="1" dirty="0">
+                <a:latin typeface="Consolas" panose="020B0609020204030204" pitchFamily="49" charset="0"/>
+              </a:rPr>
+              <a:t>"</a:t>
+            </a:r>
+            <a:r>
+              <a:rPr lang="bg-BG" sz="2400" b="1" dirty="0">
+                <a:latin typeface="Consolas" panose="020B0609020204030204" pitchFamily="49" charset="0"/>
+              </a:rPr>
+              <a:t>име на костюма</a:t>
+            </a:r>
+            <a:r>
+              <a:rPr lang="en-GB" sz="2400" b="1" dirty="0">
+                <a:latin typeface="Consolas" panose="020B0609020204030204" pitchFamily="49" charset="0"/>
+              </a:rPr>
+              <a:t>"</a:t>
+            </a:r>
+            <a:r>
+              <a:rPr lang="en-GB" sz="2400" b="1" dirty="0">
+                <a:solidFill>
+                  <a:schemeClr val="bg1"/>
+                </a:solidFill>
+                <a:latin typeface="Consolas" panose="020B0609020204030204" pitchFamily="49" charset="0"/>
+              </a:rPr>
+              <a:t>)</a:t>
+            </a:r>
+            <a:endParaRPr lang="en-US" sz="2400" b="1" dirty="0">
+              <a:solidFill>
+                <a:schemeClr val="bg1"/>
+              </a:solidFill>
+              <a:latin typeface="Consolas" panose="020B0609020204030204" pitchFamily="49" charset="0"/>
+            </a:endParaRPr>
+          </a:p>
+        </p:txBody>
+      </p:sp>
+      <p:sp>
+        <p:nvSpPr>
+          <p:cNvPr id="8" name="Isosceles Triangle 7">
+            <a:extLst>
+              <a:ext uri="{FF2B5EF4-FFF2-40B4-BE49-F238E27FC236}">
+                <a16:creationId xmlns:a16="http://schemas.microsoft.com/office/drawing/2014/main" id="{5B6BE129-72D1-1B1D-A80B-94941FF32744}"/>
+              </a:ext>
+            </a:extLst>
+          </p:cNvPr>
+          <p:cNvSpPr/>
+          <p:nvPr/>
+        </p:nvSpPr>
+        <p:spPr bwMode="auto">
+          <a:xfrm rot="5400000">
+            <a:off x="3041077" y="3675404"/>
+            <a:ext cx="1249846" cy="585000"/>
+          </a:xfrm>
+          <a:prstGeom prst="triangle">
+            <a:avLst/>
+          </a:prstGeom>
+          <a:solidFill>
+            <a:schemeClr val="dk2">
+              <a:alpha val="80000"/>
+            </a:schemeClr>
+          </a:solidFill>
+          <a:ln w="19050">
+            <a:solidFill>
+              <a:schemeClr val="tx1">
+                <a:lumMod val="75000"/>
+                <a:alpha val="80000"/>
+              </a:schemeClr>
+            </a:solidFill>
+          </a:ln>
+          <a:effectLst/>
+        </p:spPr>
+        <p:style>
+          <a:lnRef idx="2">
+            <a:schemeClr val="accent1">
+              <a:shade val="50000"/>
+            </a:schemeClr>
+          </a:lnRef>
+          <a:fillRef idx="1001">
+            <a:schemeClr val="dk2"/>
+          </a:fillRef>
+          <a:effectRef idx="0">
+            <a:schemeClr val="accent1"/>
+          </a:effectRef>
+          <a:fontRef idx="minor">
+            <a:schemeClr val="lt1"/>
+          </a:fontRef>
+        </p:style>
+        <p:txBody>
+          <a:bodyPr rot="0" spcFirstLastPara="0" vertOverflow="overflow" horzOverflow="overflow" vert="horz" wrap="square" lIns="91440" tIns="45720" rIns="91440" bIns="45720" numCol="1" spcCol="0" rtlCol="0" fromWordArt="0" anchor="ctr" anchorCtr="0" forceAA="0" compatLnSpc="1">
+            <a:prstTxWarp prst="textNoShape">
+              <a:avLst/>
+            </a:prstTxWarp>
+            <a:noAutofit/>
+          </a:bodyPr>
+          <a:lstStyle/>
+          <a:p>
+            <a:pPr algn="ctr"/>
+            <a:endParaRPr lang="en-GB" sz="2800" b="1" dirty="0">
+              <a:solidFill>
+                <a:srgbClr val="FFFFFF"/>
+              </a:solidFill>
+              <a:effectLst>
+                <a:outerShdw blurRad="38100" dist="38100" dir="2700000" algn="tl">
+                  <a:srgbClr val="000000">
+                    <a:alpha val="43137"/>
+                  </a:srgbClr>
+                </a:outerShdw>
+              </a:effectLst>
+            </a:endParaRPr>
+          </a:p>
+        </p:txBody>
+      </p:sp>
+      <p:sp>
+        <p:nvSpPr>
+          <p:cNvPr id="11" name="Free-form: Shape 10">
+            <a:extLst>
+              <a:ext uri="{FF2B5EF4-FFF2-40B4-BE49-F238E27FC236}">
+                <a16:creationId xmlns:a16="http://schemas.microsoft.com/office/drawing/2014/main" id="{29FB64E6-AA1F-ACAF-B6A9-B02F7F6EABE8}"/>
+              </a:ext>
+            </a:extLst>
+          </p:cNvPr>
+          <p:cNvSpPr/>
+          <p:nvPr/>
+        </p:nvSpPr>
+        <p:spPr bwMode="auto">
+          <a:xfrm>
+            <a:off x="6743498" y="3573520"/>
+            <a:ext cx="643752" cy="781496"/>
+          </a:xfrm>
+          <a:custGeom>
+            <a:avLst/>
+            <a:gdLst>
+              <a:gd name="connsiteX0" fmla="*/ 0 w 1514475"/>
+              <a:gd name="connsiteY0" fmla="*/ 0 h 2133600"/>
+              <a:gd name="connsiteX1" fmla="*/ 1514475 w 1514475"/>
+              <a:gd name="connsiteY1" fmla="*/ 1133475 h 2133600"/>
+              <a:gd name="connsiteX2" fmla="*/ 85725 w 1514475"/>
+              <a:gd name="connsiteY2" fmla="*/ 2133600 h 2133600"/>
+              <a:gd name="connsiteX3" fmla="*/ 685800 w 1514475"/>
+              <a:gd name="connsiteY3" fmla="*/ 1133475 h 2133600"/>
+              <a:gd name="connsiteX4" fmla="*/ 0 w 1514475"/>
+              <a:gd name="connsiteY4" fmla="*/ 0 h 2133600"/>
+            </a:gdLst>
+            <a:ahLst/>
+            <a:cxnLst>
+              <a:cxn ang="0">
+                <a:pos x="connsiteX0" y="connsiteY0"/>
+              </a:cxn>
+              <a:cxn ang="0">
+                <a:pos x="connsiteX1" y="connsiteY1"/>
+              </a:cxn>
+              <a:cxn ang="0">
+                <a:pos x="connsiteX2" y="connsiteY2"/>
+              </a:cxn>
+              <a:cxn ang="0">
+                <a:pos x="connsiteX3" y="connsiteY3"/>
+              </a:cxn>
+              <a:cxn ang="0">
+                <a:pos x="connsiteX4" y="connsiteY4"/>
+              </a:cxn>
+            </a:cxnLst>
+            <a:rect l="l" t="t" r="r" b="b"/>
+            <a:pathLst>
+              <a:path w="1514475" h="2133600">
+                <a:moveTo>
+                  <a:pt x="0" y="0"/>
+                </a:moveTo>
+                <a:lnTo>
+                  <a:pt x="1514475" y="1133475"/>
+                </a:lnTo>
+                <a:lnTo>
+                  <a:pt x="85725" y="2133600"/>
+                </a:lnTo>
+                <a:lnTo>
+                  <a:pt x="685800" y="1133475"/>
+                </a:lnTo>
+                <a:lnTo>
+                  <a:pt x="0" y="0"/>
+                </a:lnTo>
+                <a:close/>
+              </a:path>
+            </a:pathLst>
+          </a:custGeom>
+          <a:solidFill>
+            <a:schemeClr val="dk2">
+              <a:alpha val="80000"/>
+            </a:schemeClr>
+          </a:solidFill>
+          <a:ln w="19050">
+            <a:solidFill>
+              <a:schemeClr val="tx1">
+                <a:lumMod val="75000"/>
+                <a:alpha val="80000"/>
+              </a:schemeClr>
+            </a:solidFill>
+          </a:ln>
+          <a:effectLst/>
+        </p:spPr>
+        <p:style>
+          <a:lnRef idx="2">
+            <a:schemeClr val="accent1">
+              <a:shade val="50000"/>
+            </a:schemeClr>
+          </a:lnRef>
+          <a:fillRef idx="1001">
+            <a:schemeClr val="dk2"/>
+          </a:fillRef>
+          <a:effectRef idx="0">
+            <a:schemeClr val="accent1"/>
+          </a:effectRef>
+          <a:fontRef idx="minor">
+            <a:schemeClr val="lt1"/>
+          </a:fontRef>
+        </p:style>
+        <p:txBody>
+          <a:bodyPr rot="0" spcFirstLastPara="0" vertOverflow="overflow" horzOverflow="overflow" vert="horz" wrap="square" lIns="91440" tIns="45720" rIns="91440" bIns="45720" numCol="1" spcCol="0" rtlCol="0" fromWordArt="0" anchor="ctr" anchorCtr="0" forceAA="0" compatLnSpc="1">
+            <a:prstTxWarp prst="textNoShape">
+              <a:avLst/>
+            </a:prstTxWarp>
+            <a:noAutofit/>
+          </a:bodyPr>
+          <a:lstStyle/>
+          <a:p>
+            <a:pPr algn="ctr"/>
+            <a:endParaRPr lang="en-GB" sz="2800" b="1" dirty="0">
+              <a:solidFill>
+                <a:srgbClr val="FFFFFF"/>
+              </a:solidFill>
+              <a:effectLst>
+                <a:outerShdw blurRad="38100" dist="38100" dir="2700000" algn="tl">
+                  <a:srgbClr val="000000">
+                    <a:alpha val="43137"/>
+                  </a:srgbClr>
+                </a:outerShdw>
+              </a:effectLst>
+            </a:endParaRPr>
+          </a:p>
+        </p:txBody>
+      </p:sp>
+      <p:sp>
+        <p:nvSpPr>
+          <p:cNvPr id="12" name="Oval 11">
+            <a:extLst>
+              <a:ext uri="{FF2B5EF4-FFF2-40B4-BE49-F238E27FC236}">
+                <a16:creationId xmlns:a16="http://schemas.microsoft.com/office/drawing/2014/main" id="{4FBA81FF-60BD-D265-EF60-A98EAE1B3BF9}"/>
+              </a:ext>
+            </a:extLst>
+          </p:cNvPr>
+          <p:cNvSpPr/>
+          <p:nvPr/>
+        </p:nvSpPr>
+        <p:spPr bwMode="auto">
+          <a:xfrm>
+            <a:off x="4900755" y="3457776"/>
+            <a:ext cx="1012985" cy="1012985"/>
+          </a:xfrm>
+          <a:prstGeom prst="ellipse">
+            <a:avLst/>
+          </a:prstGeom>
+          <a:solidFill>
+            <a:schemeClr val="dk2">
+              <a:alpha val="80000"/>
+            </a:schemeClr>
+          </a:solidFill>
+          <a:ln w="19050">
+            <a:solidFill>
+              <a:schemeClr val="tx1">
+                <a:lumMod val="75000"/>
+                <a:alpha val="80000"/>
+              </a:schemeClr>
+            </a:solidFill>
+          </a:ln>
+          <a:effectLst/>
+        </p:spPr>
+        <p:style>
+          <a:lnRef idx="2">
+            <a:schemeClr val="accent1">
+              <a:shade val="50000"/>
+            </a:schemeClr>
+          </a:lnRef>
+          <a:fillRef idx="1001">
+            <a:schemeClr val="dk2"/>
+          </a:fillRef>
+          <a:effectRef idx="0">
+            <a:schemeClr val="accent1"/>
+          </a:effectRef>
+          <a:fontRef idx="minor">
+            <a:schemeClr val="lt1"/>
+          </a:fontRef>
+        </p:style>
+        <p:txBody>
+          <a:bodyPr rot="0" spcFirstLastPara="0" vertOverflow="overflow" horzOverflow="overflow" vert="horz" wrap="square" lIns="91440" tIns="45720" rIns="91440" bIns="45720" numCol="1" spcCol="0" rtlCol="0" fromWordArt="0" anchor="ctr" anchorCtr="0" forceAA="0" compatLnSpc="1">
+            <a:prstTxWarp prst="textNoShape">
+              <a:avLst/>
+            </a:prstTxWarp>
+            <a:noAutofit/>
+          </a:bodyPr>
+          <a:lstStyle/>
+          <a:p>
+            <a:pPr algn="ctr"/>
+            <a:endParaRPr lang="en-GB" sz="2800" b="1" dirty="0">
+              <a:solidFill>
+                <a:srgbClr val="FFFFFF"/>
+              </a:solidFill>
+              <a:effectLst>
+                <a:outerShdw blurRad="38100" dist="38100" dir="2700000" algn="tl">
+                  <a:srgbClr val="000000">
+                    <a:alpha val="43137"/>
+                  </a:srgbClr>
+                </a:outerShdw>
+              </a:effectLst>
+            </a:endParaRPr>
+          </a:p>
+        </p:txBody>
+      </p:sp>
+      <p:sp>
+        <p:nvSpPr>
+          <p:cNvPr id="13" name="Rectangle 12">
+            <a:extLst>
+              <a:ext uri="{FF2B5EF4-FFF2-40B4-BE49-F238E27FC236}">
+                <a16:creationId xmlns:a16="http://schemas.microsoft.com/office/drawing/2014/main" id="{CA4FA171-E634-ED64-E8A4-0CBDA1916D77}"/>
+              </a:ext>
+            </a:extLst>
+          </p:cNvPr>
+          <p:cNvSpPr/>
+          <p:nvPr/>
+        </p:nvSpPr>
+        <p:spPr bwMode="auto">
+          <a:xfrm>
+            <a:off x="3261000" y="5270350"/>
+            <a:ext cx="810000" cy="810000"/>
+          </a:xfrm>
+          <a:prstGeom prst="rect">
+            <a:avLst/>
+          </a:prstGeom>
+          <a:solidFill>
+            <a:schemeClr val="dk2">
+              <a:alpha val="80000"/>
+            </a:schemeClr>
+          </a:solidFill>
+          <a:ln w="19050">
+            <a:solidFill>
+              <a:schemeClr val="tx1">
+                <a:lumMod val="75000"/>
+                <a:alpha val="80000"/>
+              </a:schemeClr>
+            </a:solidFill>
+          </a:ln>
+          <a:effectLst/>
+        </p:spPr>
+        <p:style>
+          <a:lnRef idx="2">
+            <a:schemeClr val="accent1">
+              <a:shade val="50000"/>
+            </a:schemeClr>
+          </a:lnRef>
+          <a:fillRef idx="1001">
+            <a:schemeClr val="dk2"/>
+          </a:fillRef>
+          <a:effectRef idx="0">
+            <a:schemeClr val="accent1"/>
+          </a:effectRef>
+          <a:fontRef idx="minor">
+            <a:schemeClr val="lt1"/>
+          </a:fontRef>
+        </p:style>
+        <p:txBody>
+          <a:bodyPr rot="0" spcFirstLastPara="0" vertOverflow="overflow" horzOverflow="overflow" vert="horz" wrap="square" lIns="91440" tIns="45720" rIns="91440" bIns="45720" numCol="1" spcCol="0" rtlCol="0" fromWordArt="0" anchor="ctr" anchorCtr="0" forceAA="0" compatLnSpc="1">
+            <a:prstTxWarp prst="textNoShape">
+              <a:avLst/>
+            </a:prstTxWarp>
+            <a:noAutofit/>
+          </a:bodyPr>
+          <a:lstStyle/>
+          <a:p>
+            <a:pPr algn="ctr"/>
+            <a:endParaRPr lang="en-GB" sz="2800" b="1" dirty="0">
+              <a:solidFill>
+                <a:srgbClr val="FFFFFF"/>
+              </a:solidFill>
+              <a:effectLst>
+                <a:outerShdw blurRad="38100" dist="38100" dir="2700000" algn="tl">
+                  <a:srgbClr val="000000">
+                    <a:alpha val="43137"/>
+                  </a:srgbClr>
+                </a:outerShdw>
+              </a:effectLst>
+            </a:endParaRPr>
+          </a:p>
+        </p:txBody>
+      </p:sp>
+      <p:sp>
+        <p:nvSpPr>
+          <p:cNvPr id="14" name="Isosceles Triangle 13">
+            <a:extLst>
+              <a:ext uri="{FF2B5EF4-FFF2-40B4-BE49-F238E27FC236}">
+                <a16:creationId xmlns:a16="http://schemas.microsoft.com/office/drawing/2014/main" id="{39446E90-46C5-5CF1-60F7-6C9C1DD657FD}"/>
+              </a:ext>
+            </a:extLst>
+          </p:cNvPr>
+          <p:cNvSpPr/>
+          <p:nvPr/>
+        </p:nvSpPr>
+        <p:spPr bwMode="auto">
+          <a:xfrm>
+            <a:off x="4849290" y="5192728"/>
+            <a:ext cx="1115917" cy="961997"/>
+          </a:xfrm>
+          <a:prstGeom prst="triangle">
+            <a:avLst/>
+          </a:prstGeom>
+          <a:solidFill>
+            <a:schemeClr val="dk2">
+              <a:alpha val="80000"/>
+            </a:schemeClr>
+          </a:solidFill>
+          <a:ln w="19050">
+            <a:solidFill>
+              <a:schemeClr val="tx1">
+                <a:lumMod val="75000"/>
+                <a:alpha val="80000"/>
+              </a:schemeClr>
+            </a:solidFill>
+          </a:ln>
+          <a:effectLst/>
+        </p:spPr>
+        <p:style>
+          <a:lnRef idx="2">
+            <a:schemeClr val="accent1">
+              <a:shade val="50000"/>
+            </a:schemeClr>
+          </a:lnRef>
+          <a:fillRef idx="1001">
+            <a:schemeClr val="dk2"/>
+          </a:fillRef>
+          <a:effectRef idx="0">
+            <a:schemeClr val="accent1"/>
+          </a:effectRef>
+          <a:fontRef idx="minor">
+            <a:schemeClr val="lt1"/>
+          </a:fontRef>
+        </p:style>
+        <p:txBody>
+          <a:bodyPr rot="0" spcFirstLastPara="0" vertOverflow="overflow" horzOverflow="overflow" vert="horz" wrap="square" lIns="91440" tIns="45720" rIns="91440" bIns="45720" numCol="1" spcCol="0" rtlCol="0" fromWordArt="0" anchor="ctr" anchorCtr="0" forceAA="0" compatLnSpc="1">
+            <a:prstTxWarp prst="textNoShape">
+              <a:avLst/>
+            </a:prstTxWarp>
+            <a:noAutofit/>
+          </a:bodyPr>
+          <a:lstStyle/>
+          <a:p>
+            <a:pPr algn="ctr"/>
+            <a:endParaRPr lang="en-GB" sz="2800" b="1" dirty="0">
+              <a:solidFill>
+                <a:srgbClr val="FFFFFF"/>
+              </a:solidFill>
+              <a:effectLst>
+                <a:outerShdw blurRad="38100" dist="38100" dir="2700000" algn="tl">
+                  <a:srgbClr val="000000">
+                    <a:alpha val="43137"/>
+                  </a:srgbClr>
+                </a:outerShdw>
+              </a:effectLst>
+            </a:endParaRPr>
+          </a:p>
+        </p:txBody>
+      </p:sp>
+      <p:pic>
+        <p:nvPicPr>
+          <p:cNvPr id="16" name="Graphic 15" descr="Turtle with solid fill">
+            <a:extLst>
+              <a:ext uri="{FF2B5EF4-FFF2-40B4-BE49-F238E27FC236}">
+                <a16:creationId xmlns:a16="http://schemas.microsoft.com/office/drawing/2014/main" id="{2DAD3E4C-5632-299D-D83C-87B1C44B5B8C}"/>
+              </a:ext>
+            </a:extLst>
+          </p:cNvPr>
+          <p:cNvPicPr>
+            <a:picLocks noChangeAspect="1"/>
+          </p:cNvPicPr>
+          <p:nvPr/>
+        </p:nvPicPr>
+        <p:blipFill>
+          <a:blip r:embed="rId2">
+            <a:extLst>
+              <a:ext uri="{96DAC541-7B7A-43D3-8B79-37D633B846F1}">
+                <asvg:svgBlip xmlns:asvg="http://schemas.microsoft.com/office/drawing/2016/SVG/main" r:embed="rId3"/>
+              </a:ext>
+            </a:extLst>
+          </a:blip>
+          <a:stretch>
+            <a:fillRect/>
+          </a:stretch>
+        </p:blipFill>
+        <p:spPr>
+          <a:xfrm>
+            <a:off x="6340100" y="4948452"/>
+            <a:ext cx="1450548" cy="1450548"/>
+          </a:xfrm>
+          <a:prstGeom prst="rect">
+            <a:avLst/>
+          </a:prstGeom>
+        </p:spPr>
+      </p:pic>
+      <p:sp>
+        <p:nvSpPr>
+          <p:cNvPr id="17" name="Speech Bubble: Rectangle with Corners Rounded 16">
+            <a:extLst>
+              <a:ext uri="{FF2B5EF4-FFF2-40B4-BE49-F238E27FC236}">
+                <a16:creationId xmlns:a16="http://schemas.microsoft.com/office/drawing/2014/main" id="{D0CD426E-378E-FCCE-5370-CD7EED6FDC50}"/>
+              </a:ext>
+            </a:extLst>
+          </p:cNvPr>
+          <p:cNvSpPr/>
+          <p:nvPr/>
+        </p:nvSpPr>
+        <p:spPr bwMode="auto">
+          <a:xfrm>
+            <a:off x="8217009" y="3654001"/>
+            <a:ext cx="3728992" cy="2070000"/>
+          </a:xfrm>
+          <a:prstGeom prst="wedgeRoundRectCallout">
+            <a:avLst>
+              <a:gd name="adj1" fmla="val -18790"/>
+              <a:gd name="adj2" fmla="val 41793"/>
+              <a:gd name="adj3" fmla="val 16667"/>
+            </a:avLst>
+          </a:prstGeom>
+          <a:solidFill>
+            <a:schemeClr val="dk2">
+              <a:alpha val="80000"/>
+            </a:schemeClr>
+          </a:solidFill>
+          <a:ln w="19050">
+            <a:solidFill>
+              <a:schemeClr val="tx1">
+                <a:lumMod val="75000"/>
+                <a:alpha val="80000"/>
+              </a:schemeClr>
+            </a:solidFill>
+          </a:ln>
+          <a:effectLst/>
+        </p:spPr>
+        <p:style>
+          <a:lnRef idx="2">
+            <a:schemeClr val="accent1">
+              <a:shade val="50000"/>
+            </a:schemeClr>
+          </a:lnRef>
+          <a:fillRef idx="1001">
+            <a:schemeClr val="dk2"/>
+          </a:fillRef>
+          <a:effectRef idx="0">
+            <a:schemeClr val="accent1"/>
+          </a:effectRef>
+          <a:fontRef idx="minor">
+            <a:schemeClr val="lt1"/>
+          </a:fontRef>
+        </p:style>
+        <p:txBody>
+          <a:bodyPr rot="0" spcFirstLastPara="0" vertOverflow="overflow" horzOverflow="overflow" vert="horz" wrap="square" lIns="91440" tIns="45720" rIns="91440" bIns="45720" numCol="1" spcCol="0" rtlCol="0" fromWordArt="0" anchor="ctr" anchorCtr="0" forceAA="0" compatLnSpc="1">
+            <a:prstTxWarp prst="textNoShape">
+              <a:avLst/>
+            </a:prstTxWarp>
+            <a:noAutofit/>
+          </a:bodyPr>
+          <a:lstStyle/>
+          <a:p>
+            <a:pPr algn="ctr"/>
+            <a:r>
+              <a:rPr lang="bg-BG" sz="2800" b="1" dirty="0">
+                <a:solidFill>
+                  <a:srgbClr val="FFFFFF"/>
+                </a:solidFill>
+                <a:effectLst>
+                  <a:outerShdw blurRad="38100" dist="38100" dir="2700000" algn="tl">
+                    <a:srgbClr val="000000">
+                      <a:alpha val="43137"/>
+                    </a:srgbClr>
+                  </a:outerShdw>
+                </a:effectLst>
+              </a:rPr>
+              <a:t>Ако не зададете костюм, кой от тези костюми се използва по подразбиране?</a:t>
+            </a:r>
+            <a:endParaRPr lang="en-GB" sz="2800" b="1" dirty="0">
+              <a:solidFill>
+                <a:srgbClr val="FFFFFF"/>
+              </a:solidFill>
+              <a:effectLst>
+                <a:outerShdw blurRad="38100" dist="38100" dir="2700000" algn="tl">
+                  <a:srgbClr val="000000">
+                    <a:alpha val="43137"/>
+                  </a:srgbClr>
+                </a:outerShdw>
+              </a:effectLst>
+            </a:endParaRPr>
+          </a:p>
+        </p:txBody>
+      </p:sp>
+    </p:spTree>
+    <p:extLst>
+      <p:ext uri="{BB962C8B-B14F-4D97-AF65-F5344CB8AC3E}">
+        <p14:creationId xmlns:p14="http://schemas.microsoft.com/office/powerpoint/2010/main" val="1702445411"/>
+      </p:ext>
+    </p:extLst>
+  </p:cSld>
+  <p:clrMapOvr>
+    <a:masterClrMapping/>
+  </p:clrMapOvr>
+  <mc:AlternateContent xmlns:mc="http://schemas.openxmlformats.org/markup-compatibility/2006" xmlns:p14="http://schemas.microsoft.com/office/powerpoint/2010/main">
+    <mc:Choice Requires="p14">
+      <p:transition spd="slow" p14:dur="2000" advClick="0" advTm="5000"/>
+    </mc:Choice>
+    <mc:Fallback xmlns="">
+      <p:transition spd="slow" advClick="0" advTm="5000"/>
+    </mc:Fallback>
+  </mc:AlternateContent>
+  <p:timing>
+    <p:tnLst>
+      <p:par>
+        <p:cTn id="1" dur="indefinite" restart="never" nodeType="tmRoot">
+          <p:childTnLst>
+            <p:seq concurrent="1" nextAc="seek">
+              <p:cTn id="2" dur="indefinite" nodeType="mainSeq">
+                <p:childTnLst>
+                  <p:par>
+                    <p:cTn id="3" fill="hold">
+                      <p:stCondLst>
+                        <p:cond delay="indefinite"/>
+                      </p:stCondLst>
+                      <p:childTnLst>
+                        <p:par>
+                          <p:cTn id="4" fill="hold">
+                            <p:stCondLst>
+                              <p:cond delay="0"/>
+                            </p:stCondLst>
+                            <p:childTnLst>
+                              <p:par>
+                                <p:cTn id="5" presetID="1" presetClass="entr" presetSubtype="0" fill="hold" grpId="0" nodeType="clickEffect">
+                                  <p:stCondLst>
+                                    <p:cond delay="0"/>
+                                  </p:stCondLst>
+                                  <p:childTnLst>
+                                    <p:set>
+                                      <p:cBhvr>
+                                        <p:cTn id="6" dur="1" fill="hold">
+                                          <p:stCondLst>
+                                            <p:cond delay="0"/>
+                                          </p:stCondLst>
+                                        </p:cTn>
+                                        <p:tgtEl>
+                                          <p:spTgt spid="6"/>
+                                        </p:tgtEl>
+                                        <p:attrNameLst>
+                                          <p:attrName>style.visibility</p:attrName>
+                                        </p:attrNameLst>
+                                      </p:cBhvr>
+                                      <p:to>
+                                        <p:strVal val="visible"/>
+                                      </p:to>
+                                    </p:set>
+                                  </p:childTnLst>
+                                </p:cTn>
+                              </p:par>
+                            </p:childTnLst>
+                          </p:cTn>
+                        </p:par>
+                      </p:childTnLst>
+                    </p:cTn>
+                  </p:par>
+                  <p:par>
+                    <p:cTn id="7" fill="hold">
+                      <p:stCondLst>
+                        <p:cond delay="indefinite"/>
+                      </p:stCondLst>
+                      <p:childTnLst>
+                        <p:par>
+                          <p:cTn id="8" fill="hold">
+                            <p:stCondLst>
+                              <p:cond delay="0"/>
+                            </p:stCondLst>
+                            <p:childTnLst>
+                              <p:par>
+                                <p:cTn id="9" presetID="1" presetClass="entr" presetSubtype="0" fill="hold" nodeType="clickEffect">
+                                  <p:stCondLst>
+                                    <p:cond delay="0"/>
+                                  </p:stCondLst>
+                                  <p:childTnLst>
+                                    <p:set>
+                                      <p:cBhvr>
+                                        <p:cTn id="10" dur="1" fill="hold">
+                                          <p:stCondLst>
+                                            <p:cond delay="0"/>
+                                          </p:stCondLst>
+                                        </p:cTn>
+                                        <p:tgtEl>
+                                          <p:spTgt spid="5">
+                                            <p:txEl>
+                                              <p:pRg st="2" end="2"/>
+                                            </p:txEl>
+                                          </p:spTgt>
+                                        </p:tgtEl>
+                                        <p:attrNameLst>
+                                          <p:attrName>style.visibility</p:attrName>
+                                        </p:attrNameLst>
+                                      </p:cBhvr>
+                                      <p:to>
+                                        <p:strVal val="visible"/>
+                                      </p:to>
+                                    </p:set>
+                                  </p:childTnLst>
+                                </p:cTn>
+                              </p:par>
+                            </p:childTnLst>
+                          </p:cTn>
+                        </p:par>
+                      </p:childTnLst>
+                    </p:cTn>
+                  </p:par>
+                  <p:par>
+                    <p:cTn id="11" fill="hold">
+                      <p:stCondLst>
+                        <p:cond delay="indefinite"/>
+                      </p:stCondLst>
+                      <p:childTnLst>
+                        <p:par>
+                          <p:cTn id="12" fill="hold">
+                            <p:stCondLst>
+                              <p:cond delay="0"/>
+                            </p:stCondLst>
+                            <p:childTnLst>
+                              <p:par>
+                                <p:cTn id="13" presetID="1" presetClass="entr" presetSubtype="0" fill="hold" nodeType="clickEffect">
+                                  <p:stCondLst>
+                                    <p:cond delay="0"/>
+                                  </p:stCondLst>
+                                  <p:childTnLst>
+                                    <p:set>
+                                      <p:cBhvr>
+                                        <p:cTn id="14" dur="1" fill="hold">
+                                          <p:stCondLst>
+                                            <p:cond delay="0"/>
+                                          </p:stCondLst>
+                                        </p:cTn>
+                                        <p:tgtEl>
+                                          <p:spTgt spid="5">
+                                            <p:txEl>
+                                              <p:pRg st="3" end="3"/>
+                                            </p:txEl>
+                                          </p:spTgt>
+                                        </p:tgtEl>
+                                        <p:attrNameLst>
+                                          <p:attrName>style.visibility</p:attrName>
+                                        </p:attrNameLst>
+                                      </p:cBhvr>
+                                      <p:to>
+                                        <p:strVal val="visible"/>
+                                      </p:to>
+                                    </p:set>
+                                  </p:childTnLst>
+                                </p:cTn>
+                              </p:par>
+                              <p:par>
+                                <p:cTn id="15" presetID="1" presetClass="entr" presetSubtype="0" fill="hold" grpId="0" nodeType="withEffect">
+                                  <p:stCondLst>
+                                    <p:cond delay="0"/>
+                                  </p:stCondLst>
+                                  <p:childTnLst>
+                                    <p:set>
+                                      <p:cBhvr>
+                                        <p:cTn id="16" dur="1" fill="hold">
+                                          <p:stCondLst>
+                                            <p:cond delay="0"/>
+                                          </p:stCondLst>
+                                        </p:cTn>
+                                        <p:tgtEl>
+                                          <p:spTgt spid="8"/>
+                                        </p:tgtEl>
+                                        <p:attrNameLst>
+                                          <p:attrName>style.visibility</p:attrName>
+                                        </p:attrNameLst>
+                                      </p:cBhvr>
+                                      <p:to>
+                                        <p:strVal val="visible"/>
+                                      </p:to>
+                                    </p:set>
+                                  </p:childTnLst>
+                                </p:cTn>
+                              </p:par>
+                            </p:childTnLst>
+                          </p:cTn>
+                        </p:par>
+                      </p:childTnLst>
+                    </p:cTn>
+                  </p:par>
+                  <p:par>
+                    <p:cTn id="17" fill="hold">
+                      <p:stCondLst>
+                        <p:cond delay="indefinite"/>
+                      </p:stCondLst>
+                      <p:childTnLst>
+                        <p:par>
+                          <p:cTn id="18" fill="hold">
+                            <p:stCondLst>
+                              <p:cond delay="0"/>
+                            </p:stCondLst>
+                            <p:childTnLst>
+                              <p:par>
+                                <p:cTn id="19" presetID="1" presetClass="entr" presetSubtype="0" fill="hold" nodeType="clickEffect">
+                                  <p:stCondLst>
+                                    <p:cond delay="0"/>
+                                  </p:stCondLst>
+                                  <p:childTnLst>
+                                    <p:set>
+                                      <p:cBhvr>
+                                        <p:cTn id="20" dur="1" fill="hold">
+                                          <p:stCondLst>
+                                            <p:cond delay="0"/>
+                                          </p:stCondLst>
+                                        </p:cTn>
+                                        <p:tgtEl>
+                                          <p:spTgt spid="5">
+                                            <p:txEl>
+                                              <p:pRg st="4" end="4"/>
+                                            </p:txEl>
+                                          </p:spTgt>
+                                        </p:tgtEl>
+                                        <p:attrNameLst>
+                                          <p:attrName>style.visibility</p:attrName>
+                                        </p:attrNameLst>
+                                      </p:cBhvr>
+                                      <p:to>
+                                        <p:strVal val="visible"/>
+                                      </p:to>
+                                    </p:set>
+                                  </p:childTnLst>
+                                </p:cTn>
+                              </p:par>
+                              <p:par>
+                                <p:cTn id="21" presetID="1" presetClass="entr" presetSubtype="0" fill="hold" grpId="0" nodeType="withEffect">
+                                  <p:stCondLst>
+                                    <p:cond delay="0"/>
+                                  </p:stCondLst>
+                                  <p:childTnLst>
+                                    <p:set>
+                                      <p:cBhvr>
+                                        <p:cTn id="22" dur="1" fill="hold">
+                                          <p:stCondLst>
+                                            <p:cond delay="0"/>
+                                          </p:stCondLst>
+                                        </p:cTn>
+                                        <p:tgtEl>
+                                          <p:spTgt spid="12"/>
+                                        </p:tgtEl>
+                                        <p:attrNameLst>
+                                          <p:attrName>style.visibility</p:attrName>
+                                        </p:attrNameLst>
+                                      </p:cBhvr>
+                                      <p:to>
+                                        <p:strVal val="visible"/>
+                                      </p:to>
+                                    </p:set>
+                                  </p:childTnLst>
+                                </p:cTn>
+                              </p:par>
+                            </p:childTnLst>
+                          </p:cTn>
+                        </p:par>
+                      </p:childTnLst>
+                    </p:cTn>
+                  </p:par>
+                  <p:par>
+                    <p:cTn id="23" fill="hold">
+                      <p:stCondLst>
+                        <p:cond delay="indefinite"/>
+                      </p:stCondLst>
+                      <p:childTnLst>
+                        <p:par>
+                          <p:cTn id="24" fill="hold">
+                            <p:stCondLst>
+                              <p:cond delay="0"/>
+                            </p:stCondLst>
+                            <p:childTnLst>
+                              <p:par>
+                                <p:cTn id="25" presetID="1" presetClass="entr" presetSubtype="0" fill="hold" nodeType="clickEffect">
+                                  <p:stCondLst>
+                                    <p:cond delay="0"/>
+                                  </p:stCondLst>
+                                  <p:childTnLst>
+                                    <p:set>
+                                      <p:cBhvr>
+                                        <p:cTn id="26" dur="1" fill="hold">
+                                          <p:stCondLst>
+                                            <p:cond delay="0"/>
+                                          </p:stCondLst>
+                                        </p:cTn>
+                                        <p:tgtEl>
+                                          <p:spTgt spid="5">
+                                            <p:txEl>
+                                              <p:pRg st="5" end="5"/>
+                                            </p:txEl>
+                                          </p:spTgt>
+                                        </p:tgtEl>
+                                        <p:attrNameLst>
+                                          <p:attrName>style.visibility</p:attrName>
+                                        </p:attrNameLst>
+                                      </p:cBhvr>
+                                      <p:to>
+                                        <p:strVal val="visible"/>
+                                      </p:to>
+                                    </p:set>
+                                  </p:childTnLst>
+                                </p:cTn>
+                              </p:par>
+                              <p:par>
+                                <p:cTn id="27" presetID="1" presetClass="entr" presetSubtype="0" fill="hold" grpId="0" nodeType="withEffect">
+                                  <p:stCondLst>
+                                    <p:cond delay="0"/>
+                                  </p:stCondLst>
+                                  <p:childTnLst>
+                                    <p:set>
+                                      <p:cBhvr>
+                                        <p:cTn id="28" dur="1" fill="hold">
+                                          <p:stCondLst>
+                                            <p:cond delay="0"/>
+                                          </p:stCondLst>
+                                        </p:cTn>
+                                        <p:tgtEl>
+                                          <p:spTgt spid="11"/>
+                                        </p:tgtEl>
+                                        <p:attrNameLst>
+                                          <p:attrName>style.visibility</p:attrName>
+                                        </p:attrNameLst>
+                                      </p:cBhvr>
+                                      <p:to>
+                                        <p:strVal val="visible"/>
+                                      </p:to>
+                                    </p:set>
+                                  </p:childTnLst>
+                                </p:cTn>
+                              </p:par>
+                            </p:childTnLst>
+                          </p:cTn>
+                        </p:par>
+                      </p:childTnLst>
+                    </p:cTn>
+                  </p:par>
+                  <p:par>
+                    <p:cTn id="29" fill="hold">
+                      <p:stCondLst>
+                        <p:cond delay="indefinite"/>
+                      </p:stCondLst>
+                      <p:childTnLst>
+                        <p:par>
+                          <p:cTn id="30" fill="hold">
+                            <p:stCondLst>
+                              <p:cond delay="0"/>
+                            </p:stCondLst>
+                            <p:childTnLst>
+                              <p:par>
+                                <p:cTn id="31" presetID="1" presetClass="entr" presetSubtype="0" fill="hold" nodeType="clickEffect">
+                                  <p:stCondLst>
+                                    <p:cond delay="0"/>
+                                  </p:stCondLst>
+                                  <p:childTnLst>
+                                    <p:set>
+                                      <p:cBhvr>
+                                        <p:cTn id="32" dur="1" fill="hold">
+                                          <p:stCondLst>
+                                            <p:cond delay="0"/>
+                                          </p:stCondLst>
+                                        </p:cTn>
+                                        <p:tgtEl>
+                                          <p:spTgt spid="5">
+                                            <p:txEl>
+                                              <p:pRg st="6" end="6"/>
+                                            </p:txEl>
+                                          </p:spTgt>
+                                        </p:tgtEl>
+                                        <p:attrNameLst>
+                                          <p:attrName>style.visibility</p:attrName>
+                                        </p:attrNameLst>
+                                      </p:cBhvr>
+                                      <p:to>
+                                        <p:strVal val="visible"/>
+                                      </p:to>
+                                    </p:set>
+                                  </p:childTnLst>
+                                </p:cTn>
+                              </p:par>
+                              <p:par>
+                                <p:cTn id="33" presetID="1" presetClass="entr" presetSubtype="0" fill="hold" grpId="0" nodeType="withEffect">
+                                  <p:stCondLst>
+                                    <p:cond delay="0"/>
+                                  </p:stCondLst>
+                                  <p:childTnLst>
+                                    <p:set>
+                                      <p:cBhvr>
+                                        <p:cTn id="34" dur="1" fill="hold">
+                                          <p:stCondLst>
+                                            <p:cond delay="0"/>
+                                          </p:stCondLst>
+                                        </p:cTn>
+                                        <p:tgtEl>
+                                          <p:spTgt spid="13"/>
+                                        </p:tgtEl>
+                                        <p:attrNameLst>
+                                          <p:attrName>style.visibility</p:attrName>
+                                        </p:attrNameLst>
+                                      </p:cBhvr>
+                                      <p:to>
+                                        <p:strVal val="visible"/>
+                                      </p:to>
+                                    </p:set>
+                                  </p:childTnLst>
+                                </p:cTn>
+                              </p:par>
+                            </p:childTnLst>
+                          </p:cTn>
+                        </p:par>
+                      </p:childTnLst>
+                    </p:cTn>
+                  </p:par>
+                  <p:par>
+                    <p:cTn id="35" fill="hold">
+                      <p:stCondLst>
+                        <p:cond delay="indefinite"/>
+                      </p:stCondLst>
+                      <p:childTnLst>
+                        <p:par>
+                          <p:cTn id="36" fill="hold">
+                            <p:stCondLst>
+                              <p:cond delay="0"/>
+                            </p:stCondLst>
+                            <p:childTnLst>
+                              <p:par>
+                                <p:cTn id="37" presetID="1" presetClass="entr" presetSubtype="0" fill="hold" nodeType="clickEffect">
+                                  <p:stCondLst>
+                                    <p:cond delay="0"/>
+                                  </p:stCondLst>
+                                  <p:childTnLst>
+                                    <p:set>
+                                      <p:cBhvr>
+                                        <p:cTn id="38" dur="1" fill="hold">
+                                          <p:stCondLst>
+                                            <p:cond delay="0"/>
+                                          </p:stCondLst>
+                                        </p:cTn>
+                                        <p:tgtEl>
+                                          <p:spTgt spid="5">
+                                            <p:txEl>
+                                              <p:pRg st="7" end="7"/>
+                                            </p:txEl>
+                                          </p:spTgt>
+                                        </p:tgtEl>
+                                        <p:attrNameLst>
+                                          <p:attrName>style.visibility</p:attrName>
+                                        </p:attrNameLst>
+                                      </p:cBhvr>
+                                      <p:to>
+                                        <p:strVal val="visible"/>
+                                      </p:to>
+                                    </p:set>
+                                  </p:childTnLst>
+                                </p:cTn>
+                              </p:par>
+                              <p:par>
+                                <p:cTn id="39" presetID="1" presetClass="entr" presetSubtype="0" fill="hold" grpId="0" nodeType="withEffect">
+                                  <p:stCondLst>
+                                    <p:cond delay="0"/>
+                                  </p:stCondLst>
+                                  <p:childTnLst>
+                                    <p:set>
+                                      <p:cBhvr>
+                                        <p:cTn id="40" dur="1" fill="hold">
+                                          <p:stCondLst>
+                                            <p:cond delay="0"/>
+                                          </p:stCondLst>
+                                        </p:cTn>
+                                        <p:tgtEl>
+                                          <p:spTgt spid="14"/>
+                                        </p:tgtEl>
+                                        <p:attrNameLst>
+                                          <p:attrName>style.visibility</p:attrName>
+                                        </p:attrNameLst>
+                                      </p:cBhvr>
+                                      <p:to>
+                                        <p:strVal val="visible"/>
+                                      </p:to>
+                                    </p:set>
+                                  </p:childTnLst>
+                                </p:cTn>
+                              </p:par>
+                            </p:childTnLst>
+                          </p:cTn>
+                        </p:par>
+                      </p:childTnLst>
+                    </p:cTn>
+                  </p:par>
+                  <p:par>
+                    <p:cTn id="41" fill="hold">
+                      <p:stCondLst>
+                        <p:cond delay="indefinite"/>
+                      </p:stCondLst>
+                      <p:childTnLst>
+                        <p:par>
+                          <p:cTn id="42" fill="hold">
+                            <p:stCondLst>
+                              <p:cond delay="0"/>
+                            </p:stCondLst>
+                            <p:childTnLst>
+                              <p:par>
+                                <p:cTn id="43" presetID="1" presetClass="entr" presetSubtype="0" fill="hold" nodeType="clickEffect">
+                                  <p:stCondLst>
+                                    <p:cond delay="0"/>
+                                  </p:stCondLst>
+                                  <p:childTnLst>
+                                    <p:set>
+                                      <p:cBhvr>
+                                        <p:cTn id="44" dur="1" fill="hold">
+                                          <p:stCondLst>
+                                            <p:cond delay="0"/>
+                                          </p:stCondLst>
+                                        </p:cTn>
+                                        <p:tgtEl>
+                                          <p:spTgt spid="5">
+                                            <p:txEl>
+                                              <p:pRg st="8" end="8"/>
+                                            </p:txEl>
+                                          </p:spTgt>
+                                        </p:tgtEl>
+                                        <p:attrNameLst>
+                                          <p:attrName>style.visibility</p:attrName>
+                                        </p:attrNameLst>
+                                      </p:cBhvr>
+                                      <p:to>
+                                        <p:strVal val="visible"/>
+                                      </p:to>
+                                    </p:set>
+                                  </p:childTnLst>
+                                </p:cTn>
+                              </p:par>
+                              <p:par>
+                                <p:cTn id="45" presetID="1" presetClass="entr" presetSubtype="0" fill="hold" nodeType="withEffect">
+                                  <p:stCondLst>
+                                    <p:cond delay="0"/>
+                                  </p:stCondLst>
+                                  <p:childTnLst>
+                                    <p:set>
+                                      <p:cBhvr>
+                                        <p:cTn id="46" dur="1" fill="hold">
+                                          <p:stCondLst>
+                                            <p:cond delay="0"/>
+                                          </p:stCondLst>
+                                        </p:cTn>
+                                        <p:tgtEl>
+                                          <p:spTgt spid="16"/>
+                                        </p:tgtEl>
+                                        <p:attrNameLst>
+                                          <p:attrName>style.visibility</p:attrName>
+                                        </p:attrNameLst>
+                                      </p:cBhvr>
+                                      <p:to>
+                                        <p:strVal val="visible"/>
+                                      </p:to>
+                                    </p:set>
+                                  </p:childTnLst>
+                                </p:cTn>
+                              </p:par>
+                            </p:childTnLst>
+                          </p:cTn>
+                        </p:par>
+                      </p:childTnLst>
+                    </p:cTn>
+                  </p:par>
+                  <p:par>
+                    <p:cTn id="47" fill="hold">
+                      <p:stCondLst>
+                        <p:cond delay="indefinite"/>
+                      </p:stCondLst>
+                      <p:childTnLst>
+                        <p:par>
+                          <p:cTn id="48" fill="hold">
+                            <p:stCondLst>
+                              <p:cond delay="0"/>
+                            </p:stCondLst>
+                            <p:childTnLst>
+                              <p:par>
+                                <p:cTn id="49" presetID="1" presetClass="entr" presetSubtype="0" fill="hold" grpId="0" nodeType="clickEffect">
+                                  <p:stCondLst>
+                                    <p:cond delay="0"/>
+                                  </p:stCondLst>
+                                  <p:childTnLst>
+                                    <p:set>
+                                      <p:cBhvr>
+                                        <p:cTn id="50" dur="1" fill="hold">
+                                          <p:stCondLst>
+                                            <p:cond delay="0"/>
+                                          </p:stCondLst>
+                                        </p:cTn>
+                                        <p:tgtEl>
+                                          <p:spTgt spid="17"/>
+                                        </p:tgtEl>
+                                        <p:attrNameLst>
+                                          <p:attrName>style.visibility</p:attrName>
+                                        </p:attrNameLst>
+                                      </p:cBhvr>
+                                      <p:to>
+                                        <p:strVal val="visible"/>
+                                      </p:to>
+                                    </p:set>
+                                  </p:childTnLst>
+                                </p:cTn>
+                              </p:par>
+                            </p:childTnLst>
+                          </p:cTn>
+                        </p:par>
+                      </p:childTnLst>
+                    </p:cTn>
+                  </p:par>
+                </p:childTnLst>
+              </p:cTn>
+              <p:prevCondLst>
+                <p:cond evt="onPrev" delay="0">
+                  <p:tgtEl>
+                    <p:sldTgt/>
+                  </p:tgtEl>
+                </p:cond>
+              </p:prevCondLst>
+              <p:nextCondLst>
+                <p:cond evt="onNext" delay="0">
+                  <p:tgtEl>
+                    <p:sldTgt/>
+                  </p:tgtEl>
+                </p:cond>
+              </p:nextCondLst>
+            </p:seq>
+          </p:childTnLst>
+        </p:cTn>
+      </p:par>
+    </p:tnLst>
+    <p:bldLst>
+      <p:bldP spid="6" grpId="0" animBg="1"/>
+      <p:bldP spid="8" grpId="0" animBg="1"/>
+      <p:bldP spid="11" grpId="0" animBg="1"/>
+      <p:bldP spid="12" grpId="0" animBg="1"/>
+      <p:bldP spid="13" grpId="0" animBg="1"/>
+      <p:bldP spid="14" grpId="0" animBg="1"/>
+      <p:bldP spid="17" grpId="0" animBg="1"/>
+    </p:bldLst>
+  </p:timing>
+</p:sld>
+</file>
+
+<file path=ppt/slides/slide8.xml><?xml version="1.0" encoding="utf-8"?>
+<p:sld xmlns:a="http://schemas.openxmlformats.org/drawingml/2006/main" xmlns:r="http://schemas.openxmlformats.org/officeDocument/2006/relationships" xmlns:p="http://schemas.openxmlformats.org/presentationml/2006/main">
+  <p:cSld>
+    <p:spTree>
+      <p:nvGrpSpPr>
+        <p:cNvPr id="1" name=""/>
+        <p:cNvGrpSpPr/>
+        <p:nvPr/>
+      </p:nvGrpSpPr>
+      <p:grpSpPr>
+        <a:xfrm>
+          <a:off x="0" y="0"/>
+          <a:ext cx="0" cy="0"/>
+          <a:chOff x="0" y="0"/>
+          <a:chExt cx="0" cy="0"/>
+        </a:xfrm>
+      </p:grpSpPr>
+      <p:sp>
+        <p:nvSpPr>
+          <p:cNvPr id="2" name="Slide Number Placeholder 1">
+            <a:extLst>
+              <a:ext uri="{FF2B5EF4-FFF2-40B4-BE49-F238E27FC236}">
+                <a16:creationId xmlns:a16="http://schemas.microsoft.com/office/drawing/2014/main" id="{700E7304-BFBC-F183-275C-E1D6EBF0D33F}"/>
+              </a:ext>
+            </a:extLst>
+          </p:cNvPr>
+          <p:cNvSpPr>
+            <a:spLocks noGrp="1"/>
+          </p:cNvSpPr>
+          <p:nvPr>
+            <p:ph type="sldNum" sz="quarter" idx="5"/>
+          </p:nvPr>
+        </p:nvSpPr>
+        <p:spPr/>
+        <p:txBody>
+          <a:bodyPr/>
+          <a:lstStyle/>
+          <a:p>
+            <a:fld id="{2BF067CD-8E6B-4360-9AA8-C5DF2A48A6D1}" type="slidenum">
+              <a:rPr lang="en-US" noProof="0" smtClean="0"/>
+              <a:pPr/>
+              <a:t>8</a:t>
+            </a:fld>
+            <a:endParaRPr lang="en-US" noProof="0" dirty="0"/>
+          </a:p>
+        </p:txBody>
+      </p:sp>
+      <p:sp>
+        <p:nvSpPr>
+          <p:cNvPr id="6" name="Text Placeholder 5">
+            <a:extLst>
+              <a:ext uri="{FF2B5EF4-FFF2-40B4-BE49-F238E27FC236}">
+                <a16:creationId xmlns:a16="http://schemas.microsoft.com/office/drawing/2014/main" id="{5B6666D5-3740-1FC0-558F-7399E4AD1F98}"/>
+              </a:ext>
+            </a:extLst>
+          </p:cNvPr>
+          <p:cNvSpPr>
+            <a:spLocks noGrp="1"/>
+          </p:cNvSpPr>
+          <p:nvPr>
+            <p:ph type="body" sz="quarter" idx="10"/>
+          </p:nvPr>
+        </p:nvSpPr>
+        <p:spPr/>
+        <p:txBody>
+          <a:bodyPr/>
+          <a:lstStyle/>
+          <a:p>
+            <a:r>
+              <a:rPr lang="bg-BG" dirty="0"/>
+              <a:t>Отворете </a:t>
+            </a:r>
+            <a:r>
+              <a:rPr lang="bg-BG" b="1" dirty="0"/>
+              <a:t>файла</a:t>
+            </a:r>
+            <a:r>
+              <a:rPr lang="bg-BG" dirty="0"/>
+              <a:t> </a:t>
+            </a:r>
+            <a:r>
+              <a:rPr lang="en-GB" b="1" dirty="0">
+                <a:solidFill>
+                  <a:schemeClr val="bg1"/>
+                </a:solidFill>
+              </a:rPr>
+              <a:t>defaultcostumes.py</a:t>
+            </a:r>
+            <a:r>
+              <a:rPr lang="bg-BG" b="1" dirty="0">
+                <a:solidFill>
+                  <a:schemeClr val="bg1"/>
+                </a:solidFill>
+              </a:rPr>
+              <a:t> </a:t>
+            </a:r>
+            <a:r>
+              <a:rPr lang="bg-BG" dirty="0"/>
+              <a:t>от </a:t>
+            </a:r>
+            <a:r>
+              <a:rPr lang="bg-BG" b="1" dirty="0"/>
+              <a:t>папката </a:t>
+            </a:r>
+            <a:r>
+              <a:rPr lang="en-GB" b="1" dirty="0">
+                <a:solidFill>
+                  <a:schemeClr val="bg1"/>
+                </a:solidFill>
+              </a:rPr>
+              <a:t>Resources</a:t>
+            </a:r>
+          </a:p>
+          <a:p>
+            <a:r>
+              <a:rPr lang="bg-BG" b="1" dirty="0"/>
+              <a:t>Разгледайте</a:t>
+            </a:r>
+            <a:r>
+              <a:rPr lang="bg-BG" dirty="0"/>
+              <a:t> кода и </a:t>
+            </a:r>
+            <a:r>
+              <a:rPr lang="bg-BG" b="1" dirty="0"/>
+              <a:t>изпълнете</a:t>
+            </a:r>
+            <a:r>
+              <a:rPr lang="bg-BG" dirty="0"/>
+              <a:t> програмата</a:t>
+            </a:r>
+            <a:endParaRPr lang="en-GB" dirty="0"/>
+          </a:p>
+        </p:txBody>
+      </p:sp>
+      <p:sp>
+        <p:nvSpPr>
+          <p:cNvPr id="5" name="Title 4">
+            <a:extLst>
+              <a:ext uri="{FF2B5EF4-FFF2-40B4-BE49-F238E27FC236}">
+                <a16:creationId xmlns:a16="http://schemas.microsoft.com/office/drawing/2014/main" id="{B7044C2E-5792-F78D-D532-55A6591EEB4B}"/>
+              </a:ext>
+            </a:extLst>
+          </p:cNvPr>
+          <p:cNvSpPr>
+            <a:spLocks noGrp="1"/>
+          </p:cNvSpPr>
+          <p:nvPr>
+            <p:ph type="title"/>
+          </p:nvPr>
+        </p:nvSpPr>
+        <p:spPr/>
+        <p:txBody>
+          <a:bodyPr/>
+          <a:lstStyle/>
+          <a:p>
+            <a:r>
+              <a:rPr lang="bg-BG" dirty="0"/>
+              <a:t>Костюм на героя – демо</a:t>
+            </a:r>
+            <a:endParaRPr lang="en-GB" dirty="0"/>
+          </a:p>
+        </p:txBody>
+      </p:sp>
+      <p:pic>
+        <p:nvPicPr>
+          <p:cNvPr id="8" name="Picture 7">
+            <a:extLst>
+              <a:ext uri="{FF2B5EF4-FFF2-40B4-BE49-F238E27FC236}">
+                <a16:creationId xmlns:a16="http://schemas.microsoft.com/office/drawing/2014/main" id="{21ABB742-7DBB-EB7D-707F-277332E85956}"/>
+              </a:ext>
+            </a:extLst>
+          </p:cNvPr>
+          <p:cNvPicPr>
+            <a:picLocks noChangeAspect="1"/>
+          </p:cNvPicPr>
+          <p:nvPr/>
+        </p:nvPicPr>
+        <p:blipFill>
+          <a:blip r:embed="rId2"/>
+          <a:stretch>
+            <a:fillRect/>
+          </a:stretch>
+        </p:blipFill>
+        <p:spPr>
+          <a:xfrm>
+            <a:off x="3531000" y="2658375"/>
+            <a:ext cx="5130000" cy="3997125"/>
+          </a:xfrm>
+          <a:prstGeom prst="rect">
+            <a:avLst/>
+          </a:prstGeom>
+          <a:ln>
+            <a:solidFill>
+              <a:schemeClr val="bg2">
+                <a:lumMod val="75000"/>
+              </a:schemeClr>
+            </a:solidFill>
+          </a:ln>
+        </p:spPr>
+      </p:pic>
+    </p:spTree>
+    <p:extLst>
+      <p:ext uri="{BB962C8B-B14F-4D97-AF65-F5344CB8AC3E}">
+        <p14:creationId xmlns:p14="http://schemas.microsoft.com/office/powerpoint/2010/main" val="2352533308"/>
+      </p:ext>
+    </p:extLst>
+  </p:cSld>
+  <p:clrMapOvr>
+    <a:masterClrMapping/>
+  </p:clrMapOvr>
+  <mc:AlternateContent xmlns:mc="http://schemas.openxmlformats.org/markup-compatibility/2006" xmlns:p14="http://schemas.microsoft.com/office/powerpoint/2010/main">
+    <mc:Choice Requires="p14">
+      <p:transition spd="slow" p14:dur="2000" advClick="0" advTm="5000"/>
+    </mc:Choice>
+    <mc:Fallback xmlns="">
+      <p:transition spd="slow" advClick="0" advTm="5000"/>
+    </mc:Fallback>
+  </mc:AlternateContent>
+</p:sld>
+</file>
+
+<file path=ppt/slides/slide9.xml><?xml version="1.0" encoding="utf-8"?>
+<p:sld xmlns:a="http://schemas.openxmlformats.org/drawingml/2006/main" xmlns:r="http://schemas.openxmlformats.org/officeDocument/2006/relationships" xmlns:p="http://schemas.openxmlformats.org/presentationml/2006/main">
+  <p:cSld>
+    <p:spTree>
+      <p:nvGrpSpPr>
+        <p:cNvPr id="1" name=""/>
+        <p:cNvGrpSpPr/>
+        <p:nvPr/>
+      </p:nvGrpSpPr>
+      <p:grpSpPr>
+        <a:xfrm>
+          <a:off x="0" y="0"/>
+          <a:ext cx="0" cy="0"/>
+          <a:chOff x="0" y="0"/>
+          <a:chExt cx="0" cy="0"/>
+        </a:xfrm>
+      </p:grpSpPr>
+      <p:sp>
+        <p:nvSpPr>
+          <p:cNvPr id="2" name="Slide Number Placeholder 1">
+            <a:extLst>
+              <a:ext uri="{FF2B5EF4-FFF2-40B4-BE49-F238E27FC236}">
+                <a16:creationId xmlns:a16="http://schemas.microsoft.com/office/drawing/2014/main" id="{167F633D-FA77-D288-9FC3-58FC0E3BA3E2}"/>
+              </a:ext>
+            </a:extLst>
+          </p:cNvPr>
+          <p:cNvSpPr>
+            <a:spLocks noGrp="1"/>
+          </p:cNvSpPr>
+          <p:nvPr>
+            <p:ph type="sldNum" sz="quarter" idx="5"/>
+          </p:nvPr>
+        </p:nvSpPr>
+        <p:spPr/>
+        <p:txBody>
+          <a:bodyPr/>
+          <a:lstStyle/>
+          <a:p>
+            <a:fld id="{2BF067CD-8E6B-4360-9AA8-C5DF2A48A6D1}" type="slidenum">
+              <a:rPr lang="en-US" noProof="0" smtClean="0"/>
+              <a:pPr/>
+              <a:t>9</a:t>
+            </a:fld>
+            <a:endParaRPr lang="en-US" noProof="0" dirty="0"/>
+          </a:p>
+        </p:txBody>
+      </p:sp>
+      <p:sp>
+        <p:nvSpPr>
+          <p:cNvPr id="3" name="Text Placeholder 2">
+            <a:extLst>
+              <a:ext uri="{FF2B5EF4-FFF2-40B4-BE49-F238E27FC236}">
+                <a16:creationId xmlns:a16="http://schemas.microsoft.com/office/drawing/2014/main" id="{A3518927-E657-806C-79B0-82E799DC356A}"/>
+              </a:ext>
+            </a:extLst>
+          </p:cNvPr>
+          <p:cNvSpPr>
+            <a:spLocks noGrp="1"/>
+          </p:cNvSpPr>
+          <p:nvPr>
+            <p:ph type="body" sz="quarter" idx="10"/>
+          </p:nvPr>
+        </p:nvSpPr>
+        <p:spPr/>
+        <p:txBody>
+          <a:bodyPr/>
+          <a:lstStyle/>
+          <a:p>
+            <a:r>
+              <a:rPr lang="ru-RU" b="1" dirty="0"/>
+              <a:t>Библиотеката</a:t>
+            </a:r>
+            <a:r>
+              <a:rPr lang="ru-RU" dirty="0"/>
+              <a:t> </a:t>
+            </a:r>
+            <a:r>
+              <a:rPr lang="ru-RU" b="1" dirty="0">
+                <a:solidFill>
+                  <a:schemeClr val="bg1"/>
+                </a:solidFill>
+              </a:rPr>
+              <a:t>turtle</a:t>
+            </a:r>
+            <a:r>
+              <a:rPr lang="ru-RU" dirty="0"/>
+              <a:t> позволява използването на </a:t>
+            </a:r>
+            <a:r>
+              <a:rPr lang="ru-RU" b="1" dirty="0">
+                <a:solidFill>
+                  <a:schemeClr val="bg1"/>
+                </a:solidFill>
+              </a:rPr>
+              <a:t>собствени костюми</a:t>
+            </a:r>
+            <a:r>
+              <a:rPr lang="ru-RU" dirty="0">
+                <a:solidFill>
+                  <a:schemeClr val="bg1"/>
+                </a:solidFill>
+              </a:rPr>
+              <a:t> </a:t>
+            </a:r>
+            <a:r>
+              <a:rPr lang="ru-RU" dirty="0"/>
+              <a:t>(</a:t>
+            </a:r>
+            <a:r>
+              <a:rPr lang="ru-RU" b="1" dirty="0"/>
+              <a:t>GIF</a:t>
+            </a:r>
+            <a:r>
+              <a:rPr lang="ru-RU" dirty="0"/>
+              <a:t> файлове)</a:t>
+            </a:r>
+          </a:p>
+          <a:p>
+            <a:pPr lvl="1"/>
+            <a:r>
+              <a:rPr lang="ru-RU" b="1" dirty="0"/>
+              <a:t>Костюмите</a:t>
+            </a:r>
+            <a:r>
+              <a:rPr lang="ru-RU" dirty="0"/>
+              <a:t> (графичните изображения) трябва да са в </a:t>
+            </a:r>
+            <a:r>
+              <a:rPr lang="ru-RU" b="1" dirty="0"/>
+              <a:t>същата папка като вашия код</a:t>
+            </a:r>
+            <a:r>
+              <a:rPr lang="ru-RU" dirty="0"/>
+              <a:t>, за да могат да се използват</a:t>
+            </a:r>
+            <a:endParaRPr lang="en-GB" dirty="0"/>
+          </a:p>
+        </p:txBody>
+      </p:sp>
+      <p:sp>
+        <p:nvSpPr>
+          <p:cNvPr id="4" name="Title 3">
+            <a:extLst>
+              <a:ext uri="{FF2B5EF4-FFF2-40B4-BE49-F238E27FC236}">
+                <a16:creationId xmlns:a16="http://schemas.microsoft.com/office/drawing/2014/main" id="{0F22723A-6A45-BE8D-7F44-FC37BB62AD53}"/>
+              </a:ext>
+            </a:extLst>
+          </p:cNvPr>
+          <p:cNvSpPr>
+            <a:spLocks noGrp="1"/>
+          </p:cNvSpPr>
+          <p:nvPr>
+            <p:ph type="title"/>
+          </p:nvPr>
+        </p:nvSpPr>
+        <p:spPr/>
+        <p:txBody>
+          <a:bodyPr/>
+          <a:lstStyle/>
+          <a:p>
+            <a:r>
+              <a:rPr lang="bg-BG" dirty="0"/>
+              <a:t>Собствен костюм</a:t>
+            </a:r>
+            <a:r>
+              <a:rPr lang="en-GB" dirty="0"/>
+              <a:t> (1)</a:t>
+            </a:r>
+          </a:p>
+        </p:txBody>
+      </p:sp>
+      <p:pic>
+        <p:nvPicPr>
+          <p:cNvPr id="8" name="Picture 7">
+            <a:extLst>
+              <a:ext uri="{FF2B5EF4-FFF2-40B4-BE49-F238E27FC236}">
+                <a16:creationId xmlns:a16="http://schemas.microsoft.com/office/drawing/2014/main" id="{87B06E73-42BA-EA24-CDCB-F638375F3447}"/>
+              </a:ext>
+            </a:extLst>
+          </p:cNvPr>
+          <p:cNvPicPr>
+            <a:picLocks noChangeAspect="1"/>
+          </p:cNvPicPr>
+          <p:nvPr/>
+        </p:nvPicPr>
+        <p:blipFill>
+          <a:blip r:embed="rId2"/>
+          <a:stretch>
+            <a:fillRect/>
+          </a:stretch>
+        </p:blipFill>
+        <p:spPr>
+          <a:xfrm>
+            <a:off x="3184498" y="3744000"/>
+            <a:ext cx="5823004" cy="2869169"/>
+          </a:xfrm>
+          <a:prstGeom prst="rect">
+            <a:avLst/>
+          </a:prstGeom>
+          <a:ln>
+            <a:solidFill>
+              <a:schemeClr val="bg2">
+                <a:lumMod val="75000"/>
+              </a:schemeClr>
+            </a:solidFill>
+          </a:ln>
+        </p:spPr>
+      </p:pic>
+    </p:spTree>
+    <p:extLst>
+      <p:ext uri="{BB962C8B-B14F-4D97-AF65-F5344CB8AC3E}">
+        <p14:creationId xmlns:p14="http://schemas.microsoft.com/office/powerpoint/2010/main" val="4173472227"/>
+      </p:ext>
+    </p:extLst>
+  </p:cSld>
+  <p:clrMapOvr>
+    <a:masterClrMapping/>
+  </p:clrMapOvr>
+  <mc:AlternateContent xmlns:mc="http://schemas.openxmlformats.org/markup-compatibility/2006" xmlns:p14="http://schemas.microsoft.com/office/powerpoint/2010/main">
+    <mc:Choice Requires="p14">
+      <p:transition spd="slow" p14:dur="2000" advClick="0" advTm="5000"/>
+    </mc:Choice>
+    <mc:Fallback xmlns="">
+      <p:transition spd="slow" advClick="0" advTm="5000"/>
+    </mc:Fallback>
+  </mc:AlternateContent>
+  <p:timing>
+    <p:tnLst>
+      <p:par>
+        <p:cTn id="1" dur="indefinite" restart="never" nodeType="tmRoot">
+          <p:childTnLst>
+            <p:seq concurrent="1" nextAc="seek">
+              <p:cTn id="2" dur="indefinite" nodeType="mainSeq">
+                <p:childTnLst>
+                  <p:par>
+                    <p:cTn id="3" fill="hold">
+                      <p:stCondLst>
+                        <p:cond delay="indefinite"/>
+                      </p:stCondLst>
+                      <p:childTnLst>
+                        <p:par>
+                          <p:cTn id="4" fill="hold">
+                            <p:stCondLst>
+                              <p:cond delay="0"/>
+                            </p:stCondLst>
+                            <p:childTnLst>
+                              <p:par>
+                                <p:cTn id="5" presetID="1" presetClass="entr" presetSubtype="0" fill="hold" nodeType="clickEffect">
+                                  <p:stCondLst>
+                                    <p:cond delay="0"/>
+                                  </p:stCondLst>
+                                  <p:childTnLst>
+                                    <p:set>
+                                      <p:cBhvr>
+                                        <p:cTn id="6" dur="1" fill="hold">
+                                          <p:stCondLst>
+                                            <p:cond delay="0"/>
+                                          </p:stCondLst>
+                                        </p:cTn>
+                                        <p:tgtEl>
+                                          <p:spTgt spid="3">
+                                            <p:txEl>
+                                              <p:pRg st="1" end="1"/>
+                                            </p:txEl>
+                                          </p:spTgt>
+                                        </p:tgtEl>
+                                        <p:attrNameLst>
+                                          <p:attrName>style.visibility</p:attrName>
+                                        </p:attrNameLst>
+                                      </p:cBhvr>
+                                      <p:to>
+                                        <p:strVal val="visible"/>
+                                      </p:to>
+                                    </p:set>
+                                  </p:childTnLst>
+                                </p:cTn>
+                              </p:par>
+                            </p:childTnLst>
+                          </p:cTn>
+                        </p:par>
+                      </p:childTnLst>
+                    </p:cTn>
+                  </p:par>
+                  <p:par>
+                    <p:cTn id="7" fill="hold">
+                      <p:stCondLst>
+                        <p:cond delay="indefinite"/>
+                      </p:stCondLst>
+                      <p:childTnLst>
+                        <p:par>
+                          <p:cTn id="8" fill="hold">
+                            <p:stCondLst>
+                              <p:cond delay="0"/>
+                            </p:stCondLst>
+                            <p:childTnLst>
+                              <p:par>
+                                <p:cTn id="9" presetID="1" presetClass="entr" presetSubtype="0" fill="hold" nodeType="clickEffect">
+                                  <p:stCondLst>
+                                    <p:cond delay="0"/>
+                                  </p:stCondLst>
+                                  <p:childTnLst>
+                                    <p:set>
+                                      <p:cBhvr>
+                                        <p:cTn id="10" dur="1" fill="hold">
+                                          <p:stCondLst>
+                                            <p:cond delay="0"/>
+                                          </p:stCondLst>
+                                        </p:cTn>
+                                        <p:tgtEl>
+                                          <p:spTgt spid="8"/>
+                                        </p:tgtEl>
+                                        <p:attrNameLst>
+                                          <p:attrName>style.visibility</p:attrName>
+                                        </p:attrNameLst>
+                                      </p:cBhvr>
+                                      <p:to>
+                                        <p:strVal val="visible"/>
+                                      </p:to>
+                                    </p:set>
+                                  </p:childTnLst>
+                                </p:cTn>
+                              </p:par>
+                            </p:childTnLst>
+                          </p:cTn>
+                        </p:par>
+                      </p:childTnLst>
+                    </p:cTn>
+                  </p:par>
+                </p:childTnLst>
+              </p:cTn>
+              <p:prevCondLst>
+                <p:cond evt="onPrev" delay="0">
+                  <p:tgtEl>
+                    <p:sldTgt/>
+                  </p:tgtEl>
+                </p:cond>
+              </p:prevCondLst>
+              <p:nextCondLst>
+                <p:cond evt="onNext" delay="0">
+                  <p:tgtEl>
+                    <p:sldTgt/>
+                  </p:tgtEl>
+                </p:cond>
+              </p:nextCondLst>
+            </p:seq>
+          </p:childTnLst>
+        </p:cTn>
+      </p:par>
+    </p:tnLst>
+  </p:timing>
 </p:sld>
 </file>
 

--- a/Courses/Computer-Modeling-and-IT/Computer-Modeling-and-IT-6-Class/32-Creating-and-Modifying-a-Character/32-Creating-and-Modifying-a-Character.pptx
+++ b/Courses/Computer-Modeling-and-IT/Computer-Modeling-and-IT-6-Class/32-Creating-and-Modifying-a-Character/32-Creating-and-Modifying-a-Character.pptx
@@ -7496,11 +7496,11 @@
   <p:clrMapOvr>
     <a:masterClrMapping/>
   </p:clrMapOvr>
-  <mc:AlternateContent xmlns:mc="http://schemas.openxmlformats.org/markup-compatibility/2006">
-    <mc:Choice xmlns:p14="http://schemas.microsoft.com/office/powerpoint/2010/main" Requires="p14">
+  <mc:AlternateContent xmlns:mc="http://schemas.openxmlformats.org/markup-compatibility/2006" xmlns:p14="http://schemas.microsoft.com/office/powerpoint/2010/main">
+    <mc:Choice Requires="p14">
       <p:transition spd="slow" p14:dur="2000" advClick="0" advTm="5000"/>
     </mc:Choice>
-    <mc:Fallback>
+    <mc:Fallback xmlns="">
       <p:transition spd="slow" advClick="0" advTm="5000"/>
     </mc:Fallback>
   </mc:AlternateContent>

--- a/Courses/Computer-Modeling-and-IT/Computer-Modeling-and-IT-6-Class/32-Creating-and-Modifying-a-Character/32-Creating-and-Modifying-a-Character.pptx
+++ b/Courses/Computer-Modeling-and-IT/Computer-Modeling-and-IT-6-Class/32-Creating-and-Modifying-a-Character/32-Creating-and-Modifying-a-Character.pptx
@@ -5,10 +5,10 @@
     <p:sldMasterId id="2147483675" r:id="rId1"/>
   </p:sldMasterIdLst>
   <p:notesMasterIdLst>
-    <p:notesMasterId r:id="rId16"/>
+    <p:notesMasterId r:id="rId22"/>
   </p:notesMasterIdLst>
   <p:handoutMasterIdLst>
-    <p:handoutMasterId r:id="rId17"/>
+    <p:handoutMasterId r:id="rId23"/>
   </p:handoutMasterIdLst>
   <p:sldIdLst>
     <p:sldId id="503" r:id="rId2"/>
@@ -22,9 +22,15 @@
     <p:sldId id="593" r:id="rId10"/>
     <p:sldId id="594" r:id="rId11"/>
     <p:sldId id="595" r:id="rId12"/>
-    <p:sldId id="586" r:id="rId13"/>
-    <p:sldId id="504" r:id="rId14"/>
-    <p:sldId id="505" r:id="rId15"/>
+    <p:sldId id="597" r:id="rId13"/>
+    <p:sldId id="598" r:id="rId14"/>
+    <p:sldId id="599" r:id="rId15"/>
+    <p:sldId id="600" r:id="rId16"/>
+    <p:sldId id="601" r:id="rId17"/>
+    <p:sldId id="602" r:id="rId18"/>
+    <p:sldId id="586" r:id="rId19"/>
+    <p:sldId id="504" r:id="rId20"/>
+    <p:sldId id="505" r:id="rId21"/>
   </p:sldIdLst>
   <p:sldSz cx="12192000" cy="6858000"/>
   <p:notesSz cx="6858000" cy="9144000"/>
@@ -138,7 +144,7 @@
             <p14:sldId id="588"/>
           </p14:sldIdLst>
         </p14:section>
-        <p14:section name="Персонализиране на визията и характеристиките на героя" id="{2D860BD4-0CE4-4369-952F-544854906D19}">
+        <p14:section name="Персонализиране на визията на героя" id="{2D860BD4-0CE4-4369-952F-544854906D19}">
           <p14:sldIdLst>
             <p14:sldId id="589"/>
             <p14:sldId id="590"/>
@@ -147,6 +153,12 @@
             <p14:sldId id="593"/>
             <p14:sldId id="594"/>
             <p14:sldId id="595"/>
+            <p14:sldId id="597"/>
+            <p14:sldId id="598"/>
+            <p14:sldId id="599"/>
+            <p14:sldId id="600"/>
+            <p14:sldId id="601"/>
+            <p14:sldId id="602"/>
           </p14:sldIdLst>
         </p14:section>
         <p14:section name="Заключение" id="{E19D07F1-86E2-47E9-B2AB-7ADC4F89DC12}">
@@ -273,7 +285,7 @@
           <a:p>
             <a:fld id="{4E087215-0C8F-4762-A664-737A353EC9A4}" type="datetimeFigureOut">
               <a:rPr lang="bg-BG" smtClean="0"/>
-              <a:t>29.12.2024 г.</a:t>
+              <a:t>6.1.2025 г.</a:t>
             </a:fld>
             <a:endParaRPr lang="bg-BG"/>
           </a:p>
@@ -469,7 +481,7 @@
           <a:p>
             <a:fld id="{72D84649-876A-46C9-8472-14CB09C070D8}" type="datetimeFigureOut">
               <a:rPr lang="en-US" smtClean="0"/>
-              <a:t>12/29/2024</a:t>
+              <a:t>1/6/2025</a:t>
             </a:fld>
             <a:endParaRPr lang="en-US" dirty="0"/>
           </a:p>
@@ -1252,7 +1264,7 @@
             <a:fld id="{3EBA5BD7-F043-4D1B-AA17-CD412FC534DE}" type="slidenum">
               <a:rPr lang="en-US" smtClean="0"/>
               <a:pPr/>
-              <a:t>12</a:t>
+              <a:t>18</a:t>
             </a:fld>
             <a:endParaRPr lang="en-US" dirty="0"/>
           </a:p>
@@ -1443,7 +1455,7 @@
             <a:fld id="{3EBA5BD7-F043-4D1B-AA17-CD412FC534DE}" type="slidenum">
               <a:rPr lang="en-US" smtClean="0"/>
               <a:pPr/>
-              <a:t>13</a:t>
+              <a:t>19</a:t>
             </a:fld>
             <a:endParaRPr lang="en-US" dirty="0"/>
           </a:p>
@@ -1672,7 +1684,7 @@
             <a:fld id="{3EBA5BD7-F043-4D1B-AA17-CD412FC534DE}" type="slidenum">
               <a:rPr lang="en-US" smtClean="0"/>
               <a:pPr/>
-              <a:t>14</a:t>
+              <a:t>20</a:t>
             </a:fld>
             <a:endParaRPr lang="en-US" dirty="0"/>
           </a:p>
@@ -7901,9 +7913,6 @@
             </a:r>
             <a:endParaRPr lang="en-GB" dirty="0"/>
           </a:p>
-          <a:p>
-            <a:endParaRPr lang="en-GB" dirty="0"/>
-          </a:p>
         </p:txBody>
       </p:sp>
       <p:sp>
@@ -7990,10 +7999,3098 @@
       <p:transition spd="slow" advClick="0" advTm="5000"/>
     </mc:Fallback>
   </mc:AlternateContent>
+  <p:timing>
+    <p:tnLst>
+      <p:par>
+        <p:cTn id="1" dur="indefinite" restart="never" nodeType="tmRoot">
+          <p:childTnLst>
+            <p:seq concurrent="1" nextAc="seek">
+              <p:cTn id="2" dur="indefinite" nodeType="mainSeq">
+                <p:childTnLst>
+                  <p:par>
+                    <p:cTn id="3" fill="hold">
+                      <p:stCondLst>
+                        <p:cond delay="indefinite"/>
+                      </p:stCondLst>
+                      <p:childTnLst>
+                        <p:par>
+                          <p:cTn id="4" fill="hold">
+                            <p:stCondLst>
+                              <p:cond delay="0"/>
+                            </p:stCondLst>
+                            <p:childTnLst>
+                              <p:par>
+                                <p:cTn id="5" presetID="1" presetClass="entr" presetSubtype="0" fill="hold" nodeType="clickEffect">
+                                  <p:stCondLst>
+                                    <p:cond delay="0"/>
+                                  </p:stCondLst>
+                                  <p:childTnLst>
+                                    <p:set>
+                                      <p:cBhvr>
+                                        <p:cTn id="6" dur="1" fill="hold">
+                                          <p:stCondLst>
+                                            <p:cond delay="0"/>
+                                          </p:stCondLst>
+                                        </p:cTn>
+                                        <p:tgtEl>
+                                          <p:spTgt spid="3">
+                                            <p:txEl>
+                                              <p:pRg st="1" end="1"/>
+                                            </p:txEl>
+                                          </p:spTgt>
+                                        </p:tgtEl>
+                                        <p:attrNameLst>
+                                          <p:attrName>style.visibility</p:attrName>
+                                        </p:attrNameLst>
+                                      </p:cBhvr>
+                                      <p:to>
+                                        <p:strVal val="visible"/>
+                                      </p:to>
+                                    </p:set>
+                                  </p:childTnLst>
+                                </p:cTn>
+                              </p:par>
+                            </p:childTnLst>
+                          </p:cTn>
+                        </p:par>
+                      </p:childTnLst>
+                    </p:cTn>
+                  </p:par>
+                  <p:par>
+                    <p:cTn id="7" fill="hold">
+                      <p:stCondLst>
+                        <p:cond delay="indefinite"/>
+                      </p:stCondLst>
+                      <p:childTnLst>
+                        <p:par>
+                          <p:cTn id="8" fill="hold">
+                            <p:stCondLst>
+                              <p:cond delay="0"/>
+                            </p:stCondLst>
+                            <p:childTnLst>
+                              <p:par>
+                                <p:cTn id="9" presetID="1" presetClass="entr" presetSubtype="0" fill="hold" nodeType="clickEffect">
+                                  <p:stCondLst>
+                                    <p:cond delay="0"/>
+                                  </p:stCondLst>
+                                  <p:childTnLst>
+                                    <p:set>
+                                      <p:cBhvr>
+                                        <p:cTn id="10" dur="1" fill="hold">
+                                          <p:stCondLst>
+                                            <p:cond delay="0"/>
+                                          </p:stCondLst>
+                                        </p:cTn>
+                                        <p:tgtEl>
+                                          <p:spTgt spid="6"/>
+                                        </p:tgtEl>
+                                        <p:attrNameLst>
+                                          <p:attrName>style.visibility</p:attrName>
+                                        </p:attrNameLst>
+                                      </p:cBhvr>
+                                      <p:to>
+                                        <p:strVal val="visible"/>
+                                      </p:to>
+                                    </p:set>
+                                  </p:childTnLst>
+                                </p:cTn>
+                              </p:par>
+                            </p:childTnLst>
+                          </p:cTn>
+                        </p:par>
+                      </p:childTnLst>
+                    </p:cTn>
+                  </p:par>
+                </p:childTnLst>
+              </p:cTn>
+              <p:prevCondLst>
+                <p:cond evt="onPrev" delay="0">
+                  <p:tgtEl>
+                    <p:sldTgt/>
+                  </p:tgtEl>
+                </p:cond>
+              </p:prevCondLst>
+              <p:nextCondLst>
+                <p:cond evt="onNext" delay="0">
+                  <p:tgtEl>
+                    <p:sldTgt/>
+                  </p:tgtEl>
+                </p:cond>
+              </p:nextCondLst>
+            </p:seq>
+          </p:childTnLst>
+        </p:cTn>
+      </p:par>
+    </p:tnLst>
+  </p:timing>
 </p:sld>
 </file>
 
 <file path=ppt/slides/slide12.xml><?xml version="1.0" encoding="utf-8"?>
+<p:sld xmlns:a="http://schemas.openxmlformats.org/drawingml/2006/main" xmlns:r="http://schemas.openxmlformats.org/officeDocument/2006/relationships" xmlns:p="http://schemas.openxmlformats.org/presentationml/2006/main">
+  <p:cSld>
+    <p:spTree>
+      <p:nvGrpSpPr>
+        <p:cNvPr id="1" name="">
+          <a:extLst>
+            <a:ext uri="{FF2B5EF4-FFF2-40B4-BE49-F238E27FC236}">
+              <a16:creationId xmlns:a16="http://schemas.microsoft.com/office/drawing/2014/main" id="{ABEA485A-A3E0-8051-1BA2-0E079D339347}"/>
+            </a:ext>
+          </a:extLst>
+        </p:cNvPr>
+        <p:cNvGrpSpPr/>
+        <p:nvPr/>
+      </p:nvGrpSpPr>
+      <p:grpSpPr>
+        <a:xfrm>
+          <a:off x="0" y="0"/>
+          <a:ext cx="0" cy="0"/>
+          <a:chOff x="0" y="0"/>
+          <a:chExt cx="0" cy="0"/>
+        </a:xfrm>
+      </p:grpSpPr>
+      <p:sp>
+        <p:nvSpPr>
+          <p:cNvPr id="7" name="Subtitle 6">
+            <a:extLst>
+              <a:ext uri="{FF2B5EF4-FFF2-40B4-BE49-F238E27FC236}">
+                <a16:creationId xmlns:a16="http://schemas.microsoft.com/office/drawing/2014/main" id="{E3D55433-F6B3-F188-AC59-D2DB5D95E5EE}"/>
+              </a:ext>
+            </a:extLst>
+          </p:cNvPr>
+          <p:cNvSpPr>
+            <a:spLocks noGrp="1"/>
+          </p:cNvSpPr>
+          <p:nvPr>
+            <p:ph type="subTitle" sz="quarter" idx="11"/>
+          </p:nvPr>
+        </p:nvSpPr>
+        <p:spPr>
+          <a:xfrm>
+            <a:off x="4836000" y="3114000"/>
+            <a:ext cx="6650892" cy="1281380"/>
+          </a:xfrm>
+        </p:spPr>
+        <p:txBody>
+          <a:bodyPr/>
+          <a:lstStyle/>
+          <a:p>
+            <a:r>
+              <a:rPr lang="bg-BG" dirty="0"/>
+              <a:t>Използване на различни цветове</a:t>
+            </a:r>
+            <a:endParaRPr lang="en-GB" dirty="0"/>
+          </a:p>
+        </p:txBody>
+      </p:sp>
+      <p:sp>
+        <p:nvSpPr>
+          <p:cNvPr id="6" name="Title 5">
+            <a:extLst>
+              <a:ext uri="{FF2B5EF4-FFF2-40B4-BE49-F238E27FC236}">
+                <a16:creationId xmlns:a16="http://schemas.microsoft.com/office/drawing/2014/main" id="{57F14EE4-0B67-17E9-071E-3BBE0488DB7B}"/>
+              </a:ext>
+            </a:extLst>
+          </p:cNvPr>
+          <p:cNvSpPr>
+            <a:spLocks noGrp="1"/>
+          </p:cNvSpPr>
+          <p:nvPr>
+            <p:ph type="title" sz="quarter" idx="10"/>
+          </p:nvPr>
+        </p:nvSpPr>
+        <p:spPr>
+          <a:xfrm>
+            <a:off x="5128500" y="1944000"/>
+            <a:ext cx="6065892" cy="1281380"/>
+          </a:xfrm>
+        </p:spPr>
+        <p:txBody>
+          <a:bodyPr/>
+          <a:lstStyle/>
+          <a:p>
+            <a:r>
+              <a:rPr lang="bg-BG" dirty="0"/>
+              <a:t>Цвят на героя</a:t>
+            </a:r>
+            <a:endParaRPr lang="en-GB" dirty="0"/>
+          </a:p>
+        </p:txBody>
+      </p:sp>
+      <p:pic>
+        <p:nvPicPr>
+          <p:cNvPr id="3074" name="Picture 2">
+            <a:extLst>
+              <a:ext uri="{FF2B5EF4-FFF2-40B4-BE49-F238E27FC236}">
+                <a16:creationId xmlns:a16="http://schemas.microsoft.com/office/drawing/2014/main" id="{795D10D3-2E2D-8024-D01C-4D1BFDB8FB4F}"/>
+              </a:ext>
+            </a:extLst>
+          </p:cNvPr>
+          <p:cNvPicPr>
+            <a:picLocks noChangeAspect="1" noChangeArrowheads="1"/>
+          </p:cNvPicPr>
+          <p:nvPr/>
+        </p:nvPicPr>
+        <p:blipFill>
+          <a:blip r:embed="rId2">
+            <a:extLst>
+              <a:ext uri="{28A0092B-C50C-407E-A947-70E740481C1C}">
+                <a14:useLocalDpi xmlns:a14="http://schemas.microsoft.com/office/drawing/2010/main" val="0"/>
+              </a:ext>
+            </a:extLst>
+          </a:blip>
+          <a:srcRect/>
+          <a:stretch/>
+        </p:blipFill>
+        <p:spPr bwMode="auto">
+          <a:xfrm>
+            <a:off x="1236000" y="1449000"/>
+            <a:ext cx="2790000" cy="2726590"/>
+          </a:xfrm>
+          <a:prstGeom prst="rect">
+            <a:avLst/>
+          </a:prstGeom>
+          <a:noFill/>
+          <a:extLst>
+            <a:ext uri="{909E8E84-426E-40DD-AFC4-6F175D3DCCD1}">
+              <a14:hiddenFill xmlns:a14="http://schemas.microsoft.com/office/drawing/2010/main">
+                <a:solidFill>
+                  <a:srgbClr val="FFFFFF"/>
+                </a:solidFill>
+              </a14:hiddenFill>
+            </a:ext>
+          </a:extLst>
+        </p:spPr>
+      </p:pic>
+    </p:spTree>
+    <p:extLst>
+      <p:ext uri="{BB962C8B-B14F-4D97-AF65-F5344CB8AC3E}">
+        <p14:creationId xmlns:p14="http://schemas.microsoft.com/office/powerpoint/2010/main" val="2056972997"/>
+      </p:ext>
+    </p:extLst>
+  </p:cSld>
+  <p:clrMapOvr>
+    <a:masterClrMapping/>
+  </p:clrMapOvr>
+  <mc:AlternateContent xmlns:mc="http://schemas.openxmlformats.org/markup-compatibility/2006" xmlns:p14="http://schemas.microsoft.com/office/powerpoint/2010/main">
+    <mc:Choice Requires="p14">
+      <p:transition spd="slow" p14:dur="2000" advClick="0" advTm="5000"/>
+    </mc:Choice>
+    <mc:Fallback xmlns="">
+      <p:transition spd="slow" advClick="0" advTm="5000"/>
+    </mc:Fallback>
+  </mc:AlternateContent>
+</p:sld>
+</file>
+
+<file path=ppt/slides/slide13.xml><?xml version="1.0" encoding="utf-8"?>
+<p:sld xmlns:a="http://schemas.openxmlformats.org/drawingml/2006/main" xmlns:r="http://schemas.openxmlformats.org/officeDocument/2006/relationships" xmlns:p="http://schemas.openxmlformats.org/presentationml/2006/main">
+  <p:cSld>
+    <p:spTree>
+      <p:nvGrpSpPr>
+        <p:cNvPr id="1" name=""/>
+        <p:cNvGrpSpPr/>
+        <p:nvPr/>
+      </p:nvGrpSpPr>
+      <p:grpSpPr>
+        <a:xfrm>
+          <a:off x="0" y="0"/>
+          <a:ext cx="0" cy="0"/>
+          <a:chOff x="0" y="0"/>
+          <a:chExt cx="0" cy="0"/>
+        </a:xfrm>
+      </p:grpSpPr>
+      <p:sp>
+        <p:nvSpPr>
+          <p:cNvPr id="5" name="Text Placeholder 4">
+            <a:extLst>
+              <a:ext uri="{FF2B5EF4-FFF2-40B4-BE49-F238E27FC236}">
+                <a16:creationId xmlns:a16="http://schemas.microsoft.com/office/drawing/2014/main" id="{5BFC2280-F644-D773-9144-5966F0BE1EA6}"/>
+              </a:ext>
+            </a:extLst>
+          </p:cNvPr>
+          <p:cNvSpPr>
+            <a:spLocks noGrp="1"/>
+          </p:cNvSpPr>
+          <p:nvPr>
+            <p:ph type="body" sz="quarter" idx="10"/>
+          </p:nvPr>
+        </p:nvSpPr>
+        <p:spPr/>
+        <p:txBody>
+          <a:bodyPr/>
+          <a:lstStyle/>
+          <a:p>
+            <a:r>
+              <a:rPr lang="bg-BG" dirty="0"/>
+              <a:t>Може да задавате </a:t>
+            </a:r>
+            <a:r>
+              <a:rPr lang="bg-BG" b="1" dirty="0"/>
+              <a:t>различни цветове </a:t>
+            </a:r>
+            <a:r>
+              <a:rPr lang="bg-BG" dirty="0"/>
+              <a:t>на вашия герой</a:t>
+            </a:r>
+          </a:p>
+          <a:p>
+            <a:endParaRPr lang="bg-BG" dirty="0"/>
+          </a:p>
+          <a:p>
+            <a:endParaRPr lang="bg-BG" dirty="0"/>
+          </a:p>
+          <a:p>
+            <a:endParaRPr lang="bg-BG" dirty="0"/>
+          </a:p>
+          <a:p>
+            <a:endParaRPr lang="bg-BG" dirty="0"/>
+          </a:p>
+          <a:p>
+            <a:r>
+              <a:rPr lang="bg-BG" dirty="0"/>
+              <a:t>Можете да задавате цвят и чрез </a:t>
+            </a:r>
+            <a:r>
+              <a:rPr lang="en-GB" b="1" dirty="0">
+                <a:solidFill>
+                  <a:srgbClr val="FF0000"/>
+                </a:solidFill>
+              </a:rPr>
+              <a:t>R</a:t>
+            </a:r>
+            <a:r>
+              <a:rPr lang="en-GB" b="1" dirty="0">
+                <a:solidFill>
+                  <a:schemeClr val="accent2"/>
+                </a:solidFill>
+              </a:rPr>
+              <a:t>G</a:t>
+            </a:r>
+            <a:r>
+              <a:rPr lang="en-GB" b="1" dirty="0">
+                <a:solidFill>
+                  <a:srgbClr val="00B0F0"/>
+                </a:solidFill>
+              </a:rPr>
+              <a:t>B</a:t>
+            </a:r>
+            <a:r>
+              <a:rPr lang="en-GB" dirty="0"/>
+              <a:t> </a:t>
+            </a:r>
+            <a:r>
+              <a:rPr lang="bg-BG" dirty="0"/>
+              <a:t>модела</a:t>
+            </a:r>
+          </a:p>
+          <a:p>
+            <a:endParaRPr lang="bg-BG" dirty="0"/>
+          </a:p>
+          <a:p>
+            <a:endParaRPr lang="en-GB" dirty="0"/>
+          </a:p>
+        </p:txBody>
+      </p:sp>
+      <p:sp>
+        <p:nvSpPr>
+          <p:cNvPr id="4" name="Title 3">
+            <a:extLst>
+              <a:ext uri="{FF2B5EF4-FFF2-40B4-BE49-F238E27FC236}">
+                <a16:creationId xmlns:a16="http://schemas.microsoft.com/office/drawing/2014/main" id="{B45AA99B-3560-F0A5-B15A-AF69AA0E7D3A}"/>
+              </a:ext>
+            </a:extLst>
+          </p:cNvPr>
+          <p:cNvSpPr>
+            <a:spLocks noGrp="1"/>
+          </p:cNvSpPr>
+          <p:nvPr>
+            <p:ph type="title"/>
+          </p:nvPr>
+        </p:nvSpPr>
+        <p:spPr/>
+        <p:txBody>
+          <a:bodyPr/>
+          <a:lstStyle/>
+          <a:p>
+            <a:r>
+              <a:rPr lang="bg-BG" dirty="0"/>
+              <a:t>Цвят на героя</a:t>
+            </a:r>
+            <a:endParaRPr lang="en-GB" dirty="0"/>
+          </a:p>
+        </p:txBody>
+      </p:sp>
+      <p:sp>
+        <p:nvSpPr>
+          <p:cNvPr id="6" name="TextBox 5">
+            <a:extLst>
+              <a:ext uri="{FF2B5EF4-FFF2-40B4-BE49-F238E27FC236}">
+                <a16:creationId xmlns:a16="http://schemas.microsoft.com/office/drawing/2014/main" id="{6CB7FA6A-6393-4B91-2850-6F7D5D4A5BF1}"/>
+              </a:ext>
+            </a:extLst>
+          </p:cNvPr>
+          <p:cNvSpPr txBox="1"/>
+          <p:nvPr/>
+        </p:nvSpPr>
+        <p:spPr>
+          <a:xfrm>
+            <a:off x="696000" y="1950779"/>
+            <a:ext cx="4365000" cy="601997"/>
+          </a:xfrm>
+          <a:prstGeom prst="rect">
+            <a:avLst/>
+          </a:prstGeom>
+          <a:solidFill>
+            <a:schemeClr val="accent6">
+              <a:lumMod val="75000"/>
+              <a:alpha val="15000"/>
+            </a:schemeClr>
+          </a:solidFill>
+          <a:ln w="12700">
+            <a:solidFill>
+              <a:schemeClr val="tx1">
+                <a:lumMod val="75000"/>
+              </a:schemeClr>
+            </a:solidFill>
+          </a:ln>
+        </p:spPr>
+        <p:txBody>
+          <a:bodyPr vert="horz" wrap="square" lIns="144000" tIns="108000" rIns="144000" bIns="108000" rtlCol="0">
+            <a:spAutoFit/>
+          </a:bodyPr>
+          <a:lstStyle/>
+          <a:p>
+            <a:pPr eaLnBrk="0" hangingPunct="0">
+              <a:lnSpc>
+                <a:spcPct val="110000"/>
+              </a:lnSpc>
+              <a:buClr>
+                <a:schemeClr val="accent5">
+                  <a:lumMod val="40000"/>
+                  <a:lumOff val="60000"/>
+                </a:schemeClr>
+              </a:buClr>
+              <a:buSzPct val="70000"/>
+            </a:pPr>
+            <a:r>
+              <a:rPr lang="en-GB" sz="2400" b="1" dirty="0">
+                <a:latin typeface="Consolas" panose="020B0609020204030204" pitchFamily="49" charset="0"/>
+              </a:rPr>
+              <a:t>my_turtle.</a:t>
+            </a:r>
+            <a:r>
+              <a:rPr lang="en-GB" sz="2400" b="1" dirty="0">
+                <a:solidFill>
+                  <a:schemeClr val="bg1"/>
+                </a:solidFill>
+                <a:latin typeface="Consolas" panose="020B0609020204030204" pitchFamily="49" charset="0"/>
+              </a:rPr>
+              <a:t>color(</a:t>
+            </a:r>
+            <a:r>
+              <a:rPr lang="en-GB" sz="2400" b="1" dirty="0">
+                <a:latin typeface="Consolas" panose="020B0609020204030204" pitchFamily="49" charset="0"/>
+              </a:rPr>
+              <a:t>"</a:t>
+            </a:r>
+            <a:r>
+              <a:rPr lang="bg-BG" sz="2400" b="1" dirty="0">
+                <a:latin typeface="Consolas" panose="020B0609020204030204" pitchFamily="49" charset="0"/>
+              </a:rPr>
+              <a:t>цвят</a:t>
+            </a:r>
+            <a:r>
+              <a:rPr lang="en-GB" sz="2400" b="1" dirty="0">
+                <a:latin typeface="Consolas" panose="020B0609020204030204" pitchFamily="49" charset="0"/>
+              </a:rPr>
+              <a:t>"</a:t>
+            </a:r>
+            <a:r>
+              <a:rPr lang="en-GB" sz="2400" b="1" dirty="0">
+                <a:solidFill>
+                  <a:schemeClr val="bg1"/>
+                </a:solidFill>
+                <a:latin typeface="Consolas" panose="020B0609020204030204" pitchFamily="49" charset="0"/>
+              </a:rPr>
+              <a:t>)</a:t>
+            </a:r>
+            <a:endParaRPr lang="en-US" sz="2400" b="1" dirty="0">
+              <a:solidFill>
+                <a:schemeClr val="bg1"/>
+              </a:solidFill>
+              <a:latin typeface="Consolas" panose="020B0609020204030204" pitchFamily="49" charset="0"/>
+            </a:endParaRPr>
+          </a:p>
+        </p:txBody>
+      </p:sp>
+      <p:sp>
+        <p:nvSpPr>
+          <p:cNvPr id="7" name="TextBox 6">
+            <a:extLst>
+              <a:ext uri="{FF2B5EF4-FFF2-40B4-BE49-F238E27FC236}">
+                <a16:creationId xmlns:a16="http://schemas.microsoft.com/office/drawing/2014/main" id="{1B6021E8-47F4-8FA8-E434-A69B6A1636D4}"/>
+              </a:ext>
+            </a:extLst>
+          </p:cNvPr>
+          <p:cNvSpPr txBox="1"/>
+          <p:nvPr/>
+        </p:nvSpPr>
+        <p:spPr>
+          <a:xfrm>
+            <a:off x="5466000" y="1950778"/>
+            <a:ext cx="5895000" cy="601997"/>
+          </a:xfrm>
+          <a:prstGeom prst="rect">
+            <a:avLst/>
+          </a:prstGeom>
+          <a:solidFill>
+            <a:schemeClr val="accent6">
+              <a:lumMod val="75000"/>
+              <a:alpha val="15000"/>
+            </a:schemeClr>
+          </a:solidFill>
+          <a:ln w="12700">
+            <a:solidFill>
+              <a:schemeClr val="tx1">
+                <a:lumMod val="75000"/>
+              </a:schemeClr>
+            </a:solidFill>
+          </a:ln>
+        </p:spPr>
+        <p:txBody>
+          <a:bodyPr vert="horz" wrap="square" lIns="144000" tIns="108000" rIns="144000" bIns="108000" rtlCol="0">
+            <a:spAutoFit/>
+          </a:bodyPr>
+          <a:lstStyle/>
+          <a:p>
+            <a:pPr eaLnBrk="0" hangingPunct="0">
+              <a:lnSpc>
+                <a:spcPct val="110000"/>
+              </a:lnSpc>
+              <a:buClr>
+                <a:schemeClr val="accent5">
+                  <a:lumMod val="40000"/>
+                  <a:lumOff val="60000"/>
+                </a:schemeClr>
+              </a:buClr>
+              <a:buSzPct val="70000"/>
+            </a:pPr>
+            <a:r>
+              <a:rPr lang="en-GB" sz="2400" b="1" dirty="0">
+                <a:latin typeface="Consolas" panose="020B0609020204030204" pitchFamily="49" charset="0"/>
+              </a:rPr>
+              <a:t>my_turtle.</a:t>
+            </a:r>
+            <a:r>
+              <a:rPr lang="en-GB" sz="2400" b="1" dirty="0">
+                <a:solidFill>
+                  <a:schemeClr val="bg1"/>
+                </a:solidFill>
+                <a:latin typeface="Consolas" panose="020B0609020204030204" pitchFamily="49" charset="0"/>
+              </a:rPr>
+              <a:t>color(</a:t>
+            </a:r>
+            <a:r>
+              <a:rPr lang="en-GB" sz="2400" b="1" dirty="0">
+                <a:latin typeface="Consolas" panose="020B0609020204030204" pitchFamily="49" charset="0"/>
+              </a:rPr>
+              <a:t>"</a:t>
+            </a:r>
+            <a:r>
+              <a:rPr lang="bg-BG" sz="2400" b="1" dirty="0">
+                <a:latin typeface="Consolas" panose="020B0609020204030204" pitchFamily="49" charset="0"/>
+              </a:rPr>
+              <a:t>цвят1", "цвят2</a:t>
+            </a:r>
+            <a:r>
+              <a:rPr lang="en-GB" sz="2400" b="1" dirty="0">
+                <a:latin typeface="Consolas" panose="020B0609020204030204" pitchFamily="49" charset="0"/>
+              </a:rPr>
+              <a:t>"</a:t>
+            </a:r>
+            <a:r>
+              <a:rPr lang="en-GB" sz="2400" b="1" dirty="0">
+                <a:solidFill>
+                  <a:schemeClr val="bg1"/>
+                </a:solidFill>
+                <a:latin typeface="Consolas" panose="020B0609020204030204" pitchFamily="49" charset="0"/>
+              </a:rPr>
+              <a:t>)</a:t>
+            </a:r>
+            <a:endParaRPr lang="en-US" sz="2400" b="1" dirty="0">
+              <a:solidFill>
+                <a:schemeClr val="bg1"/>
+              </a:solidFill>
+              <a:latin typeface="Consolas" panose="020B0609020204030204" pitchFamily="49" charset="0"/>
+            </a:endParaRPr>
+          </a:p>
+        </p:txBody>
+      </p:sp>
+      <p:sp>
+        <p:nvSpPr>
+          <p:cNvPr id="8" name="Speech Bubble: Rectangle with Corners Rounded 7">
+            <a:extLst>
+              <a:ext uri="{FF2B5EF4-FFF2-40B4-BE49-F238E27FC236}">
+                <a16:creationId xmlns:a16="http://schemas.microsoft.com/office/drawing/2014/main" id="{C438354D-F13C-4036-0C78-326768BFC740}"/>
+              </a:ext>
+            </a:extLst>
+          </p:cNvPr>
+          <p:cNvSpPr/>
+          <p:nvPr/>
+        </p:nvSpPr>
+        <p:spPr bwMode="auto">
+          <a:xfrm>
+            <a:off x="698185" y="3057507"/>
+            <a:ext cx="4365000" cy="1575000"/>
+          </a:xfrm>
+          <a:prstGeom prst="wedgeRoundRectCallout">
+            <a:avLst>
+              <a:gd name="adj1" fmla="val 24491"/>
+              <a:gd name="adj2" fmla="val -84728"/>
+              <a:gd name="adj3" fmla="val 16667"/>
+            </a:avLst>
+          </a:prstGeom>
+          <a:solidFill>
+            <a:schemeClr val="dk2">
+              <a:alpha val="80000"/>
+            </a:schemeClr>
+          </a:solidFill>
+          <a:ln w="19050">
+            <a:solidFill>
+              <a:schemeClr val="tx1">
+                <a:lumMod val="75000"/>
+                <a:alpha val="80000"/>
+              </a:schemeClr>
+            </a:solidFill>
+          </a:ln>
+          <a:effectLst/>
+        </p:spPr>
+        <p:style>
+          <a:lnRef idx="2">
+            <a:schemeClr val="accent1">
+              <a:shade val="50000"/>
+            </a:schemeClr>
+          </a:lnRef>
+          <a:fillRef idx="1001">
+            <a:schemeClr val="dk2"/>
+          </a:fillRef>
+          <a:effectRef idx="0">
+            <a:schemeClr val="accent1"/>
+          </a:effectRef>
+          <a:fontRef idx="minor">
+            <a:schemeClr val="lt1"/>
+          </a:fontRef>
+        </p:style>
+        <p:txBody>
+          <a:bodyPr rot="0" spcFirstLastPara="0" vertOverflow="overflow" horzOverflow="overflow" vert="horz" wrap="square" lIns="91440" tIns="45720" rIns="91440" bIns="45720" numCol="1" spcCol="0" rtlCol="0" fromWordArt="0" anchor="ctr" anchorCtr="0" forceAA="0" compatLnSpc="1">
+            <a:prstTxWarp prst="textNoShape">
+              <a:avLst/>
+            </a:prstTxWarp>
+            <a:noAutofit/>
+          </a:bodyPr>
+          <a:lstStyle/>
+          <a:p>
+            <a:pPr algn="ctr"/>
+            <a:r>
+              <a:rPr lang="ru-RU" sz="2800" b="1" dirty="0">
+                <a:solidFill>
+                  <a:srgbClr val="FFFFFF"/>
+                </a:solidFill>
+                <a:effectLst>
+                  <a:outerShdw blurRad="38100" dist="38100" dir="2700000" algn="tl">
+                    <a:srgbClr val="000000">
+                      <a:alpha val="43137"/>
+                    </a:srgbClr>
+                  </a:outerShdw>
+                </a:effectLst>
+              </a:rPr>
+              <a:t>Когато е зададен един цвят, героят се оцветява изцяло в него</a:t>
+            </a:r>
+            <a:endParaRPr lang="en-GB" sz="2800" b="1" dirty="0">
+              <a:solidFill>
+                <a:srgbClr val="FFFFFF"/>
+              </a:solidFill>
+              <a:effectLst>
+                <a:outerShdw blurRad="38100" dist="38100" dir="2700000" algn="tl">
+                  <a:srgbClr val="000000">
+                    <a:alpha val="43137"/>
+                  </a:srgbClr>
+                </a:outerShdw>
+              </a:effectLst>
+            </a:endParaRPr>
+          </a:p>
+        </p:txBody>
+      </p:sp>
+      <p:sp>
+        <p:nvSpPr>
+          <p:cNvPr id="9" name="Speech Bubble: Rectangle with Corners Rounded 8">
+            <a:extLst>
+              <a:ext uri="{FF2B5EF4-FFF2-40B4-BE49-F238E27FC236}">
+                <a16:creationId xmlns:a16="http://schemas.microsoft.com/office/drawing/2014/main" id="{30DBB0B2-021A-505C-CEDD-A0E518D54E3F}"/>
+              </a:ext>
+            </a:extLst>
+          </p:cNvPr>
+          <p:cNvSpPr/>
+          <p:nvPr/>
+        </p:nvSpPr>
+        <p:spPr bwMode="auto">
+          <a:xfrm>
+            <a:off x="5477294" y="2950441"/>
+            <a:ext cx="5715000" cy="1681995"/>
+          </a:xfrm>
+          <a:prstGeom prst="wedgeRoundRectCallout">
+            <a:avLst>
+              <a:gd name="adj1" fmla="val 9924"/>
+              <a:gd name="adj2" fmla="val -76307"/>
+              <a:gd name="adj3" fmla="val 16667"/>
+            </a:avLst>
+          </a:prstGeom>
+          <a:solidFill>
+            <a:schemeClr val="dk2">
+              <a:alpha val="80000"/>
+            </a:schemeClr>
+          </a:solidFill>
+          <a:ln w="19050">
+            <a:solidFill>
+              <a:schemeClr val="tx1">
+                <a:lumMod val="75000"/>
+                <a:alpha val="80000"/>
+              </a:schemeClr>
+            </a:solidFill>
+          </a:ln>
+          <a:effectLst/>
+        </p:spPr>
+        <p:style>
+          <a:lnRef idx="2">
+            <a:schemeClr val="accent1">
+              <a:shade val="50000"/>
+            </a:schemeClr>
+          </a:lnRef>
+          <a:fillRef idx="1001">
+            <a:schemeClr val="dk2"/>
+          </a:fillRef>
+          <a:effectRef idx="0">
+            <a:schemeClr val="accent1"/>
+          </a:effectRef>
+          <a:fontRef idx="minor">
+            <a:schemeClr val="lt1"/>
+          </a:fontRef>
+        </p:style>
+        <p:txBody>
+          <a:bodyPr rot="0" spcFirstLastPara="0" vertOverflow="overflow" horzOverflow="overflow" vert="horz" wrap="square" lIns="91440" tIns="45720" rIns="91440" bIns="45720" numCol="1" spcCol="0" rtlCol="0" fromWordArt="0" anchor="ctr" anchorCtr="0" forceAA="0" compatLnSpc="1">
+            <a:prstTxWarp prst="textNoShape">
+              <a:avLst/>
+            </a:prstTxWarp>
+            <a:noAutofit/>
+          </a:bodyPr>
+          <a:lstStyle/>
+          <a:p>
+            <a:pPr algn="ctr"/>
+            <a:r>
+              <a:rPr lang="ru-RU" sz="2800" b="1" dirty="0">
+                <a:solidFill>
+                  <a:srgbClr val="FFFFFF"/>
+                </a:solidFill>
+                <a:effectLst>
+                  <a:outerShdw blurRad="38100" dist="38100" dir="2700000" algn="tl">
+                    <a:srgbClr val="000000">
+                      <a:alpha val="43137"/>
+                    </a:srgbClr>
+                  </a:outerShdw>
+                </a:effectLst>
+              </a:rPr>
+              <a:t>При два цвята, първият се използва за очертанията, а вторият – за запълването на героя</a:t>
+            </a:r>
+            <a:endParaRPr lang="en-GB" sz="2800" b="1" dirty="0">
+              <a:solidFill>
+                <a:srgbClr val="FFFFFF"/>
+              </a:solidFill>
+              <a:effectLst>
+                <a:outerShdw blurRad="38100" dist="38100" dir="2700000" algn="tl">
+                  <a:srgbClr val="000000">
+                    <a:alpha val="43137"/>
+                  </a:srgbClr>
+                </a:outerShdw>
+              </a:effectLst>
+            </a:endParaRPr>
+          </a:p>
+        </p:txBody>
+      </p:sp>
+      <p:sp>
+        <p:nvSpPr>
+          <p:cNvPr id="10" name="Speech Bubble: Rectangle with Corners Rounded 9">
+            <a:extLst>
+              <a:ext uri="{FF2B5EF4-FFF2-40B4-BE49-F238E27FC236}">
+                <a16:creationId xmlns:a16="http://schemas.microsoft.com/office/drawing/2014/main" id="{B1A2F18F-C75F-4E7F-1CD3-BFAFFAFA371B}"/>
+              </a:ext>
+            </a:extLst>
+          </p:cNvPr>
+          <p:cNvSpPr/>
+          <p:nvPr/>
+        </p:nvSpPr>
+        <p:spPr bwMode="auto">
+          <a:xfrm>
+            <a:off x="5477294" y="2950441"/>
+            <a:ext cx="5715000" cy="1681995"/>
+          </a:xfrm>
+          <a:prstGeom prst="wedgeRoundRectCallout">
+            <a:avLst>
+              <a:gd name="adj1" fmla="val 35419"/>
+              <a:gd name="adj2" fmla="val -76268"/>
+              <a:gd name="adj3" fmla="val 16667"/>
+            </a:avLst>
+          </a:prstGeom>
+          <a:solidFill>
+            <a:schemeClr val="dk2">
+              <a:alpha val="80000"/>
+            </a:schemeClr>
+          </a:solidFill>
+          <a:ln w="19050">
+            <a:solidFill>
+              <a:schemeClr val="tx1">
+                <a:lumMod val="75000"/>
+                <a:alpha val="80000"/>
+              </a:schemeClr>
+            </a:solidFill>
+          </a:ln>
+          <a:effectLst/>
+        </p:spPr>
+        <p:style>
+          <a:lnRef idx="2">
+            <a:schemeClr val="accent1">
+              <a:shade val="50000"/>
+            </a:schemeClr>
+          </a:lnRef>
+          <a:fillRef idx="1001">
+            <a:schemeClr val="dk2"/>
+          </a:fillRef>
+          <a:effectRef idx="0">
+            <a:schemeClr val="accent1"/>
+          </a:effectRef>
+          <a:fontRef idx="minor">
+            <a:schemeClr val="lt1"/>
+          </a:fontRef>
+        </p:style>
+        <p:txBody>
+          <a:bodyPr rot="0" spcFirstLastPara="0" vertOverflow="overflow" horzOverflow="overflow" vert="horz" wrap="square" lIns="91440" tIns="45720" rIns="91440" bIns="45720" numCol="1" spcCol="0" rtlCol="0" fromWordArt="0" anchor="ctr" anchorCtr="0" forceAA="0" compatLnSpc="1">
+            <a:prstTxWarp prst="textNoShape">
+              <a:avLst/>
+            </a:prstTxWarp>
+            <a:noAutofit/>
+          </a:bodyPr>
+          <a:lstStyle/>
+          <a:p>
+            <a:pPr algn="ctr"/>
+            <a:r>
+              <a:rPr lang="ru-RU" sz="2800" b="1" dirty="0">
+                <a:solidFill>
+                  <a:srgbClr val="FFFFFF"/>
+                </a:solidFill>
+                <a:effectLst>
+                  <a:outerShdw blurRad="38100" dist="38100" dir="2700000" algn="tl">
+                    <a:srgbClr val="000000">
+                      <a:alpha val="43137"/>
+                    </a:srgbClr>
+                  </a:outerShdw>
+                </a:effectLst>
+              </a:rPr>
+              <a:t>При два цвята, първият се използва за очертанията, а вторият – за запълването на героя</a:t>
+            </a:r>
+            <a:endParaRPr lang="en-GB" sz="2800" b="1" dirty="0">
+              <a:solidFill>
+                <a:srgbClr val="FFFFFF"/>
+              </a:solidFill>
+              <a:effectLst>
+                <a:outerShdw blurRad="38100" dist="38100" dir="2700000" algn="tl">
+                  <a:srgbClr val="000000">
+                    <a:alpha val="43137"/>
+                  </a:srgbClr>
+                </a:outerShdw>
+              </a:effectLst>
+            </a:endParaRPr>
+          </a:p>
+        </p:txBody>
+      </p:sp>
+      <p:sp>
+        <p:nvSpPr>
+          <p:cNvPr id="11" name="TextBox 10">
+            <a:extLst>
+              <a:ext uri="{FF2B5EF4-FFF2-40B4-BE49-F238E27FC236}">
+                <a16:creationId xmlns:a16="http://schemas.microsoft.com/office/drawing/2014/main" id="{C621D105-6230-932E-9F4F-70E60BF4252D}"/>
+              </a:ext>
+            </a:extLst>
+          </p:cNvPr>
+          <p:cNvSpPr txBox="1"/>
+          <p:nvPr/>
+        </p:nvSpPr>
+        <p:spPr>
+          <a:xfrm>
+            <a:off x="696000" y="5377629"/>
+            <a:ext cx="8235000" cy="1008262"/>
+          </a:xfrm>
+          <a:prstGeom prst="rect">
+            <a:avLst/>
+          </a:prstGeom>
+          <a:solidFill>
+            <a:schemeClr val="accent6">
+              <a:lumMod val="75000"/>
+              <a:alpha val="15000"/>
+            </a:schemeClr>
+          </a:solidFill>
+          <a:ln w="12700">
+            <a:solidFill>
+              <a:schemeClr val="tx1">
+                <a:lumMod val="75000"/>
+              </a:schemeClr>
+            </a:solidFill>
+          </a:ln>
+        </p:spPr>
+        <p:txBody>
+          <a:bodyPr vert="horz" wrap="square" lIns="144000" tIns="108000" rIns="144000" bIns="108000" rtlCol="0">
+            <a:spAutoFit/>
+          </a:bodyPr>
+          <a:lstStyle/>
+          <a:p>
+            <a:pPr eaLnBrk="0" hangingPunct="0">
+              <a:lnSpc>
+                <a:spcPct val="110000"/>
+              </a:lnSpc>
+              <a:buClr>
+                <a:schemeClr val="accent5">
+                  <a:lumMod val="40000"/>
+                  <a:lumOff val="60000"/>
+                </a:schemeClr>
+              </a:buClr>
+              <a:buSzPct val="70000"/>
+            </a:pPr>
+            <a:r>
+              <a:rPr lang="en-GB" sz="2400" b="1" dirty="0">
+                <a:latin typeface="Consolas" panose="020B0609020204030204" pitchFamily="49" charset="0"/>
+              </a:rPr>
+              <a:t>screen.</a:t>
+            </a:r>
+            <a:r>
+              <a:rPr lang="en-GB" sz="2400" b="1" dirty="0">
+                <a:solidFill>
+                  <a:schemeClr val="bg1"/>
+                </a:solidFill>
+                <a:latin typeface="Consolas" panose="020B0609020204030204" pitchFamily="49" charset="0"/>
+              </a:rPr>
+              <a:t>colormode(</a:t>
+            </a:r>
+            <a:r>
+              <a:rPr lang="en-GB" sz="2400" b="1" dirty="0">
+                <a:latin typeface="Consolas" panose="020B0609020204030204" pitchFamily="49" charset="0"/>
+              </a:rPr>
+              <a:t>255</a:t>
+            </a:r>
+            <a:r>
+              <a:rPr lang="en-GB" sz="2400" b="1" dirty="0">
+                <a:solidFill>
+                  <a:schemeClr val="bg1"/>
+                </a:solidFill>
+                <a:latin typeface="Consolas" panose="020B0609020204030204" pitchFamily="49" charset="0"/>
+              </a:rPr>
+              <a:t>)</a:t>
+            </a:r>
+            <a:r>
+              <a:rPr lang="bg-BG" sz="2400" b="1" dirty="0">
+                <a:latin typeface="Consolas" panose="020B0609020204030204" pitchFamily="49" charset="0"/>
+              </a:rPr>
+              <a:t> </a:t>
+            </a:r>
+            <a:r>
+              <a:rPr lang="en-GB" sz="2400" b="1" i="1" dirty="0">
+                <a:solidFill>
+                  <a:schemeClr val="accent2"/>
+                </a:solidFill>
+                <a:latin typeface="Consolas" panose="020B0609020204030204" pitchFamily="49" charset="0"/>
+              </a:rPr>
+              <a:t># </a:t>
+            </a:r>
+            <a:r>
+              <a:rPr lang="bg-BG" sz="2400" b="1" i="1" dirty="0">
+                <a:solidFill>
+                  <a:schemeClr val="accent2"/>
+                </a:solidFill>
+                <a:latin typeface="Consolas" panose="020B0609020204030204" pitchFamily="49" charset="0"/>
+              </a:rPr>
+              <a:t>Активираме </a:t>
+            </a:r>
+            <a:r>
+              <a:rPr lang="en-GB" sz="2400" b="1" i="1" dirty="0">
+                <a:solidFill>
+                  <a:schemeClr val="accent2"/>
+                </a:solidFill>
+                <a:latin typeface="Consolas" panose="020B0609020204030204" pitchFamily="49" charset="0"/>
+              </a:rPr>
+              <a:t>RGB </a:t>
+            </a:r>
+            <a:r>
+              <a:rPr lang="bg-BG" sz="2400" b="1" i="1" dirty="0">
+                <a:solidFill>
+                  <a:schemeClr val="accent2"/>
+                </a:solidFill>
+                <a:latin typeface="Consolas" panose="020B0609020204030204" pitchFamily="49" charset="0"/>
+              </a:rPr>
+              <a:t>модела</a:t>
+            </a:r>
+          </a:p>
+          <a:p>
+            <a:pPr eaLnBrk="0" hangingPunct="0">
+              <a:lnSpc>
+                <a:spcPct val="110000"/>
+              </a:lnSpc>
+              <a:buClr>
+                <a:schemeClr val="accent5">
+                  <a:lumMod val="40000"/>
+                  <a:lumOff val="60000"/>
+                </a:schemeClr>
+              </a:buClr>
+              <a:buSzPct val="70000"/>
+            </a:pPr>
+            <a:r>
+              <a:rPr lang="en-GB" sz="2400" b="1" dirty="0">
+                <a:latin typeface="Consolas" panose="020B0609020204030204" pitchFamily="49" charset="0"/>
+              </a:rPr>
+              <a:t>my_turtle.</a:t>
+            </a:r>
+            <a:r>
+              <a:rPr lang="en-GB" sz="2400" b="1" dirty="0">
+                <a:solidFill>
+                  <a:schemeClr val="bg1"/>
+                </a:solidFill>
+                <a:latin typeface="Consolas" panose="020B0609020204030204" pitchFamily="49" charset="0"/>
+              </a:rPr>
+              <a:t>color(</a:t>
+            </a:r>
+            <a:r>
+              <a:rPr lang="bg-BG" sz="2400" b="1" dirty="0">
+                <a:latin typeface="Consolas" panose="020B0609020204030204" pitchFamily="49" charset="0"/>
+              </a:rPr>
+              <a:t>230, 110, 190</a:t>
+            </a:r>
+            <a:r>
+              <a:rPr lang="en-GB" sz="2400" b="1" dirty="0">
+                <a:solidFill>
+                  <a:schemeClr val="bg1"/>
+                </a:solidFill>
+                <a:latin typeface="Consolas" panose="020B0609020204030204" pitchFamily="49" charset="0"/>
+              </a:rPr>
+              <a:t>)</a:t>
+            </a:r>
+            <a:endParaRPr lang="en-US" sz="2400" b="1" dirty="0">
+              <a:solidFill>
+                <a:schemeClr val="bg1"/>
+              </a:solidFill>
+              <a:latin typeface="Consolas" panose="020B0609020204030204" pitchFamily="49" charset="0"/>
+            </a:endParaRPr>
+          </a:p>
+        </p:txBody>
+      </p:sp>
+    </p:spTree>
+    <p:extLst>
+      <p:ext uri="{BB962C8B-B14F-4D97-AF65-F5344CB8AC3E}">
+        <p14:creationId xmlns:p14="http://schemas.microsoft.com/office/powerpoint/2010/main" val="3748427040"/>
+      </p:ext>
+    </p:extLst>
+  </p:cSld>
+  <p:clrMapOvr>
+    <a:masterClrMapping/>
+  </p:clrMapOvr>
+  <mc:AlternateContent xmlns:mc="http://schemas.openxmlformats.org/markup-compatibility/2006" xmlns:p14="http://schemas.microsoft.com/office/powerpoint/2010/main">
+    <mc:Choice Requires="p14">
+      <p:transition spd="slow" p14:dur="2000" advClick="0" advTm="5000"/>
+    </mc:Choice>
+    <mc:Fallback xmlns="">
+      <p:transition spd="slow" advClick="0" advTm="5000"/>
+    </mc:Fallback>
+  </mc:AlternateContent>
+  <p:timing>
+    <p:tnLst>
+      <p:par>
+        <p:cTn id="1" dur="indefinite" restart="never" nodeType="tmRoot">
+          <p:childTnLst>
+            <p:seq concurrent="1" nextAc="seek">
+              <p:cTn id="2" dur="indefinite" nodeType="mainSeq">
+                <p:childTnLst>
+                  <p:par>
+                    <p:cTn id="3" fill="hold">
+                      <p:stCondLst>
+                        <p:cond delay="indefinite"/>
+                      </p:stCondLst>
+                      <p:childTnLst>
+                        <p:par>
+                          <p:cTn id="4" fill="hold">
+                            <p:stCondLst>
+                              <p:cond delay="0"/>
+                            </p:stCondLst>
+                            <p:childTnLst>
+                              <p:par>
+                                <p:cTn id="5" presetID="1" presetClass="entr" presetSubtype="0" fill="hold" grpId="0" nodeType="clickEffect">
+                                  <p:stCondLst>
+                                    <p:cond delay="0"/>
+                                  </p:stCondLst>
+                                  <p:childTnLst>
+                                    <p:set>
+                                      <p:cBhvr>
+                                        <p:cTn id="6" dur="1" fill="hold">
+                                          <p:stCondLst>
+                                            <p:cond delay="0"/>
+                                          </p:stCondLst>
+                                        </p:cTn>
+                                        <p:tgtEl>
+                                          <p:spTgt spid="6"/>
+                                        </p:tgtEl>
+                                        <p:attrNameLst>
+                                          <p:attrName>style.visibility</p:attrName>
+                                        </p:attrNameLst>
+                                      </p:cBhvr>
+                                      <p:to>
+                                        <p:strVal val="visible"/>
+                                      </p:to>
+                                    </p:set>
+                                  </p:childTnLst>
+                                </p:cTn>
+                              </p:par>
+                            </p:childTnLst>
+                          </p:cTn>
+                        </p:par>
+                      </p:childTnLst>
+                    </p:cTn>
+                  </p:par>
+                  <p:par>
+                    <p:cTn id="7" fill="hold">
+                      <p:stCondLst>
+                        <p:cond delay="indefinite"/>
+                      </p:stCondLst>
+                      <p:childTnLst>
+                        <p:par>
+                          <p:cTn id="8" fill="hold">
+                            <p:stCondLst>
+                              <p:cond delay="0"/>
+                            </p:stCondLst>
+                            <p:childTnLst>
+                              <p:par>
+                                <p:cTn id="9" presetID="1" presetClass="entr" presetSubtype="0" fill="hold" grpId="0" nodeType="clickEffect">
+                                  <p:stCondLst>
+                                    <p:cond delay="0"/>
+                                  </p:stCondLst>
+                                  <p:childTnLst>
+                                    <p:set>
+                                      <p:cBhvr>
+                                        <p:cTn id="10" dur="1" fill="hold">
+                                          <p:stCondLst>
+                                            <p:cond delay="0"/>
+                                          </p:stCondLst>
+                                        </p:cTn>
+                                        <p:tgtEl>
+                                          <p:spTgt spid="7"/>
+                                        </p:tgtEl>
+                                        <p:attrNameLst>
+                                          <p:attrName>style.visibility</p:attrName>
+                                        </p:attrNameLst>
+                                      </p:cBhvr>
+                                      <p:to>
+                                        <p:strVal val="visible"/>
+                                      </p:to>
+                                    </p:set>
+                                  </p:childTnLst>
+                                </p:cTn>
+                              </p:par>
+                            </p:childTnLst>
+                          </p:cTn>
+                        </p:par>
+                      </p:childTnLst>
+                    </p:cTn>
+                  </p:par>
+                  <p:par>
+                    <p:cTn id="11" fill="hold">
+                      <p:stCondLst>
+                        <p:cond delay="indefinite"/>
+                      </p:stCondLst>
+                      <p:childTnLst>
+                        <p:par>
+                          <p:cTn id="12" fill="hold">
+                            <p:stCondLst>
+                              <p:cond delay="0"/>
+                            </p:stCondLst>
+                            <p:childTnLst>
+                              <p:par>
+                                <p:cTn id="13" presetID="1" presetClass="entr" presetSubtype="0" fill="hold" grpId="0" nodeType="clickEffect">
+                                  <p:stCondLst>
+                                    <p:cond delay="0"/>
+                                  </p:stCondLst>
+                                  <p:childTnLst>
+                                    <p:set>
+                                      <p:cBhvr>
+                                        <p:cTn id="14" dur="1" fill="hold">
+                                          <p:stCondLst>
+                                            <p:cond delay="0"/>
+                                          </p:stCondLst>
+                                        </p:cTn>
+                                        <p:tgtEl>
+                                          <p:spTgt spid="8"/>
+                                        </p:tgtEl>
+                                        <p:attrNameLst>
+                                          <p:attrName>style.visibility</p:attrName>
+                                        </p:attrNameLst>
+                                      </p:cBhvr>
+                                      <p:to>
+                                        <p:strVal val="visible"/>
+                                      </p:to>
+                                    </p:set>
+                                  </p:childTnLst>
+                                </p:cTn>
+                              </p:par>
+                            </p:childTnLst>
+                          </p:cTn>
+                        </p:par>
+                      </p:childTnLst>
+                    </p:cTn>
+                  </p:par>
+                  <p:par>
+                    <p:cTn id="15" fill="hold">
+                      <p:stCondLst>
+                        <p:cond delay="indefinite"/>
+                      </p:stCondLst>
+                      <p:childTnLst>
+                        <p:par>
+                          <p:cTn id="16" fill="hold">
+                            <p:stCondLst>
+                              <p:cond delay="0"/>
+                            </p:stCondLst>
+                            <p:childTnLst>
+                              <p:par>
+                                <p:cTn id="17" presetID="1" presetClass="entr" presetSubtype="0" fill="hold" grpId="0" nodeType="clickEffect">
+                                  <p:stCondLst>
+                                    <p:cond delay="0"/>
+                                  </p:stCondLst>
+                                  <p:childTnLst>
+                                    <p:set>
+                                      <p:cBhvr>
+                                        <p:cTn id="18" dur="1" fill="hold">
+                                          <p:stCondLst>
+                                            <p:cond delay="0"/>
+                                          </p:stCondLst>
+                                        </p:cTn>
+                                        <p:tgtEl>
+                                          <p:spTgt spid="9"/>
+                                        </p:tgtEl>
+                                        <p:attrNameLst>
+                                          <p:attrName>style.visibility</p:attrName>
+                                        </p:attrNameLst>
+                                      </p:cBhvr>
+                                      <p:to>
+                                        <p:strVal val="visible"/>
+                                      </p:to>
+                                    </p:set>
+                                  </p:childTnLst>
+                                </p:cTn>
+                              </p:par>
+                              <p:par>
+                                <p:cTn id="19" presetID="1" presetClass="entr" presetSubtype="0" fill="hold" grpId="0" nodeType="withEffect">
+                                  <p:stCondLst>
+                                    <p:cond delay="0"/>
+                                  </p:stCondLst>
+                                  <p:childTnLst>
+                                    <p:set>
+                                      <p:cBhvr>
+                                        <p:cTn id="20" dur="1" fill="hold">
+                                          <p:stCondLst>
+                                            <p:cond delay="0"/>
+                                          </p:stCondLst>
+                                        </p:cTn>
+                                        <p:tgtEl>
+                                          <p:spTgt spid="10"/>
+                                        </p:tgtEl>
+                                        <p:attrNameLst>
+                                          <p:attrName>style.visibility</p:attrName>
+                                        </p:attrNameLst>
+                                      </p:cBhvr>
+                                      <p:to>
+                                        <p:strVal val="visible"/>
+                                      </p:to>
+                                    </p:set>
+                                  </p:childTnLst>
+                                </p:cTn>
+                              </p:par>
+                            </p:childTnLst>
+                          </p:cTn>
+                        </p:par>
+                      </p:childTnLst>
+                    </p:cTn>
+                  </p:par>
+                  <p:par>
+                    <p:cTn id="21" fill="hold">
+                      <p:stCondLst>
+                        <p:cond delay="indefinite"/>
+                      </p:stCondLst>
+                      <p:childTnLst>
+                        <p:par>
+                          <p:cTn id="22" fill="hold">
+                            <p:stCondLst>
+                              <p:cond delay="0"/>
+                            </p:stCondLst>
+                            <p:childTnLst>
+                              <p:par>
+                                <p:cTn id="23" presetID="1" presetClass="entr" presetSubtype="0" fill="hold" nodeType="clickEffect">
+                                  <p:stCondLst>
+                                    <p:cond delay="0"/>
+                                  </p:stCondLst>
+                                  <p:childTnLst>
+                                    <p:set>
+                                      <p:cBhvr>
+                                        <p:cTn id="24" dur="1" fill="hold">
+                                          <p:stCondLst>
+                                            <p:cond delay="0"/>
+                                          </p:stCondLst>
+                                        </p:cTn>
+                                        <p:tgtEl>
+                                          <p:spTgt spid="5">
+                                            <p:txEl>
+                                              <p:pRg st="5" end="5"/>
+                                            </p:txEl>
+                                          </p:spTgt>
+                                        </p:tgtEl>
+                                        <p:attrNameLst>
+                                          <p:attrName>style.visibility</p:attrName>
+                                        </p:attrNameLst>
+                                      </p:cBhvr>
+                                      <p:to>
+                                        <p:strVal val="visible"/>
+                                      </p:to>
+                                    </p:set>
+                                  </p:childTnLst>
+                                </p:cTn>
+                              </p:par>
+                            </p:childTnLst>
+                          </p:cTn>
+                        </p:par>
+                      </p:childTnLst>
+                    </p:cTn>
+                  </p:par>
+                  <p:par>
+                    <p:cTn id="25" fill="hold">
+                      <p:stCondLst>
+                        <p:cond delay="indefinite"/>
+                      </p:stCondLst>
+                      <p:childTnLst>
+                        <p:par>
+                          <p:cTn id="26" fill="hold">
+                            <p:stCondLst>
+                              <p:cond delay="0"/>
+                            </p:stCondLst>
+                            <p:childTnLst>
+                              <p:par>
+                                <p:cTn id="27" presetID="1" presetClass="entr" presetSubtype="0" fill="hold" grpId="0" nodeType="clickEffect">
+                                  <p:stCondLst>
+                                    <p:cond delay="0"/>
+                                  </p:stCondLst>
+                                  <p:childTnLst>
+                                    <p:set>
+                                      <p:cBhvr>
+                                        <p:cTn id="28" dur="1" fill="hold">
+                                          <p:stCondLst>
+                                            <p:cond delay="0"/>
+                                          </p:stCondLst>
+                                        </p:cTn>
+                                        <p:tgtEl>
+                                          <p:spTgt spid="11"/>
+                                        </p:tgtEl>
+                                        <p:attrNameLst>
+                                          <p:attrName>style.visibility</p:attrName>
+                                        </p:attrNameLst>
+                                      </p:cBhvr>
+                                      <p:to>
+                                        <p:strVal val="visible"/>
+                                      </p:to>
+                                    </p:set>
+                                  </p:childTnLst>
+                                </p:cTn>
+                              </p:par>
+                            </p:childTnLst>
+                          </p:cTn>
+                        </p:par>
+                      </p:childTnLst>
+                    </p:cTn>
+                  </p:par>
+                </p:childTnLst>
+              </p:cTn>
+              <p:prevCondLst>
+                <p:cond evt="onPrev" delay="0">
+                  <p:tgtEl>
+                    <p:sldTgt/>
+                  </p:tgtEl>
+                </p:cond>
+              </p:prevCondLst>
+              <p:nextCondLst>
+                <p:cond evt="onNext" delay="0">
+                  <p:tgtEl>
+                    <p:sldTgt/>
+                  </p:tgtEl>
+                </p:cond>
+              </p:nextCondLst>
+            </p:seq>
+          </p:childTnLst>
+        </p:cTn>
+      </p:par>
+    </p:tnLst>
+    <p:bldLst>
+      <p:bldP spid="6" grpId="0" animBg="1"/>
+      <p:bldP spid="7" grpId="0" animBg="1"/>
+      <p:bldP spid="8" grpId="0" animBg="1"/>
+      <p:bldP spid="9" grpId="0" animBg="1"/>
+      <p:bldP spid="10" grpId="0" animBg="1"/>
+      <p:bldP spid="11" grpId="0" animBg="1"/>
+    </p:bldLst>
+  </p:timing>
+</p:sld>
+</file>
+
+<file path=ppt/slides/slide14.xml><?xml version="1.0" encoding="utf-8"?>
+<p:sld xmlns:a="http://schemas.openxmlformats.org/drawingml/2006/main" xmlns:r="http://schemas.openxmlformats.org/officeDocument/2006/relationships" xmlns:p="http://schemas.openxmlformats.org/presentationml/2006/main">
+  <p:cSld>
+    <p:spTree>
+      <p:nvGrpSpPr>
+        <p:cNvPr id="1" name=""/>
+        <p:cNvGrpSpPr/>
+        <p:nvPr/>
+      </p:nvGrpSpPr>
+      <p:grpSpPr>
+        <a:xfrm>
+          <a:off x="0" y="0"/>
+          <a:ext cx="0" cy="0"/>
+          <a:chOff x="0" y="0"/>
+          <a:chExt cx="0" cy="0"/>
+        </a:xfrm>
+      </p:grpSpPr>
+      <p:sp>
+        <p:nvSpPr>
+          <p:cNvPr id="2" name="Slide Number Placeholder 1">
+            <a:extLst>
+              <a:ext uri="{FF2B5EF4-FFF2-40B4-BE49-F238E27FC236}">
+                <a16:creationId xmlns:a16="http://schemas.microsoft.com/office/drawing/2014/main" id="{23767E28-69F4-51BD-706A-07A18C1145C3}"/>
+              </a:ext>
+            </a:extLst>
+          </p:cNvPr>
+          <p:cNvSpPr>
+            <a:spLocks noGrp="1"/>
+          </p:cNvSpPr>
+          <p:nvPr>
+            <p:ph type="sldNum" sz="quarter" idx="5"/>
+          </p:nvPr>
+        </p:nvSpPr>
+        <p:spPr/>
+        <p:txBody>
+          <a:bodyPr/>
+          <a:lstStyle/>
+          <a:p>
+            <a:fld id="{2BF067CD-8E6B-4360-9AA8-C5DF2A48A6D1}" type="slidenum">
+              <a:rPr lang="en-US" noProof="0" smtClean="0"/>
+              <a:pPr/>
+              <a:t>14</a:t>
+            </a:fld>
+            <a:endParaRPr lang="en-US" noProof="0" dirty="0"/>
+          </a:p>
+        </p:txBody>
+      </p:sp>
+      <p:sp>
+        <p:nvSpPr>
+          <p:cNvPr id="3" name="Text Placeholder 2">
+            <a:extLst>
+              <a:ext uri="{FF2B5EF4-FFF2-40B4-BE49-F238E27FC236}">
+                <a16:creationId xmlns:a16="http://schemas.microsoft.com/office/drawing/2014/main" id="{574610C7-4E04-6023-BC68-0874EBDD577C}"/>
+              </a:ext>
+            </a:extLst>
+          </p:cNvPr>
+          <p:cNvSpPr>
+            <a:spLocks noGrp="1"/>
+          </p:cNvSpPr>
+          <p:nvPr>
+            <p:ph type="body" sz="quarter" idx="10"/>
+          </p:nvPr>
+        </p:nvSpPr>
+        <p:spPr/>
+        <p:txBody>
+          <a:bodyPr/>
+          <a:lstStyle/>
+          <a:p>
+            <a:r>
+              <a:rPr lang="bg-BG" dirty="0"/>
+              <a:t>Отворете </a:t>
+            </a:r>
+            <a:r>
+              <a:rPr lang="bg-BG" b="1" dirty="0"/>
+              <a:t>файла</a:t>
+            </a:r>
+            <a:r>
+              <a:rPr lang="bg-BG" dirty="0"/>
+              <a:t> </a:t>
+            </a:r>
+            <a:r>
+              <a:rPr lang="en-GB" b="1" dirty="0">
+                <a:solidFill>
+                  <a:schemeClr val="bg1"/>
+                </a:solidFill>
+              </a:rPr>
+              <a:t>colors.py</a:t>
+            </a:r>
+            <a:r>
+              <a:rPr lang="bg-BG" b="1" dirty="0">
+                <a:solidFill>
+                  <a:schemeClr val="bg1"/>
+                </a:solidFill>
+              </a:rPr>
+              <a:t> </a:t>
+            </a:r>
+            <a:r>
+              <a:rPr lang="bg-BG" dirty="0"/>
+              <a:t>от </a:t>
+            </a:r>
+            <a:r>
+              <a:rPr lang="bg-BG" b="1" dirty="0"/>
+              <a:t>папката </a:t>
+            </a:r>
+            <a:r>
+              <a:rPr lang="en-GB" b="1" dirty="0">
+                <a:solidFill>
+                  <a:schemeClr val="bg1"/>
+                </a:solidFill>
+              </a:rPr>
+              <a:t>Resources</a:t>
+            </a:r>
+          </a:p>
+          <a:p>
+            <a:r>
+              <a:rPr lang="bg-BG" b="1" dirty="0"/>
+              <a:t>Разгледайте</a:t>
+            </a:r>
+            <a:r>
+              <a:rPr lang="bg-BG" dirty="0"/>
+              <a:t> кода и </a:t>
+            </a:r>
+            <a:r>
+              <a:rPr lang="bg-BG" b="1" dirty="0"/>
+              <a:t>изпълнете</a:t>
+            </a:r>
+            <a:r>
+              <a:rPr lang="bg-BG" dirty="0"/>
+              <a:t> програмата</a:t>
+            </a:r>
+            <a:endParaRPr lang="en-GB" dirty="0"/>
+          </a:p>
+        </p:txBody>
+      </p:sp>
+      <p:sp>
+        <p:nvSpPr>
+          <p:cNvPr id="4" name="Title 3">
+            <a:extLst>
+              <a:ext uri="{FF2B5EF4-FFF2-40B4-BE49-F238E27FC236}">
+                <a16:creationId xmlns:a16="http://schemas.microsoft.com/office/drawing/2014/main" id="{50032DBB-050C-EB1F-6B86-1D36EA5F5235}"/>
+              </a:ext>
+            </a:extLst>
+          </p:cNvPr>
+          <p:cNvSpPr>
+            <a:spLocks noGrp="1"/>
+          </p:cNvSpPr>
+          <p:nvPr>
+            <p:ph type="title"/>
+          </p:nvPr>
+        </p:nvSpPr>
+        <p:spPr/>
+        <p:txBody>
+          <a:bodyPr/>
+          <a:lstStyle/>
+          <a:p>
+            <a:r>
+              <a:rPr lang="bg-BG" dirty="0"/>
+              <a:t>Цвят на героя – демо</a:t>
+            </a:r>
+            <a:endParaRPr lang="en-GB" dirty="0"/>
+          </a:p>
+        </p:txBody>
+      </p:sp>
+      <p:pic>
+        <p:nvPicPr>
+          <p:cNvPr id="6" name="Picture 5">
+            <a:extLst>
+              <a:ext uri="{FF2B5EF4-FFF2-40B4-BE49-F238E27FC236}">
+                <a16:creationId xmlns:a16="http://schemas.microsoft.com/office/drawing/2014/main" id="{81FD1404-414D-02CE-A3DD-AE4913E1DD82}"/>
+              </a:ext>
+            </a:extLst>
+          </p:cNvPr>
+          <p:cNvPicPr>
+            <a:picLocks noChangeAspect="1"/>
+          </p:cNvPicPr>
+          <p:nvPr/>
+        </p:nvPicPr>
+        <p:blipFill>
+          <a:blip r:embed="rId2">
+            <a:extLst>
+              <a:ext uri="{28A0092B-C50C-407E-A947-70E740481C1C}">
+                <a14:useLocalDpi xmlns:a14="http://schemas.microsoft.com/office/drawing/2010/main" val="0"/>
+              </a:ext>
+            </a:extLst>
+          </a:blip>
+          <a:srcRect l="59" r="59"/>
+          <a:stretch/>
+        </p:blipFill>
+        <p:spPr>
+          <a:xfrm>
+            <a:off x="3396000" y="2657004"/>
+            <a:ext cx="5400000" cy="3998496"/>
+          </a:xfrm>
+          <a:prstGeom prst="rect">
+            <a:avLst/>
+          </a:prstGeom>
+          <a:ln>
+            <a:solidFill>
+              <a:schemeClr val="bg2">
+                <a:lumMod val="75000"/>
+              </a:schemeClr>
+            </a:solidFill>
+          </a:ln>
+        </p:spPr>
+      </p:pic>
+    </p:spTree>
+    <p:extLst>
+      <p:ext uri="{BB962C8B-B14F-4D97-AF65-F5344CB8AC3E}">
+        <p14:creationId xmlns:p14="http://schemas.microsoft.com/office/powerpoint/2010/main" val="4249509031"/>
+      </p:ext>
+    </p:extLst>
+  </p:cSld>
+  <p:clrMapOvr>
+    <a:masterClrMapping/>
+  </p:clrMapOvr>
+  <mc:AlternateContent xmlns:mc="http://schemas.openxmlformats.org/markup-compatibility/2006" xmlns:p14="http://schemas.microsoft.com/office/powerpoint/2010/main">
+    <mc:Choice Requires="p14">
+      <p:transition spd="slow" p14:dur="2000" advClick="0" advTm="5000"/>
+    </mc:Choice>
+    <mc:Fallback xmlns="">
+      <p:transition spd="slow" advClick="0" advTm="5000"/>
+    </mc:Fallback>
+  </mc:AlternateContent>
+  <p:timing>
+    <p:tnLst>
+      <p:par>
+        <p:cTn id="1" dur="indefinite" restart="never" nodeType="tmRoot">
+          <p:childTnLst>
+            <p:seq concurrent="1" nextAc="seek">
+              <p:cTn id="2" dur="indefinite" nodeType="mainSeq">
+                <p:childTnLst>
+                  <p:par>
+                    <p:cTn id="3" fill="hold">
+                      <p:stCondLst>
+                        <p:cond delay="indefinite"/>
+                      </p:stCondLst>
+                      <p:childTnLst>
+                        <p:par>
+                          <p:cTn id="4" fill="hold">
+                            <p:stCondLst>
+                              <p:cond delay="0"/>
+                            </p:stCondLst>
+                            <p:childTnLst>
+                              <p:par>
+                                <p:cTn id="5" presetID="1" presetClass="entr" presetSubtype="0" fill="hold" nodeType="clickEffect">
+                                  <p:stCondLst>
+                                    <p:cond delay="0"/>
+                                  </p:stCondLst>
+                                  <p:childTnLst>
+                                    <p:set>
+                                      <p:cBhvr>
+                                        <p:cTn id="6" dur="1" fill="hold">
+                                          <p:stCondLst>
+                                            <p:cond delay="0"/>
+                                          </p:stCondLst>
+                                        </p:cTn>
+                                        <p:tgtEl>
+                                          <p:spTgt spid="3">
+                                            <p:txEl>
+                                              <p:pRg st="1" end="1"/>
+                                            </p:txEl>
+                                          </p:spTgt>
+                                        </p:tgtEl>
+                                        <p:attrNameLst>
+                                          <p:attrName>style.visibility</p:attrName>
+                                        </p:attrNameLst>
+                                      </p:cBhvr>
+                                      <p:to>
+                                        <p:strVal val="visible"/>
+                                      </p:to>
+                                    </p:set>
+                                  </p:childTnLst>
+                                </p:cTn>
+                              </p:par>
+                            </p:childTnLst>
+                          </p:cTn>
+                        </p:par>
+                      </p:childTnLst>
+                    </p:cTn>
+                  </p:par>
+                  <p:par>
+                    <p:cTn id="7" fill="hold">
+                      <p:stCondLst>
+                        <p:cond delay="indefinite"/>
+                      </p:stCondLst>
+                      <p:childTnLst>
+                        <p:par>
+                          <p:cTn id="8" fill="hold">
+                            <p:stCondLst>
+                              <p:cond delay="0"/>
+                            </p:stCondLst>
+                            <p:childTnLst>
+                              <p:par>
+                                <p:cTn id="9" presetID="1" presetClass="entr" presetSubtype="0" fill="hold" nodeType="clickEffect">
+                                  <p:stCondLst>
+                                    <p:cond delay="0"/>
+                                  </p:stCondLst>
+                                  <p:childTnLst>
+                                    <p:set>
+                                      <p:cBhvr>
+                                        <p:cTn id="10" dur="1" fill="hold">
+                                          <p:stCondLst>
+                                            <p:cond delay="0"/>
+                                          </p:stCondLst>
+                                        </p:cTn>
+                                        <p:tgtEl>
+                                          <p:spTgt spid="6"/>
+                                        </p:tgtEl>
+                                        <p:attrNameLst>
+                                          <p:attrName>style.visibility</p:attrName>
+                                        </p:attrNameLst>
+                                      </p:cBhvr>
+                                      <p:to>
+                                        <p:strVal val="visible"/>
+                                      </p:to>
+                                    </p:set>
+                                  </p:childTnLst>
+                                </p:cTn>
+                              </p:par>
+                            </p:childTnLst>
+                          </p:cTn>
+                        </p:par>
+                      </p:childTnLst>
+                    </p:cTn>
+                  </p:par>
+                </p:childTnLst>
+              </p:cTn>
+              <p:prevCondLst>
+                <p:cond evt="onPrev" delay="0">
+                  <p:tgtEl>
+                    <p:sldTgt/>
+                  </p:tgtEl>
+                </p:cond>
+              </p:prevCondLst>
+              <p:nextCondLst>
+                <p:cond evt="onNext" delay="0">
+                  <p:tgtEl>
+                    <p:sldTgt/>
+                  </p:tgtEl>
+                </p:cond>
+              </p:nextCondLst>
+            </p:seq>
+          </p:childTnLst>
+        </p:cTn>
+      </p:par>
+    </p:tnLst>
+  </p:timing>
+</p:sld>
+</file>
+
+<file path=ppt/slides/slide15.xml><?xml version="1.0" encoding="utf-8"?>
+<p:sld xmlns:a="http://schemas.openxmlformats.org/drawingml/2006/main" xmlns:r="http://schemas.openxmlformats.org/officeDocument/2006/relationships" xmlns:p="http://schemas.openxmlformats.org/presentationml/2006/main">
+  <p:cSld>
+    <p:spTree>
+      <p:nvGrpSpPr>
+        <p:cNvPr id="1" name="">
+          <a:extLst>
+            <a:ext uri="{FF2B5EF4-FFF2-40B4-BE49-F238E27FC236}">
+              <a16:creationId xmlns:a16="http://schemas.microsoft.com/office/drawing/2014/main" id="{972CAAC4-83A8-CE7B-0D1C-10DF7DD21FBA}"/>
+            </a:ext>
+          </a:extLst>
+        </p:cNvPr>
+        <p:cNvGrpSpPr/>
+        <p:nvPr/>
+      </p:nvGrpSpPr>
+      <p:grpSpPr>
+        <a:xfrm>
+          <a:off x="0" y="0"/>
+          <a:ext cx="0" cy="0"/>
+          <a:chOff x="0" y="0"/>
+          <a:chExt cx="0" cy="0"/>
+        </a:xfrm>
+      </p:grpSpPr>
+      <p:sp>
+        <p:nvSpPr>
+          <p:cNvPr id="7" name="Subtitle 6">
+            <a:extLst>
+              <a:ext uri="{FF2B5EF4-FFF2-40B4-BE49-F238E27FC236}">
+                <a16:creationId xmlns:a16="http://schemas.microsoft.com/office/drawing/2014/main" id="{73F1692E-26AA-A1A1-D07B-C1A81CD794C7}"/>
+              </a:ext>
+            </a:extLst>
+          </p:cNvPr>
+          <p:cNvSpPr>
+            <a:spLocks noGrp="1"/>
+          </p:cNvSpPr>
+          <p:nvPr>
+            <p:ph type="subTitle" sz="quarter" idx="11"/>
+          </p:nvPr>
+        </p:nvSpPr>
+        <p:spPr>
+          <a:xfrm>
+            <a:off x="4836000" y="3114000"/>
+            <a:ext cx="6650892" cy="1281380"/>
+          </a:xfrm>
+        </p:spPr>
+        <p:txBody>
+          <a:bodyPr/>
+          <a:lstStyle/>
+          <a:p>
+            <a:r>
+              <a:rPr lang="bg-BG" dirty="0"/>
+              <a:t>Преоразмеряване</a:t>
+            </a:r>
+            <a:endParaRPr lang="en-GB" dirty="0"/>
+          </a:p>
+        </p:txBody>
+      </p:sp>
+      <p:sp>
+        <p:nvSpPr>
+          <p:cNvPr id="6" name="Title 5">
+            <a:extLst>
+              <a:ext uri="{FF2B5EF4-FFF2-40B4-BE49-F238E27FC236}">
+                <a16:creationId xmlns:a16="http://schemas.microsoft.com/office/drawing/2014/main" id="{7AB3C056-C7DA-DC23-F72B-C5116601B3F3}"/>
+              </a:ext>
+            </a:extLst>
+          </p:cNvPr>
+          <p:cNvSpPr>
+            <a:spLocks noGrp="1"/>
+          </p:cNvSpPr>
+          <p:nvPr>
+            <p:ph type="title" sz="quarter" idx="10"/>
+          </p:nvPr>
+        </p:nvSpPr>
+        <p:spPr>
+          <a:xfrm>
+            <a:off x="5128500" y="1944000"/>
+            <a:ext cx="6065892" cy="1281380"/>
+          </a:xfrm>
+        </p:spPr>
+        <p:txBody>
+          <a:bodyPr/>
+          <a:lstStyle/>
+          <a:p>
+            <a:r>
+              <a:rPr lang="bg-BG" dirty="0"/>
+              <a:t>Размер на героя</a:t>
+            </a:r>
+            <a:endParaRPr lang="en-GB" dirty="0"/>
+          </a:p>
+        </p:txBody>
+      </p:sp>
+      <p:pic>
+        <p:nvPicPr>
+          <p:cNvPr id="9" name="Picture 8" descr="A red ghost with blue eyes&#10;&#10;Description automatically generated">
+            <a:extLst>
+              <a:ext uri="{FF2B5EF4-FFF2-40B4-BE49-F238E27FC236}">
+                <a16:creationId xmlns:a16="http://schemas.microsoft.com/office/drawing/2014/main" id="{B584553A-A3C5-6DF1-0E17-6635DA2B4F93}"/>
+              </a:ext>
+            </a:extLst>
+          </p:cNvPr>
+          <p:cNvPicPr>
+            <a:picLocks noChangeAspect="1"/>
+          </p:cNvPicPr>
+          <p:nvPr/>
+        </p:nvPicPr>
+        <p:blipFill>
+          <a:blip r:embed="rId2">
+            <a:extLst>
+              <a:ext uri="{28A0092B-C50C-407E-A947-70E740481C1C}">
+                <a14:useLocalDpi xmlns:a14="http://schemas.microsoft.com/office/drawing/2010/main" val="0"/>
+              </a:ext>
+            </a:extLst>
+          </a:blip>
+          <a:stretch>
+            <a:fillRect/>
+          </a:stretch>
+        </p:blipFill>
+        <p:spPr>
+          <a:xfrm>
+            <a:off x="3081000" y="2647416"/>
+            <a:ext cx="900000" cy="900000"/>
+          </a:xfrm>
+          <a:prstGeom prst="rect">
+            <a:avLst/>
+          </a:prstGeom>
+        </p:spPr>
+      </p:pic>
+      <p:pic>
+        <p:nvPicPr>
+          <p:cNvPr id="10" name="Picture 9" descr="A red ghost with blue eyes&#10;&#10;Description automatically generated">
+            <a:extLst>
+              <a:ext uri="{FF2B5EF4-FFF2-40B4-BE49-F238E27FC236}">
+                <a16:creationId xmlns:a16="http://schemas.microsoft.com/office/drawing/2014/main" id="{6B02AA05-00B0-CDA5-1527-CA539655D9BC}"/>
+              </a:ext>
+            </a:extLst>
+          </p:cNvPr>
+          <p:cNvPicPr>
+            <a:picLocks noChangeAspect="1"/>
+          </p:cNvPicPr>
+          <p:nvPr/>
+        </p:nvPicPr>
+        <p:blipFill>
+          <a:blip r:embed="rId2">
+            <a:extLst>
+              <a:ext uri="{28A0092B-C50C-407E-A947-70E740481C1C}">
+                <a14:useLocalDpi xmlns:a14="http://schemas.microsoft.com/office/drawing/2010/main" val="0"/>
+              </a:ext>
+            </a:extLst>
+          </a:blip>
+          <a:stretch>
+            <a:fillRect/>
+          </a:stretch>
+        </p:blipFill>
+        <p:spPr>
+          <a:xfrm>
+            <a:off x="1109599" y="1783289"/>
+            <a:ext cx="1971401" cy="1971401"/>
+          </a:xfrm>
+          <a:prstGeom prst="rect">
+            <a:avLst/>
+          </a:prstGeom>
+        </p:spPr>
+      </p:pic>
+    </p:spTree>
+    <p:extLst>
+      <p:ext uri="{BB962C8B-B14F-4D97-AF65-F5344CB8AC3E}">
+        <p14:creationId xmlns:p14="http://schemas.microsoft.com/office/powerpoint/2010/main" val="1701261905"/>
+      </p:ext>
+    </p:extLst>
+  </p:cSld>
+  <p:clrMapOvr>
+    <a:masterClrMapping/>
+  </p:clrMapOvr>
+  <mc:AlternateContent xmlns:mc="http://schemas.openxmlformats.org/markup-compatibility/2006" xmlns:p14="http://schemas.microsoft.com/office/powerpoint/2010/main">
+    <mc:Choice Requires="p14">
+      <p:transition spd="slow" p14:dur="2000" advClick="0" advTm="5000"/>
+    </mc:Choice>
+    <mc:Fallback xmlns="">
+      <p:transition spd="slow" advClick="0" advTm="5000"/>
+    </mc:Fallback>
+  </mc:AlternateContent>
+</p:sld>
+</file>
+
+<file path=ppt/slides/slide16.xml><?xml version="1.0" encoding="utf-8"?>
+<p:sld xmlns:a="http://schemas.openxmlformats.org/drawingml/2006/main" xmlns:r="http://schemas.openxmlformats.org/officeDocument/2006/relationships" xmlns:p="http://schemas.openxmlformats.org/presentationml/2006/main">
+  <p:cSld>
+    <p:spTree>
+      <p:nvGrpSpPr>
+        <p:cNvPr id="1" name=""/>
+        <p:cNvGrpSpPr/>
+        <p:nvPr/>
+      </p:nvGrpSpPr>
+      <p:grpSpPr>
+        <a:xfrm>
+          <a:off x="0" y="0"/>
+          <a:ext cx="0" cy="0"/>
+          <a:chOff x="0" y="0"/>
+          <a:chExt cx="0" cy="0"/>
+        </a:xfrm>
+      </p:grpSpPr>
+      <p:sp>
+        <p:nvSpPr>
+          <p:cNvPr id="5" name="Text Placeholder 4">
+            <a:extLst>
+              <a:ext uri="{FF2B5EF4-FFF2-40B4-BE49-F238E27FC236}">
+                <a16:creationId xmlns:a16="http://schemas.microsoft.com/office/drawing/2014/main" id="{16C4DAD7-0EA0-2EDB-30E6-612BA56EAD32}"/>
+              </a:ext>
+            </a:extLst>
+          </p:cNvPr>
+          <p:cNvSpPr>
+            <a:spLocks noGrp="1"/>
+          </p:cNvSpPr>
+          <p:nvPr>
+            <p:ph type="body" sz="quarter" idx="10"/>
+          </p:nvPr>
+        </p:nvSpPr>
+        <p:spPr/>
+        <p:txBody>
+          <a:bodyPr/>
+          <a:lstStyle/>
+          <a:p>
+            <a:r>
+              <a:rPr lang="bg-BG" dirty="0"/>
+              <a:t>Може да задавате </a:t>
+            </a:r>
+            <a:r>
+              <a:rPr lang="bg-BG" b="1" dirty="0"/>
+              <a:t>различен размер </a:t>
+            </a:r>
+            <a:r>
+              <a:rPr lang="bg-BG" dirty="0"/>
+              <a:t>на вашия герой</a:t>
+            </a:r>
+          </a:p>
+          <a:p>
+            <a:pPr marL="442912" lvl="1" indent="0">
+              <a:buNone/>
+            </a:pPr>
+            <a:endParaRPr lang="en-GB" dirty="0"/>
+          </a:p>
+          <a:p>
+            <a:r>
+              <a:rPr lang="bg-BG" dirty="0"/>
+              <a:t>Командата има и следните варианти:</a:t>
+            </a:r>
+          </a:p>
+          <a:p>
+            <a:endParaRPr lang="bg-BG" dirty="0"/>
+          </a:p>
+          <a:p>
+            <a:endParaRPr lang="bg-BG" dirty="0"/>
+          </a:p>
+        </p:txBody>
+      </p:sp>
+      <p:sp>
+        <p:nvSpPr>
+          <p:cNvPr id="4" name="Title 3">
+            <a:extLst>
+              <a:ext uri="{FF2B5EF4-FFF2-40B4-BE49-F238E27FC236}">
+                <a16:creationId xmlns:a16="http://schemas.microsoft.com/office/drawing/2014/main" id="{39F864B2-E95C-DF4E-FBC3-EDB7EA03D878}"/>
+              </a:ext>
+            </a:extLst>
+          </p:cNvPr>
+          <p:cNvSpPr>
+            <a:spLocks noGrp="1"/>
+          </p:cNvSpPr>
+          <p:nvPr>
+            <p:ph type="title"/>
+          </p:nvPr>
+        </p:nvSpPr>
+        <p:spPr/>
+        <p:txBody>
+          <a:bodyPr/>
+          <a:lstStyle/>
+          <a:p>
+            <a:r>
+              <a:rPr lang="bg-BG" dirty="0"/>
+              <a:t>Размер на героя</a:t>
+            </a:r>
+            <a:endParaRPr lang="en-GB" dirty="0"/>
+          </a:p>
+        </p:txBody>
+      </p:sp>
+      <p:sp>
+        <p:nvSpPr>
+          <p:cNvPr id="6" name="TextBox 5">
+            <a:extLst>
+              <a:ext uri="{FF2B5EF4-FFF2-40B4-BE49-F238E27FC236}">
+                <a16:creationId xmlns:a16="http://schemas.microsoft.com/office/drawing/2014/main" id="{7D6C0F3C-4401-8577-EDEC-4B6ADEC89AEE}"/>
+              </a:ext>
+            </a:extLst>
+          </p:cNvPr>
+          <p:cNvSpPr txBox="1"/>
+          <p:nvPr/>
+        </p:nvSpPr>
+        <p:spPr>
+          <a:xfrm>
+            <a:off x="651000" y="1899000"/>
+            <a:ext cx="8460000" cy="601997"/>
+          </a:xfrm>
+          <a:prstGeom prst="rect">
+            <a:avLst/>
+          </a:prstGeom>
+          <a:solidFill>
+            <a:schemeClr val="accent6">
+              <a:lumMod val="75000"/>
+              <a:alpha val="15000"/>
+            </a:schemeClr>
+          </a:solidFill>
+          <a:ln w="12700">
+            <a:solidFill>
+              <a:schemeClr val="tx1">
+                <a:lumMod val="75000"/>
+              </a:schemeClr>
+            </a:solidFill>
+          </a:ln>
+        </p:spPr>
+        <p:txBody>
+          <a:bodyPr vert="horz" wrap="square" lIns="144000" tIns="108000" rIns="144000" bIns="108000" rtlCol="0">
+            <a:spAutoFit/>
+          </a:bodyPr>
+          <a:lstStyle/>
+          <a:p>
+            <a:pPr eaLnBrk="0" hangingPunct="0">
+              <a:lnSpc>
+                <a:spcPct val="110000"/>
+              </a:lnSpc>
+              <a:buClr>
+                <a:schemeClr val="accent5">
+                  <a:lumMod val="40000"/>
+                  <a:lumOff val="60000"/>
+                </a:schemeClr>
+              </a:buClr>
+              <a:buSzPct val="70000"/>
+            </a:pPr>
+            <a:r>
+              <a:rPr lang="en-GB" sz="2400" b="1" dirty="0">
+                <a:latin typeface="Consolas" panose="020B0609020204030204" pitchFamily="49" charset="0"/>
+              </a:rPr>
+              <a:t>my_turtle.</a:t>
+            </a:r>
+            <a:r>
+              <a:rPr lang="en-GB" sz="2400" b="1" dirty="0">
+                <a:solidFill>
+                  <a:schemeClr val="bg1"/>
+                </a:solidFill>
+                <a:latin typeface="Consolas" panose="020B0609020204030204" pitchFamily="49" charset="0"/>
+              </a:rPr>
+              <a:t>shapesize(</a:t>
+            </a:r>
+            <a:r>
+              <a:rPr lang="bg-BG" sz="2400" b="1" dirty="0">
+                <a:latin typeface="Consolas" panose="020B0609020204030204" pitchFamily="49" charset="0"/>
+              </a:rPr>
+              <a:t>широчина, дължина, дебелина</a:t>
+            </a:r>
+            <a:r>
+              <a:rPr lang="en-GB" sz="2400" b="1" dirty="0">
+                <a:solidFill>
+                  <a:schemeClr val="bg1"/>
+                </a:solidFill>
+                <a:latin typeface="Consolas" panose="020B0609020204030204" pitchFamily="49" charset="0"/>
+              </a:rPr>
+              <a:t>)</a:t>
+            </a:r>
+            <a:endParaRPr lang="en-US" sz="2400" b="1" dirty="0">
+              <a:solidFill>
+                <a:schemeClr val="bg1"/>
+              </a:solidFill>
+              <a:latin typeface="Consolas" panose="020B0609020204030204" pitchFamily="49" charset="0"/>
+            </a:endParaRPr>
+          </a:p>
+        </p:txBody>
+      </p:sp>
+      <p:sp>
+        <p:nvSpPr>
+          <p:cNvPr id="10" name="TextBox 9">
+            <a:extLst>
+              <a:ext uri="{FF2B5EF4-FFF2-40B4-BE49-F238E27FC236}">
+                <a16:creationId xmlns:a16="http://schemas.microsoft.com/office/drawing/2014/main" id="{311EB3D7-2D20-F93D-5BD2-55A750970582}"/>
+              </a:ext>
+            </a:extLst>
+          </p:cNvPr>
+          <p:cNvSpPr txBox="1"/>
+          <p:nvPr/>
+        </p:nvSpPr>
+        <p:spPr>
+          <a:xfrm>
+            <a:off x="651000" y="3168883"/>
+            <a:ext cx="10260000" cy="3549214"/>
+          </a:xfrm>
+          <a:prstGeom prst="rect">
+            <a:avLst/>
+          </a:prstGeom>
+          <a:solidFill>
+            <a:schemeClr val="accent6">
+              <a:lumMod val="75000"/>
+              <a:alpha val="15000"/>
+            </a:schemeClr>
+          </a:solidFill>
+          <a:ln w="12700">
+            <a:solidFill>
+              <a:schemeClr val="tx1">
+                <a:lumMod val="75000"/>
+              </a:schemeClr>
+            </a:solidFill>
+          </a:ln>
+        </p:spPr>
+        <p:txBody>
+          <a:bodyPr vert="horz" wrap="square" lIns="144000" tIns="108000" rIns="144000" bIns="108000" rtlCol="0">
+            <a:spAutoFit/>
+          </a:bodyPr>
+          <a:lstStyle/>
+          <a:p>
+            <a:pPr eaLnBrk="0" hangingPunct="0">
+              <a:lnSpc>
+                <a:spcPct val="110000"/>
+              </a:lnSpc>
+              <a:buClr>
+                <a:schemeClr val="accent5">
+                  <a:lumMod val="40000"/>
+                  <a:lumOff val="60000"/>
+                </a:schemeClr>
+              </a:buClr>
+              <a:buSzPct val="70000"/>
+            </a:pPr>
+            <a:r>
+              <a:rPr lang="en-GB" sz="2200" b="1" i="1" dirty="0">
+                <a:solidFill>
+                  <a:schemeClr val="accent2"/>
+                </a:solidFill>
+                <a:latin typeface="Consolas" panose="020B0609020204030204" pitchFamily="49" charset="0"/>
+              </a:rPr>
+              <a:t>#</a:t>
+            </a:r>
+            <a:r>
+              <a:rPr lang="bg-BG" sz="2200" b="1" i="1" dirty="0">
+                <a:solidFill>
+                  <a:schemeClr val="accent2"/>
+                </a:solidFill>
+                <a:latin typeface="Consolas" panose="020B0609020204030204" pitchFamily="49" charset="0"/>
+              </a:rPr>
+              <a:t> </a:t>
+            </a:r>
+            <a:r>
+              <a:rPr lang="ru-RU" sz="2200" b="1" i="1" dirty="0">
+                <a:solidFill>
+                  <a:schemeClr val="accent2"/>
+                </a:solidFill>
+                <a:latin typeface="Consolas" panose="020B0609020204030204" pitchFamily="49" charset="0"/>
+              </a:rPr>
+              <a:t>2 пъти по-голяма широчина и дължина</a:t>
+            </a:r>
+            <a:endParaRPr lang="bg-BG" sz="2200" b="1" i="1" dirty="0">
+              <a:solidFill>
+                <a:schemeClr val="accent2"/>
+              </a:solidFill>
+              <a:latin typeface="Consolas" panose="020B0609020204030204" pitchFamily="49" charset="0"/>
+            </a:endParaRPr>
+          </a:p>
+          <a:p>
+            <a:pPr eaLnBrk="0" hangingPunct="0">
+              <a:lnSpc>
+                <a:spcPct val="110000"/>
+              </a:lnSpc>
+              <a:buClr>
+                <a:schemeClr val="accent5">
+                  <a:lumMod val="40000"/>
+                  <a:lumOff val="60000"/>
+                </a:schemeClr>
+              </a:buClr>
+              <a:buSzPct val="70000"/>
+            </a:pPr>
+            <a:r>
+              <a:rPr lang="en-GB" sz="2200" b="1" dirty="0">
+                <a:latin typeface="Consolas" panose="020B0609020204030204" pitchFamily="49" charset="0"/>
+              </a:rPr>
+              <a:t>my_turtle.</a:t>
+            </a:r>
+            <a:r>
+              <a:rPr lang="en-GB" sz="2200" b="1" dirty="0">
+                <a:solidFill>
+                  <a:schemeClr val="bg1"/>
+                </a:solidFill>
+                <a:latin typeface="Consolas" panose="020B0609020204030204" pitchFamily="49" charset="0"/>
+              </a:rPr>
+              <a:t>shapesize(</a:t>
+            </a:r>
+            <a:r>
+              <a:rPr lang="bg-BG" sz="2200" b="1" dirty="0">
+                <a:latin typeface="Consolas" panose="020B0609020204030204" pitchFamily="49" charset="0"/>
+              </a:rPr>
+              <a:t>2</a:t>
+            </a:r>
+            <a:r>
+              <a:rPr lang="en-GB" sz="2200" b="1" dirty="0">
+                <a:solidFill>
+                  <a:schemeClr val="bg1"/>
+                </a:solidFill>
+                <a:latin typeface="Consolas" panose="020B0609020204030204" pitchFamily="49" charset="0"/>
+              </a:rPr>
+              <a:t>)</a:t>
+            </a:r>
+            <a:endParaRPr lang="bg-BG" sz="2200" b="1" dirty="0">
+              <a:solidFill>
+                <a:schemeClr val="bg1"/>
+              </a:solidFill>
+              <a:latin typeface="Consolas" panose="020B0609020204030204" pitchFamily="49" charset="0"/>
+            </a:endParaRPr>
+          </a:p>
+          <a:p>
+            <a:pPr eaLnBrk="0" hangingPunct="0">
+              <a:lnSpc>
+                <a:spcPct val="110000"/>
+              </a:lnSpc>
+              <a:buClr>
+                <a:schemeClr val="accent5">
+                  <a:lumMod val="40000"/>
+                  <a:lumOff val="60000"/>
+                </a:schemeClr>
+              </a:buClr>
+              <a:buSzPct val="70000"/>
+            </a:pPr>
+            <a:endParaRPr lang="bg-BG" sz="2200" b="1" dirty="0">
+              <a:solidFill>
+                <a:schemeClr val="bg1"/>
+              </a:solidFill>
+              <a:latin typeface="Consolas" panose="020B0609020204030204" pitchFamily="49" charset="0"/>
+            </a:endParaRPr>
+          </a:p>
+          <a:p>
+            <a:pPr eaLnBrk="0" hangingPunct="0">
+              <a:lnSpc>
+                <a:spcPct val="110000"/>
+              </a:lnSpc>
+              <a:buClr>
+                <a:schemeClr val="accent5">
+                  <a:lumMod val="40000"/>
+                  <a:lumOff val="60000"/>
+                </a:schemeClr>
+              </a:buClr>
+              <a:buSzPct val="70000"/>
+            </a:pPr>
+            <a:r>
+              <a:rPr lang="en-GB" sz="2200" b="1" i="1" dirty="0">
+                <a:solidFill>
+                  <a:schemeClr val="accent2"/>
+                </a:solidFill>
+                <a:latin typeface="Consolas" panose="020B0609020204030204" pitchFamily="49" charset="0"/>
+              </a:rPr>
+              <a:t>#</a:t>
+            </a:r>
+            <a:r>
+              <a:rPr lang="bg-BG" sz="2200" b="1" i="1" dirty="0">
+                <a:solidFill>
+                  <a:schemeClr val="accent2"/>
+                </a:solidFill>
+                <a:latin typeface="Consolas" panose="020B0609020204030204" pitchFamily="49" charset="0"/>
+              </a:rPr>
+              <a:t> </a:t>
+            </a:r>
+            <a:r>
+              <a:rPr lang="ru-RU" sz="2200" b="1" i="1" dirty="0">
+                <a:solidFill>
+                  <a:schemeClr val="accent2"/>
+                </a:solidFill>
+                <a:latin typeface="Consolas" panose="020B0609020204030204" pitchFamily="49" charset="0"/>
+              </a:rPr>
+              <a:t>2 пъти по-голяма широчина и 4 пъти по-голяма дължина</a:t>
+            </a:r>
+          </a:p>
+          <a:p>
+            <a:pPr eaLnBrk="0" hangingPunct="0">
+              <a:lnSpc>
+                <a:spcPct val="110000"/>
+              </a:lnSpc>
+              <a:buClr>
+                <a:schemeClr val="accent5">
+                  <a:lumMod val="40000"/>
+                  <a:lumOff val="60000"/>
+                </a:schemeClr>
+              </a:buClr>
+              <a:buSzPct val="70000"/>
+            </a:pPr>
+            <a:r>
+              <a:rPr lang="en-GB" sz="2200" b="1" dirty="0">
+                <a:latin typeface="Consolas" panose="020B0609020204030204" pitchFamily="49" charset="0"/>
+              </a:rPr>
+              <a:t>my_turtle.</a:t>
+            </a:r>
+            <a:r>
+              <a:rPr lang="en-GB" sz="2200" b="1" dirty="0">
+                <a:solidFill>
+                  <a:schemeClr val="bg1"/>
+                </a:solidFill>
+                <a:latin typeface="Consolas" panose="020B0609020204030204" pitchFamily="49" charset="0"/>
+              </a:rPr>
+              <a:t>shapesize(</a:t>
+            </a:r>
+            <a:r>
+              <a:rPr lang="bg-BG" sz="2200" b="1" dirty="0">
+                <a:latin typeface="Consolas" panose="020B0609020204030204" pitchFamily="49" charset="0"/>
+              </a:rPr>
+              <a:t>2, 4</a:t>
+            </a:r>
+            <a:r>
+              <a:rPr lang="en-GB" sz="2200" b="1" dirty="0">
+                <a:solidFill>
+                  <a:schemeClr val="bg1"/>
+                </a:solidFill>
+                <a:latin typeface="Consolas" panose="020B0609020204030204" pitchFamily="49" charset="0"/>
+              </a:rPr>
+              <a:t>)</a:t>
+            </a:r>
+            <a:endParaRPr lang="bg-BG" sz="2200" b="1" dirty="0">
+              <a:solidFill>
+                <a:schemeClr val="bg1"/>
+              </a:solidFill>
+              <a:latin typeface="Consolas" panose="020B0609020204030204" pitchFamily="49" charset="0"/>
+            </a:endParaRPr>
+          </a:p>
+          <a:p>
+            <a:pPr eaLnBrk="0" hangingPunct="0">
+              <a:lnSpc>
+                <a:spcPct val="110000"/>
+              </a:lnSpc>
+              <a:buClr>
+                <a:schemeClr val="accent5">
+                  <a:lumMod val="40000"/>
+                  <a:lumOff val="60000"/>
+                </a:schemeClr>
+              </a:buClr>
+              <a:buSzPct val="70000"/>
+            </a:pPr>
+            <a:endParaRPr lang="bg-BG" sz="2200" b="1" dirty="0">
+              <a:solidFill>
+                <a:schemeClr val="bg1"/>
+              </a:solidFill>
+              <a:latin typeface="Consolas" panose="020B0609020204030204" pitchFamily="49" charset="0"/>
+            </a:endParaRPr>
+          </a:p>
+          <a:p>
+            <a:pPr eaLnBrk="0" hangingPunct="0">
+              <a:lnSpc>
+                <a:spcPct val="110000"/>
+              </a:lnSpc>
+              <a:buClr>
+                <a:schemeClr val="accent5">
+                  <a:lumMod val="40000"/>
+                  <a:lumOff val="60000"/>
+                </a:schemeClr>
+              </a:buClr>
+              <a:buSzPct val="70000"/>
+            </a:pPr>
+            <a:r>
+              <a:rPr lang="en-GB" sz="2200" b="1" i="1" dirty="0">
+                <a:solidFill>
+                  <a:schemeClr val="accent2"/>
+                </a:solidFill>
+                <a:latin typeface="Consolas" panose="020B0609020204030204" pitchFamily="49" charset="0"/>
+              </a:rPr>
+              <a:t>#</a:t>
+            </a:r>
+            <a:r>
+              <a:rPr lang="bg-BG" sz="2200" b="1" i="1" dirty="0">
+                <a:solidFill>
+                  <a:schemeClr val="accent2"/>
+                </a:solidFill>
+                <a:latin typeface="Consolas" panose="020B0609020204030204" pitchFamily="49" charset="0"/>
+              </a:rPr>
+              <a:t> </a:t>
+            </a:r>
+            <a:r>
+              <a:rPr lang="ru-RU" sz="2200" b="1" i="1" dirty="0">
+                <a:solidFill>
+                  <a:schemeClr val="accent2"/>
+                </a:solidFill>
+                <a:latin typeface="Consolas" panose="020B0609020204030204" pitchFamily="49" charset="0"/>
+              </a:rPr>
+              <a:t>2 пъти по-голяма широчина, 4 пъти по-голяма дължина и 5 пъти по-дебели очертания</a:t>
+            </a:r>
+            <a:endParaRPr lang="en-US" sz="2200" b="1" i="1" dirty="0">
+              <a:solidFill>
+                <a:schemeClr val="accent2"/>
+              </a:solidFill>
+              <a:latin typeface="Consolas" panose="020B0609020204030204" pitchFamily="49" charset="0"/>
+            </a:endParaRPr>
+          </a:p>
+          <a:p>
+            <a:pPr eaLnBrk="0" hangingPunct="0">
+              <a:lnSpc>
+                <a:spcPct val="110000"/>
+              </a:lnSpc>
+              <a:buClr>
+                <a:schemeClr val="accent5">
+                  <a:lumMod val="40000"/>
+                  <a:lumOff val="60000"/>
+                </a:schemeClr>
+              </a:buClr>
+              <a:buSzPct val="70000"/>
+            </a:pPr>
+            <a:r>
+              <a:rPr lang="en-GB" sz="2200" b="1" dirty="0">
+                <a:latin typeface="Consolas" panose="020B0609020204030204" pitchFamily="49" charset="0"/>
+              </a:rPr>
+              <a:t>my_turtle.</a:t>
+            </a:r>
+            <a:r>
+              <a:rPr lang="en-GB" sz="2200" b="1" dirty="0">
+                <a:solidFill>
+                  <a:schemeClr val="bg1"/>
+                </a:solidFill>
+                <a:latin typeface="Consolas" panose="020B0609020204030204" pitchFamily="49" charset="0"/>
+              </a:rPr>
+              <a:t>shapesize(</a:t>
+            </a:r>
+            <a:r>
+              <a:rPr lang="bg-BG" sz="2200" b="1" dirty="0">
+                <a:latin typeface="Consolas" panose="020B0609020204030204" pitchFamily="49" charset="0"/>
+              </a:rPr>
+              <a:t>2, 4, 5</a:t>
+            </a:r>
+            <a:r>
+              <a:rPr lang="en-GB" sz="2200" b="1" dirty="0">
+                <a:solidFill>
+                  <a:schemeClr val="bg1"/>
+                </a:solidFill>
+                <a:latin typeface="Consolas" panose="020B0609020204030204" pitchFamily="49" charset="0"/>
+              </a:rPr>
+              <a:t>)</a:t>
+            </a:r>
+            <a:endParaRPr lang="en-US" sz="2200" b="1" dirty="0">
+              <a:solidFill>
+                <a:schemeClr val="bg1"/>
+              </a:solidFill>
+              <a:latin typeface="Consolas" panose="020B0609020204030204" pitchFamily="49" charset="0"/>
+            </a:endParaRPr>
+          </a:p>
+        </p:txBody>
+      </p:sp>
+    </p:spTree>
+    <p:extLst>
+      <p:ext uri="{BB962C8B-B14F-4D97-AF65-F5344CB8AC3E}">
+        <p14:creationId xmlns:p14="http://schemas.microsoft.com/office/powerpoint/2010/main" val="4127584676"/>
+      </p:ext>
+    </p:extLst>
+  </p:cSld>
+  <p:clrMapOvr>
+    <a:masterClrMapping/>
+  </p:clrMapOvr>
+  <mc:AlternateContent xmlns:mc="http://schemas.openxmlformats.org/markup-compatibility/2006" xmlns:p14="http://schemas.microsoft.com/office/powerpoint/2010/main">
+    <mc:Choice Requires="p14">
+      <p:transition spd="slow" p14:dur="2000" advClick="0" advTm="5000"/>
+    </mc:Choice>
+    <mc:Fallback xmlns="">
+      <p:transition spd="slow" advClick="0" advTm="5000"/>
+    </mc:Fallback>
+  </mc:AlternateContent>
+  <p:timing>
+    <p:tnLst>
+      <p:par>
+        <p:cTn id="1" dur="indefinite" restart="never" nodeType="tmRoot">
+          <p:childTnLst>
+            <p:seq concurrent="1" nextAc="seek">
+              <p:cTn id="2" dur="indefinite" nodeType="mainSeq">
+                <p:childTnLst>
+                  <p:par>
+                    <p:cTn id="3" fill="hold">
+                      <p:stCondLst>
+                        <p:cond delay="indefinite"/>
+                      </p:stCondLst>
+                      <p:childTnLst>
+                        <p:par>
+                          <p:cTn id="4" fill="hold">
+                            <p:stCondLst>
+                              <p:cond delay="0"/>
+                            </p:stCondLst>
+                            <p:childTnLst>
+                              <p:par>
+                                <p:cTn id="5" presetID="1" presetClass="entr" presetSubtype="0" fill="hold" grpId="0" nodeType="clickEffect">
+                                  <p:stCondLst>
+                                    <p:cond delay="0"/>
+                                  </p:stCondLst>
+                                  <p:childTnLst>
+                                    <p:set>
+                                      <p:cBhvr>
+                                        <p:cTn id="6" dur="1" fill="hold">
+                                          <p:stCondLst>
+                                            <p:cond delay="0"/>
+                                          </p:stCondLst>
+                                        </p:cTn>
+                                        <p:tgtEl>
+                                          <p:spTgt spid="6"/>
+                                        </p:tgtEl>
+                                        <p:attrNameLst>
+                                          <p:attrName>style.visibility</p:attrName>
+                                        </p:attrNameLst>
+                                      </p:cBhvr>
+                                      <p:to>
+                                        <p:strVal val="visible"/>
+                                      </p:to>
+                                    </p:set>
+                                  </p:childTnLst>
+                                </p:cTn>
+                              </p:par>
+                            </p:childTnLst>
+                          </p:cTn>
+                        </p:par>
+                      </p:childTnLst>
+                    </p:cTn>
+                  </p:par>
+                  <p:par>
+                    <p:cTn id="7" fill="hold">
+                      <p:stCondLst>
+                        <p:cond delay="indefinite"/>
+                      </p:stCondLst>
+                      <p:childTnLst>
+                        <p:par>
+                          <p:cTn id="8" fill="hold">
+                            <p:stCondLst>
+                              <p:cond delay="0"/>
+                            </p:stCondLst>
+                            <p:childTnLst>
+                              <p:par>
+                                <p:cTn id="9" presetID="1" presetClass="entr" presetSubtype="0" fill="hold" nodeType="clickEffect">
+                                  <p:stCondLst>
+                                    <p:cond delay="0"/>
+                                  </p:stCondLst>
+                                  <p:childTnLst>
+                                    <p:set>
+                                      <p:cBhvr>
+                                        <p:cTn id="10" dur="1" fill="hold">
+                                          <p:stCondLst>
+                                            <p:cond delay="0"/>
+                                          </p:stCondLst>
+                                        </p:cTn>
+                                        <p:tgtEl>
+                                          <p:spTgt spid="5">
+                                            <p:txEl>
+                                              <p:pRg st="2" end="2"/>
+                                            </p:txEl>
+                                          </p:spTgt>
+                                        </p:tgtEl>
+                                        <p:attrNameLst>
+                                          <p:attrName>style.visibility</p:attrName>
+                                        </p:attrNameLst>
+                                      </p:cBhvr>
+                                      <p:to>
+                                        <p:strVal val="visible"/>
+                                      </p:to>
+                                    </p:set>
+                                  </p:childTnLst>
+                                </p:cTn>
+                              </p:par>
+                            </p:childTnLst>
+                          </p:cTn>
+                        </p:par>
+                      </p:childTnLst>
+                    </p:cTn>
+                  </p:par>
+                  <p:par>
+                    <p:cTn id="11" fill="hold">
+                      <p:stCondLst>
+                        <p:cond delay="indefinite"/>
+                      </p:stCondLst>
+                      <p:childTnLst>
+                        <p:par>
+                          <p:cTn id="12" fill="hold">
+                            <p:stCondLst>
+                              <p:cond delay="0"/>
+                            </p:stCondLst>
+                            <p:childTnLst>
+                              <p:par>
+                                <p:cTn id="13" presetID="1" presetClass="entr" presetSubtype="0" fill="hold" grpId="0" nodeType="clickEffect">
+                                  <p:stCondLst>
+                                    <p:cond delay="0"/>
+                                  </p:stCondLst>
+                                  <p:childTnLst>
+                                    <p:set>
+                                      <p:cBhvr>
+                                        <p:cTn id="14" dur="1" fill="hold">
+                                          <p:stCondLst>
+                                            <p:cond delay="0"/>
+                                          </p:stCondLst>
+                                        </p:cTn>
+                                        <p:tgtEl>
+                                          <p:spTgt spid="10"/>
+                                        </p:tgtEl>
+                                        <p:attrNameLst>
+                                          <p:attrName>style.visibility</p:attrName>
+                                        </p:attrNameLst>
+                                      </p:cBhvr>
+                                      <p:to>
+                                        <p:strVal val="visible"/>
+                                      </p:to>
+                                    </p:set>
+                                  </p:childTnLst>
+                                </p:cTn>
+                              </p:par>
+                            </p:childTnLst>
+                          </p:cTn>
+                        </p:par>
+                      </p:childTnLst>
+                    </p:cTn>
+                  </p:par>
+                </p:childTnLst>
+              </p:cTn>
+              <p:prevCondLst>
+                <p:cond evt="onPrev" delay="0">
+                  <p:tgtEl>
+                    <p:sldTgt/>
+                  </p:tgtEl>
+                </p:cond>
+              </p:prevCondLst>
+              <p:nextCondLst>
+                <p:cond evt="onNext" delay="0">
+                  <p:tgtEl>
+                    <p:sldTgt/>
+                  </p:tgtEl>
+                </p:cond>
+              </p:nextCondLst>
+            </p:seq>
+          </p:childTnLst>
+        </p:cTn>
+      </p:par>
+    </p:tnLst>
+    <p:bldLst>
+      <p:bldP spid="6" grpId="0" animBg="1"/>
+      <p:bldP spid="10" grpId="0" animBg="1"/>
+    </p:bldLst>
+  </p:timing>
+</p:sld>
+</file>
+
+<file path=ppt/slides/slide17.xml><?xml version="1.0" encoding="utf-8"?>
+<p:sld xmlns:a="http://schemas.openxmlformats.org/drawingml/2006/main" xmlns:r="http://schemas.openxmlformats.org/officeDocument/2006/relationships" xmlns:p="http://schemas.openxmlformats.org/presentationml/2006/main">
+  <p:cSld>
+    <p:spTree>
+      <p:nvGrpSpPr>
+        <p:cNvPr id="1" name="">
+          <a:extLst>
+            <a:ext uri="{FF2B5EF4-FFF2-40B4-BE49-F238E27FC236}">
+              <a16:creationId xmlns:a16="http://schemas.microsoft.com/office/drawing/2014/main" id="{C85902D4-796E-17CC-DA8C-566197CF8812}"/>
+            </a:ext>
+          </a:extLst>
+        </p:cNvPr>
+        <p:cNvGrpSpPr/>
+        <p:nvPr/>
+      </p:nvGrpSpPr>
+      <p:grpSpPr>
+        <a:xfrm>
+          <a:off x="0" y="0"/>
+          <a:ext cx="0" cy="0"/>
+          <a:chOff x="0" y="0"/>
+          <a:chExt cx="0" cy="0"/>
+        </a:xfrm>
+      </p:grpSpPr>
+      <p:sp>
+        <p:nvSpPr>
+          <p:cNvPr id="2" name="Slide Number Placeholder 1">
+            <a:extLst>
+              <a:ext uri="{FF2B5EF4-FFF2-40B4-BE49-F238E27FC236}">
+                <a16:creationId xmlns:a16="http://schemas.microsoft.com/office/drawing/2014/main" id="{DB99543B-07D5-B9F7-7142-E5E0CBCE2CB2}"/>
+              </a:ext>
+            </a:extLst>
+          </p:cNvPr>
+          <p:cNvSpPr>
+            <a:spLocks noGrp="1"/>
+          </p:cNvSpPr>
+          <p:nvPr>
+            <p:ph type="sldNum" sz="quarter" idx="5"/>
+          </p:nvPr>
+        </p:nvSpPr>
+        <p:spPr/>
+        <p:txBody>
+          <a:bodyPr/>
+          <a:lstStyle/>
+          <a:p>
+            <a:fld id="{2BF067CD-8E6B-4360-9AA8-C5DF2A48A6D1}" type="slidenum">
+              <a:rPr lang="en-US" noProof="0" smtClean="0"/>
+              <a:pPr/>
+              <a:t>17</a:t>
+            </a:fld>
+            <a:endParaRPr lang="en-US" noProof="0" dirty="0"/>
+          </a:p>
+        </p:txBody>
+      </p:sp>
+      <p:sp>
+        <p:nvSpPr>
+          <p:cNvPr id="3" name="Text Placeholder 2">
+            <a:extLst>
+              <a:ext uri="{FF2B5EF4-FFF2-40B4-BE49-F238E27FC236}">
+                <a16:creationId xmlns:a16="http://schemas.microsoft.com/office/drawing/2014/main" id="{5AA80035-5DAE-66E7-C8B7-5C920D98D0AA}"/>
+              </a:ext>
+            </a:extLst>
+          </p:cNvPr>
+          <p:cNvSpPr>
+            <a:spLocks noGrp="1"/>
+          </p:cNvSpPr>
+          <p:nvPr>
+            <p:ph type="body" sz="quarter" idx="10"/>
+          </p:nvPr>
+        </p:nvSpPr>
+        <p:spPr/>
+        <p:txBody>
+          <a:bodyPr/>
+          <a:lstStyle/>
+          <a:p>
+            <a:r>
+              <a:rPr lang="bg-BG" dirty="0"/>
+              <a:t>Отворете </a:t>
+            </a:r>
+            <a:r>
+              <a:rPr lang="bg-BG" b="1" dirty="0"/>
+              <a:t>файла</a:t>
+            </a:r>
+            <a:r>
+              <a:rPr lang="bg-BG" dirty="0"/>
+              <a:t> </a:t>
+            </a:r>
+            <a:r>
+              <a:rPr lang="en-GB" b="1" dirty="0">
+                <a:solidFill>
+                  <a:schemeClr val="bg1"/>
+                </a:solidFill>
+              </a:rPr>
+              <a:t>size.py</a:t>
+            </a:r>
+            <a:r>
+              <a:rPr lang="bg-BG" b="1" dirty="0">
+                <a:solidFill>
+                  <a:schemeClr val="bg1"/>
+                </a:solidFill>
+              </a:rPr>
+              <a:t> </a:t>
+            </a:r>
+            <a:r>
+              <a:rPr lang="bg-BG" dirty="0"/>
+              <a:t>от </a:t>
+            </a:r>
+            <a:r>
+              <a:rPr lang="bg-BG" b="1" dirty="0"/>
+              <a:t>папката </a:t>
+            </a:r>
+            <a:r>
+              <a:rPr lang="en-GB" b="1" dirty="0">
+                <a:solidFill>
+                  <a:schemeClr val="bg1"/>
+                </a:solidFill>
+              </a:rPr>
+              <a:t>Resources</a:t>
+            </a:r>
+          </a:p>
+          <a:p>
+            <a:r>
+              <a:rPr lang="bg-BG" b="1" dirty="0"/>
+              <a:t>Разгледайте</a:t>
+            </a:r>
+            <a:r>
+              <a:rPr lang="bg-BG" dirty="0"/>
+              <a:t> кода и </a:t>
+            </a:r>
+            <a:r>
+              <a:rPr lang="bg-BG" b="1" dirty="0"/>
+              <a:t>изпълнете</a:t>
+            </a:r>
+            <a:r>
+              <a:rPr lang="bg-BG" dirty="0"/>
+              <a:t> програмата</a:t>
+            </a:r>
+            <a:endParaRPr lang="en-GB" dirty="0"/>
+          </a:p>
+        </p:txBody>
+      </p:sp>
+      <p:sp>
+        <p:nvSpPr>
+          <p:cNvPr id="4" name="Title 3">
+            <a:extLst>
+              <a:ext uri="{FF2B5EF4-FFF2-40B4-BE49-F238E27FC236}">
+                <a16:creationId xmlns:a16="http://schemas.microsoft.com/office/drawing/2014/main" id="{343ABACD-EFD2-197F-5413-E611B12939F6}"/>
+              </a:ext>
+            </a:extLst>
+          </p:cNvPr>
+          <p:cNvSpPr>
+            <a:spLocks noGrp="1"/>
+          </p:cNvSpPr>
+          <p:nvPr>
+            <p:ph type="title"/>
+          </p:nvPr>
+        </p:nvSpPr>
+        <p:spPr/>
+        <p:txBody>
+          <a:bodyPr/>
+          <a:lstStyle/>
+          <a:p>
+            <a:r>
+              <a:rPr lang="bg-BG" dirty="0"/>
+              <a:t>Размер на героя – демо</a:t>
+            </a:r>
+            <a:endParaRPr lang="en-GB" dirty="0"/>
+          </a:p>
+        </p:txBody>
+      </p:sp>
+      <p:pic>
+        <p:nvPicPr>
+          <p:cNvPr id="6" name="Picture 5">
+            <a:extLst>
+              <a:ext uri="{FF2B5EF4-FFF2-40B4-BE49-F238E27FC236}">
+                <a16:creationId xmlns:a16="http://schemas.microsoft.com/office/drawing/2014/main" id="{74378ECB-2050-DC69-4DB1-3EB92B7E8B54}"/>
+              </a:ext>
+            </a:extLst>
+          </p:cNvPr>
+          <p:cNvPicPr>
+            <a:picLocks noChangeAspect="1"/>
+          </p:cNvPicPr>
+          <p:nvPr/>
+        </p:nvPicPr>
+        <p:blipFill>
+          <a:blip r:embed="rId2">
+            <a:extLst>
+              <a:ext uri="{28A0092B-C50C-407E-A947-70E740481C1C}">
+                <a14:useLocalDpi xmlns:a14="http://schemas.microsoft.com/office/drawing/2010/main" val="0"/>
+              </a:ext>
+            </a:extLst>
+          </a:blip>
+          <a:srcRect l="262" r="262"/>
+          <a:stretch/>
+        </p:blipFill>
+        <p:spPr>
+          <a:xfrm>
+            <a:off x="3036000" y="2657004"/>
+            <a:ext cx="6120000" cy="3998496"/>
+          </a:xfrm>
+          <a:prstGeom prst="rect">
+            <a:avLst/>
+          </a:prstGeom>
+          <a:ln>
+            <a:solidFill>
+              <a:schemeClr val="bg2">
+                <a:lumMod val="75000"/>
+              </a:schemeClr>
+            </a:solidFill>
+          </a:ln>
+        </p:spPr>
+      </p:pic>
+    </p:spTree>
+    <p:extLst>
+      <p:ext uri="{BB962C8B-B14F-4D97-AF65-F5344CB8AC3E}">
+        <p14:creationId xmlns:p14="http://schemas.microsoft.com/office/powerpoint/2010/main" val="99600528"/>
+      </p:ext>
+    </p:extLst>
+  </p:cSld>
+  <p:clrMapOvr>
+    <a:masterClrMapping/>
+  </p:clrMapOvr>
+  <mc:AlternateContent xmlns:mc="http://schemas.openxmlformats.org/markup-compatibility/2006" xmlns:p14="http://schemas.microsoft.com/office/powerpoint/2010/main">
+    <mc:Choice Requires="p14">
+      <p:transition spd="slow" p14:dur="2000" advClick="0" advTm="5000"/>
+    </mc:Choice>
+    <mc:Fallback xmlns="">
+      <p:transition spd="slow" advClick="0" advTm="5000"/>
+    </mc:Fallback>
+  </mc:AlternateContent>
+  <p:timing>
+    <p:tnLst>
+      <p:par>
+        <p:cTn id="1" dur="indefinite" restart="never" nodeType="tmRoot">
+          <p:childTnLst>
+            <p:seq concurrent="1" nextAc="seek">
+              <p:cTn id="2" dur="indefinite" nodeType="mainSeq">
+                <p:childTnLst>
+                  <p:par>
+                    <p:cTn id="3" fill="hold">
+                      <p:stCondLst>
+                        <p:cond delay="indefinite"/>
+                      </p:stCondLst>
+                      <p:childTnLst>
+                        <p:par>
+                          <p:cTn id="4" fill="hold">
+                            <p:stCondLst>
+                              <p:cond delay="0"/>
+                            </p:stCondLst>
+                            <p:childTnLst>
+                              <p:par>
+                                <p:cTn id="5" presetID="1" presetClass="entr" presetSubtype="0" fill="hold" nodeType="clickEffect">
+                                  <p:stCondLst>
+                                    <p:cond delay="0"/>
+                                  </p:stCondLst>
+                                  <p:childTnLst>
+                                    <p:set>
+                                      <p:cBhvr>
+                                        <p:cTn id="6" dur="1" fill="hold">
+                                          <p:stCondLst>
+                                            <p:cond delay="0"/>
+                                          </p:stCondLst>
+                                        </p:cTn>
+                                        <p:tgtEl>
+                                          <p:spTgt spid="3">
+                                            <p:txEl>
+                                              <p:pRg st="1" end="1"/>
+                                            </p:txEl>
+                                          </p:spTgt>
+                                        </p:tgtEl>
+                                        <p:attrNameLst>
+                                          <p:attrName>style.visibility</p:attrName>
+                                        </p:attrNameLst>
+                                      </p:cBhvr>
+                                      <p:to>
+                                        <p:strVal val="visible"/>
+                                      </p:to>
+                                    </p:set>
+                                  </p:childTnLst>
+                                </p:cTn>
+                              </p:par>
+                            </p:childTnLst>
+                          </p:cTn>
+                        </p:par>
+                      </p:childTnLst>
+                    </p:cTn>
+                  </p:par>
+                  <p:par>
+                    <p:cTn id="7" fill="hold">
+                      <p:stCondLst>
+                        <p:cond delay="indefinite"/>
+                      </p:stCondLst>
+                      <p:childTnLst>
+                        <p:par>
+                          <p:cTn id="8" fill="hold">
+                            <p:stCondLst>
+                              <p:cond delay="0"/>
+                            </p:stCondLst>
+                            <p:childTnLst>
+                              <p:par>
+                                <p:cTn id="9" presetID="1" presetClass="entr" presetSubtype="0" fill="hold" nodeType="clickEffect">
+                                  <p:stCondLst>
+                                    <p:cond delay="0"/>
+                                  </p:stCondLst>
+                                  <p:childTnLst>
+                                    <p:set>
+                                      <p:cBhvr>
+                                        <p:cTn id="10" dur="1" fill="hold">
+                                          <p:stCondLst>
+                                            <p:cond delay="0"/>
+                                          </p:stCondLst>
+                                        </p:cTn>
+                                        <p:tgtEl>
+                                          <p:spTgt spid="6"/>
+                                        </p:tgtEl>
+                                        <p:attrNameLst>
+                                          <p:attrName>style.visibility</p:attrName>
+                                        </p:attrNameLst>
+                                      </p:cBhvr>
+                                      <p:to>
+                                        <p:strVal val="visible"/>
+                                      </p:to>
+                                    </p:set>
+                                  </p:childTnLst>
+                                </p:cTn>
+                              </p:par>
+                            </p:childTnLst>
+                          </p:cTn>
+                        </p:par>
+                      </p:childTnLst>
+                    </p:cTn>
+                  </p:par>
+                </p:childTnLst>
+              </p:cTn>
+              <p:prevCondLst>
+                <p:cond evt="onPrev" delay="0">
+                  <p:tgtEl>
+                    <p:sldTgt/>
+                  </p:tgtEl>
+                </p:cond>
+              </p:prevCondLst>
+              <p:nextCondLst>
+                <p:cond evt="onNext" delay="0">
+                  <p:tgtEl>
+                    <p:sldTgt/>
+                  </p:tgtEl>
+                </p:cond>
+              </p:nextCondLst>
+            </p:seq>
+          </p:childTnLst>
+        </p:cTn>
+      </p:par>
+    </p:tnLst>
+  </p:timing>
+</p:sld>
+</file>
+
+<file path=ppt/slides/slide18.xml><?xml version="1.0" encoding="utf-8"?>
 <p:sld xmlns:a="http://schemas.openxmlformats.org/drawingml/2006/main" xmlns:r="http://schemas.openxmlformats.org/officeDocument/2006/relationships" xmlns:p="http://schemas.openxmlformats.org/presentationml/2006/main">
   <p:cSld>
     <p:spTree>
@@ -8255,7 +11352,7 @@
             <a:fld id="{C014DD1E-5D91-48A3-AD6D-45FBA980D106}" type="slidenum">
               <a:rPr lang="en-US" smtClean="0"/>
               <a:pPr/>
-              <a:t>12</a:t>
+              <a:t>18</a:t>
             </a:fld>
             <a:endParaRPr lang="en-US" dirty="0"/>
           </a:p>
@@ -8661,7 +11758,49 @@
               </a:buClr>
             </a:pPr>
             <a:r>
-              <a:rPr lang="en-GB" sz="2800" b="1" dirty="0">
+              <a:rPr lang="bg-BG" sz="2800" b="1" dirty="0">
+                <a:solidFill>
+                  <a:schemeClr val="bg2"/>
+                </a:solidFill>
+              </a:rPr>
+              <a:t>Създаване</a:t>
+            </a:r>
+            <a:r>
+              <a:rPr lang="bg-BG" sz="2800" dirty="0">
+                <a:solidFill>
+                  <a:schemeClr val="bg2"/>
+                </a:solidFill>
+              </a:rPr>
+              <a:t> на герой</a:t>
+            </a:r>
+          </a:p>
+          <a:p>
+            <a:pPr marL="989631" lvl="1" indent="-456565">
+              <a:lnSpc>
+                <a:spcPct val="100000"/>
+              </a:lnSpc>
+              <a:buClr>
+                <a:schemeClr val="bg2"/>
+              </a:buClr>
+            </a:pPr>
+            <a:r>
+              <a:rPr lang="en-GB" sz="2800" dirty="0">
+                <a:solidFill>
+                  <a:schemeClr val="bg2"/>
+                </a:solidFill>
+              </a:rPr>
+              <a:t>my_turtle</a:t>
+            </a:r>
+            <a:r>
+              <a:rPr lang="en-US" sz="2800" dirty="0">
+                <a:solidFill>
+                  <a:schemeClr val="bg2"/>
+                </a:solidFill>
+              </a:rPr>
+              <a:t> = </a:t>
+            </a:r>
+            <a:r>
+              <a:rPr lang="en-US" sz="2800" b="1" dirty="0">
                 <a:solidFill>
                   <a:schemeClr val="accent1">
                     <a:lumMod val="60000"/>
@@ -8669,11 +11808,313 @@
                   </a:schemeClr>
                 </a:solidFill>
               </a:rPr>
-              <a:t>TODO</a:t>
-            </a:r>
-            <a:endParaRPr lang="ru-RU" sz="2800" dirty="0">
+              <a:t>Turtle()</a:t>
+            </a:r>
+            <a:endParaRPr lang="bg-BG" sz="2800" b="1" dirty="0">
+              <a:solidFill>
+                <a:schemeClr val="accent1">
+                  <a:lumMod val="60000"/>
+                  <a:lumOff val="40000"/>
+                </a:schemeClr>
+              </a:solidFill>
+            </a:endParaRPr>
+          </a:p>
+          <a:p>
+            <a:pPr marL="456565" indent="-456565">
+              <a:lnSpc>
+                <a:spcPct val="100000"/>
+              </a:lnSpc>
+              <a:buClr>
+                <a:schemeClr val="bg2"/>
+              </a:buClr>
+            </a:pPr>
+            <a:r>
+              <a:rPr lang="bg-BG" sz="2800" b="1" dirty="0">
+                <a:solidFill>
+                  <a:schemeClr val="bg2"/>
+                </a:solidFill>
+              </a:rPr>
+              <a:t>Задаване</a:t>
+            </a:r>
+            <a:r>
+              <a:rPr lang="bg-BG" sz="2800" dirty="0">
+                <a:solidFill>
+                  <a:schemeClr val="bg2"/>
+                </a:solidFill>
+              </a:rPr>
+              <a:t> на </a:t>
+            </a:r>
+            <a:r>
+              <a:rPr lang="bg-BG" sz="2800" b="1" dirty="0">
+                <a:solidFill>
+                  <a:schemeClr val="bg2"/>
+                </a:solidFill>
+              </a:rPr>
+              <a:t>костюм</a:t>
+            </a:r>
+          </a:p>
+          <a:p>
+            <a:pPr marL="989631" lvl="1" indent="-456565">
+              <a:lnSpc>
+                <a:spcPct val="100000"/>
+              </a:lnSpc>
+              <a:buClr>
+                <a:schemeClr val="bg2"/>
+              </a:buClr>
+            </a:pPr>
+            <a:r>
+              <a:rPr lang="en-GB" sz="2800" dirty="0">
+                <a:solidFill>
+                  <a:schemeClr val="bg2"/>
+                </a:solidFill>
+              </a:rPr>
+              <a:t>my_turtle.</a:t>
+            </a:r>
+            <a:r>
+              <a:rPr lang="en-GB" sz="2800" b="1" dirty="0">
+                <a:solidFill>
+                  <a:schemeClr val="accent1">
+                    <a:lumMod val="60000"/>
+                    <a:lumOff val="40000"/>
+                  </a:schemeClr>
+                </a:solidFill>
+              </a:rPr>
+              <a:t>shape(</a:t>
+            </a:r>
+            <a:r>
+              <a:rPr lang="en-GB" sz="2800" dirty="0">
+                <a:solidFill>
+                  <a:schemeClr val="bg2"/>
+                </a:solidFill>
+              </a:rPr>
+              <a:t>"</a:t>
+            </a:r>
+            <a:r>
+              <a:rPr lang="bg-BG" sz="2800" dirty="0">
+                <a:solidFill>
+                  <a:schemeClr val="bg2"/>
+                </a:solidFill>
+              </a:rPr>
+              <a:t>име на костюма</a:t>
+            </a:r>
+            <a:r>
+              <a:rPr lang="en-GB" sz="2800" dirty="0">
+                <a:solidFill>
+                  <a:schemeClr val="bg2"/>
+                </a:solidFill>
+              </a:rPr>
+              <a:t>"</a:t>
+            </a:r>
+            <a:r>
+              <a:rPr lang="en-GB" sz="2800" b="1" dirty="0">
+                <a:solidFill>
+                  <a:schemeClr val="accent1">
+                    <a:lumMod val="60000"/>
+                    <a:lumOff val="40000"/>
+                  </a:schemeClr>
+                </a:solidFill>
+              </a:rPr>
+              <a:t>)</a:t>
+            </a:r>
+          </a:p>
+          <a:p>
+            <a:pPr marL="456565" indent="-456565">
+              <a:lnSpc>
+                <a:spcPct val="100000"/>
+              </a:lnSpc>
+              <a:buClr>
+                <a:schemeClr val="bg2"/>
+              </a:buClr>
+            </a:pPr>
+            <a:r>
+              <a:rPr lang="bg-BG" sz="2800" b="1" dirty="0">
+                <a:solidFill>
+                  <a:schemeClr val="bg2"/>
+                </a:solidFill>
+              </a:rPr>
+              <a:t>Задаване</a:t>
+            </a:r>
+            <a:r>
+              <a:rPr lang="bg-BG" sz="2800" dirty="0">
+                <a:solidFill>
+                  <a:schemeClr val="bg2"/>
+                </a:solidFill>
+              </a:rPr>
+              <a:t> на </a:t>
+            </a:r>
+            <a:r>
+              <a:rPr lang="bg-BG" sz="2800" b="1" dirty="0">
+                <a:solidFill>
+                  <a:schemeClr val="bg2"/>
+                </a:solidFill>
+              </a:rPr>
+              <a:t>цвят</a:t>
+            </a:r>
+          </a:p>
+          <a:p>
+            <a:pPr marL="989631" lvl="1" indent="-456565">
+              <a:lnSpc>
+                <a:spcPct val="100000"/>
+              </a:lnSpc>
+              <a:buClr>
+                <a:schemeClr val="bg2"/>
+              </a:buClr>
+            </a:pPr>
+            <a:r>
+              <a:rPr lang="en-GB" sz="2800" dirty="0">
+                <a:solidFill>
+                  <a:schemeClr val="bg2"/>
+                </a:solidFill>
+              </a:rPr>
+              <a:t>my_turtle.</a:t>
+            </a:r>
+            <a:r>
+              <a:rPr lang="en-GB" sz="2800" b="1" dirty="0">
+                <a:solidFill>
+                  <a:schemeClr val="accent1">
+                    <a:lumMod val="60000"/>
+                    <a:lumOff val="40000"/>
+                  </a:schemeClr>
+                </a:solidFill>
+              </a:rPr>
+              <a:t>color(</a:t>
+            </a:r>
+            <a:r>
+              <a:rPr lang="en-GB" sz="2800" dirty="0">
+                <a:solidFill>
+                  <a:schemeClr val="bg2"/>
+                </a:solidFill>
+              </a:rPr>
+              <a:t>"</a:t>
+            </a:r>
+            <a:r>
+              <a:rPr lang="bg-BG" sz="2800" dirty="0">
+                <a:solidFill>
+                  <a:schemeClr val="bg2"/>
+                </a:solidFill>
+              </a:rPr>
+              <a:t>цвят</a:t>
+            </a:r>
+            <a:r>
+              <a:rPr lang="en-GB" sz="2800" dirty="0">
+                <a:solidFill>
+                  <a:schemeClr val="bg2"/>
+                </a:solidFill>
+              </a:rPr>
+              <a:t>"</a:t>
+            </a:r>
+            <a:r>
+              <a:rPr lang="en-GB" sz="2800" b="1" dirty="0">
+                <a:solidFill>
+                  <a:schemeClr val="accent1">
+                    <a:lumMod val="60000"/>
+                    <a:lumOff val="40000"/>
+                  </a:schemeClr>
+                </a:solidFill>
+              </a:rPr>
+              <a:t>)</a:t>
+            </a:r>
+            <a:endParaRPr lang="bg-BG" sz="2800" b="1" dirty="0">
+              <a:solidFill>
+                <a:schemeClr val="accent1">
+                  <a:lumMod val="60000"/>
+                  <a:lumOff val="40000"/>
+                </a:schemeClr>
+              </a:solidFill>
+            </a:endParaRPr>
+          </a:p>
+          <a:p>
+            <a:pPr marL="456565" indent="-456565">
+              <a:lnSpc>
+                <a:spcPct val="100000"/>
+              </a:lnSpc>
+              <a:buClr>
+                <a:schemeClr val="bg2"/>
+              </a:buClr>
+            </a:pPr>
+            <a:r>
+              <a:rPr lang="bg-BG" sz="2800" b="1" dirty="0">
+                <a:solidFill>
+                  <a:schemeClr val="bg2"/>
+                </a:solidFill>
+              </a:rPr>
+              <a:t>Задаване</a:t>
+            </a:r>
+            <a:r>
+              <a:rPr lang="bg-BG" sz="2800" dirty="0">
+                <a:solidFill>
+                  <a:schemeClr val="bg2"/>
+                </a:solidFill>
+              </a:rPr>
+              <a:t> на </a:t>
+            </a:r>
+            <a:r>
+              <a:rPr lang="bg-BG" sz="2800" b="1" dirty="0">
+                <a:solidFill>
+                  <a:schemeClr val="bg2"/>
+                </a:solidFill>
+              </a:rPr>
+              <a:t>размер</a:t>
+            </a:r>
+            <a:endParaRPr lang="en-GB" sz="2800" b="1" dirty="0">
               <a:solidFill>
                 <a:schemeClr val="bg2"/>
+              </a:solidFill>
+            </a:endParaRPr>
+          </a:p>
+          <a:p>
+            <a:pPr marL="989631" lvl="1" indent="-456565">
+              <a:lnSpc>
+                <a:spcPct val="100000"/>
+              </a:lnSpc>
+              <a:buClr>
+                <a:schemeClr val="bg2"/>
+              </a:buClr>
+            </a:pPr>
+            <a:r>
+              <a:rPr lang="en-GB" sz="2800" dirty="0">
+                <a:solidFill>
+                  <a:schemeClr val="bg2"/>
+                </a:solidFill>
+              </a:rPr>
+              <a:t>my_turtle.</a:t>
+            </a:r>
+            <a:r>
+              <a:rPr lang="en-GB" sz="2800" b="1" dirty="0">
+                <a:solidFill>
+                  <a:schemeClr val="accent1">
+                    <a:lumMod val="60000"/>
+                    <a:lumOff val="40000"/>
+                  </a:schemeClr>
+                </a:solidFill>
+              </a:rPr>
+              <a:t>shapesize(</a:t>
+            </a:r>
+            <a:r>
+              <a:rPr lang="bg-BG" sz="2800" dirty="0">
+                <a:solidFill>
+                  <a:schemeClr val="bg2"/>
+                </a:solidFill>
+              </a:rPr>
+              <a:t>широчина, дължина, дебелина</a:t>
+            </a:r>
+            <a:r>
+              <a:rPr lang="en-GB" sz="2800" b="1" dirty="0">
+                <a:solidFill>
+                  <a:schemeClr val="accent1">
+                    <a:lumMod val="60000"/>
+                    <a:lumOff val="40000"/>
+                  </a:schemeClr>
+                </a:solidFill>
+              </a:rPr>
+              <a:t>)</a:t>
+            </a:r>
+            <a:endParaRPr lang="en-US" sz="2800" b="1" dirty="0">
+              <a:solidFill>
+                <a:schemeClr val="accent1">
+                  <a:lumMod val="60000"/>
+                  <a:lumOff val="40000"/>
+                </a:schemeClr>
               </a:solidFill>
             </a:endParaRPr>
           </a:p>
@@ -8697,10 +12138,383 @@
       <p:transition spd="slow" advClick="0" advTm="5000"/>
     </mc:Fallback>
   </mc:AlternateContent>
+  <p:timing>
+    <p:tnLst>
+      <p:par>
+        <p:cTn id="1" dur="indefinite" restart="never" nodeType="tmRoot">
+          <p:childTnLst>
+            <p:seq concurrent="1" nextAc="seek">
+              <p:cTn id="2" dur="indefinite" nodeType="mainSeq">
+                <p:childTnLst>
+                  <p:par>
+                    <p:cTn id="3" fill="hold">
+                      <p:stCondLst>
+                        <p:cond delay="indefinite"/>
+                      </p:stCondLst>
+                      <p:childTnLst>
+                        <p:par>
+                          <p:cTn id="4" fill="hold">
+                            <p:stCondLst>
+                              <p:cond delay="0"/>
+                            </p:stCondLst>
+                            <p:childTnLst>
+                              <p:par>
+                                <p:cTn id="5" presetID="1" presetClass="entr" presetSubtype="0" fill="hold" nodeType="clickEffect">
+                                  <p:stCondLst>
+                                    <p:cond delay="0"/>
+                                  </p:stCondLst>
+                                  <p:childTnLst>
+                                    <p:set>
+                                      <p:cBhvr>
+                                        <p:cTn id="6" dur="1" fill="hold">
+                                          <p:stCondLst>
+                                            <p:cond delay="0"/>
+                                          </p:stCondLst>
+                                        </p:cTn>
+                                        <p:tgtEl>
+                                          <p:spTgt spid="15">
+                                            <p:txEl>
+                                              <p:pRg st="1" end="1"/>
+                                            </p:txEl>
+                                          </p:spTgt>
+                                        </p:tgtEl>
+                                        <p:attrNameLst>
+                                          <p:attrName>style.visibility</p:attrName>
+                                        </p:attrNameLst>
+                                      </p:cBhvr>
+                                      <p:to>
+                                        <p:strVal val="visible"/>
+                                      </p:to>
+                                    </p:set>
+                                  </p:childTnLst>
+                                </p:cTn>
+                              </p:par>
+                            </p:childTnLst>
+                          </p:cTn>
+                        </p:par>
+                      </p:childTnLst>
+                    </p:cTn>
+                  </p:par>
+                  <p:par>
+                    <p:cTn id="7" fill="hold">
+                      <p:stCondLst>
+                        <p:cond delay="indefinite"/>
+                      </p:stCondLst>
+                      <p:childTnLst>
+                        <p:par>
+                          <p:cTn id="8" fill="hold">
+                            <p:stCondLst>
+                              <p:cond delay="0"/>
+                            </p:stCondLst>
+                            <p:childTnLst>
+                              <p:par>
+                                <p:cTn id="9" presetID="1" presetClass="entr" presetSubtype="0" fill="hold" nodeType="clickEffect">
+                                  <p:stCondLst>
+                                    <p:cond delay="0"/>
+                                  </p:stCondLst>
+                                  <p:childTnLst>
+                                    <p:set>
+                                      <p:cBhvr>
+                                        <p:cTn id="10" dur="1" fill="hold">
+                                          <p:stCondLst>
+                                            <p:cond delay="0"/>
+                                          </p:stCondLst>
+                                        </p:cTn>
+                                        <p:tgtEl>
+                                          <p:spTgt spid="15">
+                                            <p:txEl>
+                                              <p:pRg st="2" end="2"/>
+                                            </p:txEl>
+                                          </p:spTgt>
+                                        </p:tgtEl>
+                                        <p:attrNameLst>
+                                          <p:attrName>style.visibility</p:attrName>
+                                        </p:attrNameLst>
+                                      </p:cBhvr>
+                                      <p:to>
+                                        <p:strVal val="visible"/>
+                                      </p:to>
+                                    </p:set>
+                                  </p:childTnLst>
+                                </p:cTn>
+                              </p:par>
+                            </p:childTnLst>
+                          </p:cTn>
+                        </p:par>
+                      </p:childTnLst>
+                    </p:cTn>
+                  </p:par>
+                  <p:par>
+                    <p:cTn id="11" fill="hold">
+                      <p:stCondLst>
+                        <p:cond delay="indefinite"/>
+                      </p:stCondLst>
+                      <p:childTnLst>
+                        <p:par>
+                          <p:cTn id="12" fill="hold">
+                            <p:stCondLst>
+                              <p:cond delay="0"/>
+                            </p:stCondLst>
+                            <p:childTnLst>
+                              <p:par>
+                                <p:cTn id="13" presetID="1" presetClass="entr" presetSubtype="0" fill="hold" nodeType="clickEffect">
+                                  <p:stCondLst>
+                                    <p:cond delay="0"/>
+                                  </p:stCondLst>
+                                  <p:childTnLst>
+                                    <p:set>
+                                      <p:cBhvr>
+                                        <p:cTn id="14" dur="1" fill="hold">
+                                          <p:stCondLst>
+                                            <p:cond delay="0"/>
+                                          </p:stCondLst>
+                                        </p:cTn>
+                                        <p:tgtEl>
+                                          <p:spTgt spid="15">
+                                            <p:txEl>
+                                              <p:pRg st="3" end="3"/>
+                                            </p:txEl>
+                                          </p:spTgt>
+                                        </p:tgtEl>
+                                        <p:attrNameLst>
+                                          <p:attrName>style.visibility</p:attrName>
+                                        </p:attrNameLst>
+                                      </p:cBhvr>
+                                      <p:to>
+                                        <p:strVal val="visible"/>
+                                      </p:to>
+                                    </p:set>
+                                  </p:childTnLst>
+                                </p:cTn>
+                              </p:par>
+                            </p:childTnLst>
+                          </p:cTn>
+                        </p:par>
+                      </p:childTnLst>
+                    </p:cTn>
+                  </p:par>
+                  <p:par>
+                    <p:cTn id="15" fill="hold">
+                      <p:stCondLst>
+                        <p:cond delay="indefinite"/>
+                      </p:stCondLst>
+                      <p:childTnLst>
+                        <p:par>
+                          <p:cTn id="16" fill="hold">
+                            <p:stCondLst>
+                              <p:cond delay="0"/>
+                            </p:stCondLst>
+                            <p:childTnLst>
+                              <p:par>
+                                <p:cTn id="17" presetID="1" presetClass="entr" presetSubtype="0" fill="hold" nodeType="clickEffect">
+                                  <p:stCondLst>
+                                    <p:cond delay="0"/>
+                                  </p:stCondLst>
+                                  <p:childTnLst>
+                                    <p:set>
+                                      <p:cBhvr>
+                                        <p:cTn id="18" dur="1" fill="hold">
+                                          <p:stCondLst>
+                                            <p:cond delay="0"/>
+                                          </p:stCondLst>
+                                        </p:cTn>
+                                        <p:tgtEl>
+                                          <p:spTgt spid="15">
+                                            <p:txEl>
+                                              <p:pRg st="4" end="4"/>
+                                            </p:txEl>
+                                          </p:spTgt>
+                                        </p:tgtEl>
+                                        <p:attrNameLst>
+                                          <p:attrName>style.visibility</p:attrName>
+                                        </p:attrNameLst>
+                                      </p:cBhvr>
+                                      <p:to>
+                                        <p:strVal val="visible"/>
+                                      </p:to>
+                                    </p:set>
+                                  </p:childTnLst>
+                                </p:cTn>
+                              </p:par>
+                            </p:childTnLst>
+                          </p:cTn>
+                        </p:par>
+                      </p:childTnLst>
+                    </p:cTn>
+                  </p:par>
+                  <p:par>
+                    <p:cTn id="19" fill="hold">
+                      <p:stCondLst>
+                        <p:cond delay="indefinite"/>
+                      </p:stCondLst>
+                      <p:childTnLst>
+                        <p:par>
+                          <p:cTn id="20" fill="hold">
+                            <p:stCondLst>
+                              <p:cond delay="0"/>
+                            </p:stCondLst>
+                            <p:childTnLst>
+                              <p:par>
+                                <p:cTn id="21" presetID="1" presetClass="entr" presetSubtype="0" fill="hold" nodeType="clickEffect">
+                                  <p:stCondLst>
+                                    <p:cond delay="0"/>
+                                  </p:stCondLst>
+                                  <p:childTnLst>
+                                    <p:set>
+                                      <p:cBhvr>
+                                        <p:cTn id="22" dur="1" fill="hold">
+                                          <p:stCondLst>
+                                            <p:cond delay="0"/>
+                                          </p:stCondLst>
+                                        </p:cTn>
+                                        <p:tgtEl>
+                                          <p:spTgt spid="15">
+                                            <p:txEl>
+                                              <p:pRg st="5" end="5"/>
+                                            </p:txEl>
+                                          </p:spTgt>
+                                        </p:tgtEl>
+                                        <p:attrNameLst>
+                                          <p:attrName>style.visibility</p:attrName>
+                                        </p:attrNameLst>
+                                      </p:cBhvr>
+                                      <p:to>
+                                        <p:strVal val="visible"/>
+                                      </p:to>
+                                    </p:set>
+                                  </p:childTnLst>
+                                </p:cTn>
+                              </p:par>
+                            </p:childTnLst>
+                          </p:cTn>
+                        </p:par>
+                      </p:childTnLst>
+                    </p:cTn>
+                  </p:par>
+                  <p:par>
+                    <p:cTn id="23" fill="hold">
+                      <p:stCondLst>
+                        <p:cond delay="indefinite"/>
+                      </p:stCondLst>
+                      <p:childTnLst>
+                        <p:par>
+                          <p:cTn id="24" fill="hold">
+                            <p:stCondLst>
+                              <p:cond delay="0"/>
+                            </p:stCondLst>
+                            <p:childTnLst>
+                              <p:par>
+                                <p:cTn id="25" presetID="1" presetClass="entr" presetSubtype="0" fill="hold" nodeType="clickEffect">
+                                  <p:stCondLst>
+                                    <p:cond delay="0"/>
+                                  </p:stCondLst>
+                                  <p:childTnLst>
+                                    <p:set>
+                                      <p:cBhvr>
+                                        <p:cTn id="26" dur="1" fill="hold">
+                                          <p:stCondLst>
+                                            <p:cond delay="0"/>
+                                          </p:stCondLst>
+                                        </p:cTn>
+                                        <p:tgtEl>
+                                          <p:spTgt spid="15">
+                                            <p:txEl>
+                                              <p:pRg st="6" end="6"/>
+                                            </p:txEl>
+                                          </p:spTgt>
+                                        </p:tgtEl>
+                                        <p:attrNameLst>
+                                          <p:attrName>style.visibility</p:attrName>
+                                        </p:attrNameLst>
+                                      </p:cBhvr>
+                                      <p:to>
+                                        <p:strVal val="visible"/>
+                                      </p:to>
+                                    </p:set>
+                                  </p:childTnLst>
+                                </p:cTn>
+                              </p:par>
+                            </p:childTnLst>
+                          </p:cTn>
+                        </p:par>
+                      </p:childTnLst>
+                    </p:cTn>
+                  </p:par>
+                  <p:par>
+                    <p:cTn id="27" fill="hold">
+                      <p:stCondLst>
+                        <p:cond delay="indefinite"/>
+                      </p:stCondLst>
+                      <p:childTnLst>
+                        <p:par>
+                          <p:cTn id="28" fill="hold">
+                            <p:stCondLst>
+                              <p:cond delay="0"/>
+                            </p:stCondLst>
+                            <p:childTnLst>
+                              <p:par>
+                                <p:cTn id="29" presetID="1" presetClass="entr" presetSubtype="0" fill="hold" nodeType="clickEffect">
+                                  <p:stCondLst>
+                                    <p:cond delay="0"/>
+                                  </p:stCondLst>
+                                  <p:childTnLst>
+                                    <p:set>
+                                      <p:cBhvr>
+                                        <p:cTn id="30" dur="1" fill="hold">
+                                          <p:stCondLst>
+                                            <p:cond delay="0"/>
+                                          </p:stCondLst>
+                                        </p:cTn>
+                                        <p:tgtEl>
+                                          <p:spTgt spid="15">
+                                            <p:txEl>
+                                              <p:pRg st="7" end="7"/>
+                                            </p:txEl>
+                                          </p:spTgt>
+                                        </p:tgtEl>
+                                        <p:attrNameLst>
+                                          <p:attrName>style.visibility</p:attrName>
+                                        </p:attrNameLst>
+                                      </p:cBhvr>
+                                      <p:to>
+                                        <p:strVal val="visible"/>
+                                      </p:to>
+                                    </p:set>
+                                  </p:childTnLst>
+                                </p:cTn>
+                              </p:par>
+                            </p:childTnLst>
+                          </p:cTn>
+                        </p:par>
+                      </p:childTnLst>
+                    </p:cTn>
+                  </p:par>
+                </p:childTnLst>
+              </p:cTn>
+              <p:prevCondLst>
+                <p:cond evt="onPrev" delay="0">
+                  <p:tgtEl>
+                    <p:sldTgt/>
+                  </p:tgtEl>
+                </p:cond>
+              </p:prevCondLst>
+              <p:nextCondLst>
+                <p:cond evt="onNext" delay="0">
+                  <p:tgtEl>
+                    <p:sldTgt/>
+                  </p:tgtEl>
+                </p:cond>
+              </p:nextCondLst>
+            </p:seq>
+          </p:childTnLst>
+        </p:cTn>
+      </p:par>
+    </p:tnLst>
+  </p:timing>
 </p:sld>
 </file>
 
-<file path=ppt/slides/slide13.xml><?xml version="1.0" encoding="utf-8"?>
+<file path=ppt/slides/slide19.xml><?xml version="1.0" encoding="utf-8"?>
 <p:sld xmlns:a="http://schemas.openxmlformats.org/drawingml/2006/main" xmlns:r="http://schemas.openxmlformats.org/officeDocument/2006/relationships" xmlns:p="http://schemas.openxmlformats.org/presentationml/2006/main">
   <p:cSld>
     <p:spTree>
@@ -8873,389 +12687,6 @@
     <p:extLst>
       <p:ext uri="{BB962C8B-B14F-4D97-AF65-F5344CB8AC3E}">
         <p14:creationId xmlns:p14="http://schemas.microsoft.com/office/powerpoint/2010/main" val="1472534970"/>
-      </p:ext>
-    </p:extLst>
-  </p:cSld>
-  <p:clrMapOvr>
-    <a:masterClrMapping/>
-  </p:clrMapOvr>
-  <mc:AlternateContent xmlns:mc="http://schemas.openxmlformats.org/markup-compatibility/2006" xmlns:p14="http://schemas.microsoft.com/office/powerpoint/2010/main">
-    <mc:Choice Requires="p14">
-      <p:transition spd="slow" p14:dur="2000" advClick="0" advTm="5000"/>
-    </mc:Choice>
-    <mc:Fallback xmlns="">
-      <p:transition spd="slow" advClick="0" advTm="5000"/>
-    </mc:Fallback>
-  </mc:AlternateContent>
-</p:sld>
-</file>
-
-<file path=ppt/slides/slide14.xml><?xml version="1.0" encoding="utf-8"?>
-<p:sld xmlns:a="http://schemas.openxmlformats.org/drawingml/2006/main" xmlns:r="http://schemas.openxmlformats.org/officeDocument/2006/relationships" xmlns:p="http://schemas.openxmlformats.org/presentationml/2006/main" show="0">
-  <p:cSld>
-    <p:spTree>
-      <p:nvGrpSpPr>
-        <p:cNvPr id="1" name=""/>
-        <p:cNvGrpSpPr/>
-        <p:nvPr/>
-      </p:nvGrpSpPr>
-      <p:grpSpPr>
-        <a:xfrm>
-          <a:off x="0" y="0"/>
-          <a:ext cx="0" cy="0"/>
-          <a:chOff x="0" y="0"/>
-          <a:chExt cx="0" cy="0"/>
-        </a:xfrm>
-      </p:grpSpPr>
-      <p:sp>
-        <p:nvSpPr>
-          <p:cNvPr id="5" name="Slide Number">
-            <a:extLst>
-              <a:ext uri="{FF2B5EF4-FFF2-40B4-BE49-F238E27FC236}">
-                <a16:creationId xmlns:a16="http://schemas.microsoft.com/office/drawing/2014/main" id="{F48C3C93-90A1-4D31-BEA6-B54D1106CE31}"/>
-              </a:ext>
-            </a:extLst>
-          </p:cNvPr>
-          <p:cNvSpPr>
-            <a:spLocks noGrp="1"/>
-          </p:cNvSpPr>
-          <p:nvPr>
-            <p:ph type="sldNum" sz="quarter" idx="5"/>
-          </p:nvPr>
-        </p:nvSpPr>
-        <p:spPr>
-          <a:xfrm>
-            <a:off x="11753030" y="6507000"/>
-            <a:ext cx="367414" cy="297000"/>
-          </a:xfrm>
-          <a:prstGeom prst="rect">
-            <a:avLst/>
-          </a:prstGeom>
-        </p:spPr>
-        <p:txBody>
-          <a:bodyPr vert="horz" lIns="91440" tIns="45720" rIns="91440" bIns="45720" rtlCol="0" anchor="b"/>
-          <a:lstStyle>
-            <a:lvl1pPr algn="r">
-              <a:defRPr sz="1000"/>
-            </a:lvl1pPr>
-          </a:lstStyle>
-          <a:p>
-            <a:fld id="{2BF067CD-8E6B-4360-9AA8-C5DF2A48A6D1}" type="slidenum">
-              <a:rPr lang="en-US" smtClean="0"/>
-              <a:pPr/>
-              <a:t>14</a:t>
-            </a:fld>
-            <a:endParaRPr lang="en-US" dirty="0"/>
-          </a:p>
-        </p:txBody>
-      </p:sp>
-      <p:sp>
-        <p:nvSpPr>
-          <p:cNvPr id="2" name="Slide Body">
-            <a:extLst>
-              <a:ext uri="{FF2B5EF4-FFF2-40B4-BE49-F238E27FC236}">
-                <a16:creationId xmlns:a16="http://schemas.microsoft.com/office/drawing/2014/main" id="{980F49B1-E4BE-4389-A747-7AB9B71AD920}"/>
-              </a:ext>
-            </a:extLst>
-          </p:cNvPr>
-          <p:cNvSpPr>
-            <a:spLocks noGrp="1"/>
-          </p:cNvSpPr>
-          <p:nvPr>
-            <p:ph type="body" sz="quarter" idx="10"/>
-          </p:nvPr>
-        </p:nvSpPr>
-        <p:spPr>
-          <a:xfrm>
-            <a:off x="190402" y="1269001"/>
-            <a:ext cx="9865598" cy="2474999"/>
-          </a:xfrm>
-        </p:spPr>
-        <p:txBody>
-          <a:bodyPr>
-            <a:normAutofit/>
-          </a:bodyPr>
-          <a:lstStyle/>
-          <a:p>
-            <a:pPr>
-              <a:lnSpc>
-                <a:spcPct val="120000"/>
-              </a:lnSpc>
-            </a:pPr>
-            <a:r>
-              <a:rPr lang="bg-BG" sz="3200" dirty="0"/>
-              <a:t>Този курс</a:t>
-            </a:r>
-            <a:r>
-              <a:rPr lang="en-US" sz="3200" dirty="0"/>
-              <a:t> (</a:t>
-            </a:r>
-            <a:r>
-              <a:rPr lang="bg-BG" sz="3200" dirty="0"/>
-              <a:t>презентации, примери, демонстрационен код, упражнения, домашни, видео и други активи</a:t>
-            </a:r>
-            <a:r>
-              <a:rPr lang="en-US" sz="3200" dirty="0"/>
-              <a:t>) </a:t>
-            </a:r>
-            <a:r>
-              <a:rPr lang="bg-BG" sz="3200" dirty="0"/>
-              <a:t>представлява</a:t>
-            </a:r>
-            <a:r>
-              <a:rPr lang="en-US" sz="3200" dirty="0"/>
-              <a:t> </a:t>
-            </a:r>
-            <a:r>
-              <a:rPr lang="bg-BG" sz="3200" b="1" dirty="0"/>
-              <a:t>свободно учебно съдържание </a:t>
-            </a:r>
-            <a:r>
-              <a:rPr lang="bg-BG" sz="3200" dirty="0"/>
-              <a:t>и се разпространява под свободен лиценз </a:t>
-            </a:r>
-            <a:r>
-              <a:rPr lang="en-US" sz="3200" b="1" dirty="0"/>
-              <a:t>CC-BY-NC-SA</a:t>
-            </a:r>
-            <a:endParaRPr lang="bg-BG" sz="3200" dirty="0"/>
-          </a:p>
-        </p:txBody>
-      </p:sp>
-      <p:pic>
-        <p:nvPicPr>
-          <p:cNvPr id="6" name="Picture License" descr="License">
-            <a:extLst>
-              <a:ext uri="{FF2B5EF4-FFF2-40B4-BE49-F238E27FC236}">
-                <a16:creationId xmlns:a16="http://schemas.microsoft.com/office/drawing/2014/main" id="{82BA520F-A037-4E01-AA18-27D9F1E930A6}"/>
-              </a:ext>
-            </a:extLst>
-          </p:cNvPr>
-          <p:cNvPicPr>
-            <a:picLocks noChangeAspect="1"/>
-          </p:cNvPicPr>
-          <p:nvPr/>
-        </p:nvPicPr>
-        <p:blipFill>
-          <a:blip r:embed="rId3">
-            <a:clrChange>
-              <a:clrFrom>
-                <a:srgbClr val="FFFFFF"/>
-              </a:clrFrom>
-              <a:clrTo>
-                <a:srgbClr val="FFFFFF">
-                  <a:alpha val="0"/>
-                </a:srgbClr>
-              </a:clrTo>
-            </a:clrChange>
-          </a:blip>
-          <a:stretch>
-            <a:fillRect/>
-          </a:stretch>
-        </p:blipFill>
-        <p:spPr>
-          <a:xfrm>
-            <a:off x="10226175" y="1440120"/>
-            <a:ext cx="1198986" cy="1268880"/>
-          </a:xfrm>
-          <a:prstGeom prst="rect">
-            <a:avLst/>
-          </a:prstGeom>
-        </p:spPr>
-      </p:pic>
-      <p:sp>
-        <p:nvSpPr>
-          <p:cNvPr id="3" name="Slide Title">
-            <a:extLst>
-              <a:ext uri="{FF2B5EF4-FFF2-40B4-BE49-F238E27FC236}">
-                <a16:creationId xmlns:a16="http://schemas.microsoft.com/office/drawing/2014/main" id="{E5F1FB41-80C3-4816-BC47-CCC50632E6E8}"/>
-              </a:ext>
-            </a:extLst>
-          </p:cNvPr>
-          <p:cNvSpPr>
-            <a:spLocks noGrp="1"/>
-          </p:cNvSpPr>
-          <p:nvPr>
-            <p:ph type="title"/>
-          </p:nvPr>
-        </p:nvSpPr>
-        <p:spPr/>
-        <p:txBody>
-          <a:bodyPr/>
-          <a:lstStyle/>
-          <a:p>
-            <a:r>
-              <a:rPr lang="bg-BG" dirty="0"/>
-              <a:t>Лиценз</a:t>
-            </a:r>
-          </a:p>
-        </p:txBody>
-      </p:sp>
-      <p:sp>
-        <p:nvSpPr>
-          <p:cNvPr id="11" name="TextBox 10">
-            <a:extLst>
-              <a:ext uri="{FF2B5EF4-FFF2-40B4-BE49-F238E27FC236}">
-                <a16:creationId xmlns:a16="http://schemas.microsoft.com/office/drawing/2014/main" id="{0C18DF19-B750-4C88-975B-661A6BF61F5E}"/>
-              </a:ext>
-            </a:extLst>
-          </p:cNvPr>
-          <p:cNvSpPr txBox="1"/>
-          <p:nvPr/>
-        </p:nvSpPr>
-        <p:spPr>
-          <a:xfrm>
-            <a:off x="190401" y="3927519"/>
-            <a:ext cx="11710599" cy="1979644"/>
-          </a:xfrm>
-          <a:prstGeom prst="rect">
-            <a:avLst/>
-          </a:prstGeom>
-          <a:noFill/>
-          <a:ln w="12700">
-            <a:noFill/>
-          </a:ln>
-        </p:spPr>
-        <p:txBody>
-          <a:bodyPr wrap="square">
-            <a:spAutoFit/>
-          </a:bodyPr>
-          <a:lstStyle/>
-          <a:p>
-            <a:pPr marL="360363" indent="-360363" defTabSz="1218438">
-              <a:lnSpc>
-                <a:spcPct val="120000"/>
-              </a:lnSpc>
-              <a:spcBef>
-                <a:spcPts val="600"/>
-              </a:spcBef>
-              <a:spcAft>
-                <a:spcPts val="600"/>
-              </a:spcAft>
-              <a:buFont typeface="Wingdings" panose="05000000000000000000" pitchFamily="2" charset="2"/>
-              <a:buChar char="§"/>
-              <a:defRPr/>
-            </a:pPr>
-            <a:r>
-              <a:rPr lang="bg-BG" sz="3200" dirty="0"/>
-              <a:t>Проект "</a:t>
-            </a:r>
-            <a:r>
-              <a:rPr lang="bg-BG" sz="3200" b="1" dirty="0"/>
-              <a:t>Отворено учебно съдържание по програмиране и ИТ</a:t>
-            </a:r>
-            <a:r>
-              <a:rPr lang="bg-BG" sz="3200" dirty="0"/>
-              <a:t>" към Фондация "Софтуерен университет"</a:t>
-            </a:r>
-            <a:r>
-              <a:rPr lang="en-US" sz="3200" dirty="0"/>
-              <a:t>:</a:t>
-            </a:r>
-            <a:endParaRPr lang="bg-BG" sz="3200" dirty="0"/>
-          </a:p>
-          <a:p>
-            <a:pPr marL="817563" lvl="1" indent="-360363" defTabSz="1218438">
-              <a:lnSpc>
-                <a:spcPct val="120000"/>
-              </a:lnSpc>
-              <a:spcBef>
-                <a:spcPts val="600"/>
-              </a:spcBef>
-              <a:spcAft>
-                <a:spcPts val="600"/>
-              </a:spcAft>
-              <a:buFont typeface="Wingdings" panose="05000000000000000000" pitchFamily="2" charset="2"/>
-              <a:buChar char="§"/>
-              <a:defRPr/>
-            </a:pPr>
-            <a:r>
-              <a:rPr kumimoji="0" lang="en-US" sz="3200" b="0" i="0" u="none" strike="noStrike" kern="1200" cap="none" spc="0" normalizeH="0" baseline="0" noProof="0" dirty="0">
-                <a:ln>
-                  <a:noFill/>
-                </a:ln>
-                <a:solidFill>
-                  <a:srgbClr val="234465"/>
-                </a:solidFill>
-                <a:effectLst/>
-                <a:uLnTx/>
-                <a:uFillTx/>
-                <a:latin typeface="Calibri"/>
-                <a:ea typeface="+mn-ea"/>
-                <a:cs typeface="+mn-cs"/>
-                <a:hlinkClick r:id="rId4"/>
-              </a:rPr>
-              <a:t>https://github.com/BG-IT-Edu</a:t>
-            </a:r>
-            <a:endParaRPr kumimoji="0" lang="bg-BG" sz="3200" b="0" i="0" u="none" strike="noStrike" kern="1200" cap="none" spc="0" normalizeH="0" baseline="0" noProof="0" dirty="0">
-              <a:ln>
-                <a:noFill/>
-              </a:ln>
-              <a:solidFill>
-                <a:srgbClr val="234465"/>
-              </a:solidFill>
-              <a:effectLst/>
-              <a:uLnTx/>
-              <a:uFillTx/>
-              <a:latin typeface="Calibri"/>
-              <a:ea typeface="+mn-ea"/>
-              <a:cs typeface="+mn-cs"/>
-            </a:endParaRPr>
-          </a:p>
-        </p:txBody>
-      </p:sp>
-      <p:pic>
-        <p:nvPicPr>
-          <p:cNvPr id="7" name="Picture 6" title="CC-BY-NC-SA License">
-            <a:hlinkClick r:id="rId5" tooltip="This work is licensed under the &quot;Creative Commons Attribution-NonCommercial-ShareAlike 4.0 International&quot; license"/>
-            <a:extLst>
-              <a:ext uri="{FF2B5EF4-FFF2-40B4-BE49-F238E27FC236}">
-                <a16:creationId xmlns:a16="http://schemas.microsoft.com/office/drawing/2014/main" id="{F6C77C47-F7D8-A176-5C69-7FDE5C7E8003}"/>
-              </a:ext>
-            </a:extLst>
-          </p:cNvPr>
-          <p:cNvPicPr>
-            <a:picLocks noChangeAspect="1" noChangeArrowheads="1"/>
-          </p:cNvPicPr>
-          <p:nvPr/>
-        </p:nvPicPr>
-        <p:blipFill>
-          <a:blip r:embed="rId6">
-            <a:extLst>
-              <a:ext uri="{28A0092B-C50C-407E-A947-70E740481C1C}">
-                <a14:useLocalDpi xmlns:a14="http://schemas.microsoft.com/office/drawing/2010/main"/>
-              </a:ext>
-            </a:extLst>
-          </a:blip>
-          <a:srcRect/>
-          <a:stretch>
-            <a:fillRect/>
-          </a:stretch>
-        </p:blipFill>
-        <p:spPr bwMode="auto">
-          <a:xfrm>
-            <a:off x="9831000" y="2908593"/>
-            <a:ext cx="1989336" cy="696022"/>
-          </a:xfrm>
-          <a:prstGeom prst="roundRect">
-            <a:avLst>
-              <a:gd name="adj" fmla="val 3940"/>
-            </a:avLst>
-          </a:prstGeom>
-          <a:solidFill>
-            <a:srgbClr val="231F20">
-              <a:alpha val="50000"/>
-            </a:srgbClr>
-          </a:solidFill>
-          <a:ln>
-            <a:noFill/>
-          </a:ln>
-        </p:spPr>
-      </p:pic>
-    </p:spTree>
-    <p:extLst>
-      <p:ext uri="{BB962C8B-B14F-4D97-AF65-F5344CB8AC3E}">
-        <p14:creationId xmlns:p14="http://schemas.microsoft.com/office/powerpoint/2010/main" val="3879276042"/>
       </p:ext>
     </p:extLst>
   </p:cSld>
@@ -9446,25 +12877,42 @@
               <a:rPr lang="bg-BG" dirty="0"/>
               <a:t>Създаване на герой</a:t>
             </a:r>
-          </a:p>
-          <a:p>
+            <a:endParaRPr lang="bg-BG" b="1" dirty="0">
+              <a:cs typeface="Calibri" panose="020F0502020204030204" pitchFamily="34" charset="0"/>
+            </a:endParaRPr>
+          </a:p>
+          <a:p>
+            <a:r>
+              <a:rPr lang="en-US" dirty="0"/>
+              <a:t>͏</a:t>
+            </a:r>
+            <a:r>
+              <a:rPr lang="ru-RU" b="1" dirty="0"/>
+              <a:t>Персонализиране</a:t>
+            </a:r>
             <a:r>
               <a:rPr lang="ru-RU" dirty="0"/>
-              <a:t>Персонализиране на визията и характеристиките на героя</a:t>
-            </a:r>
+              <a:t> на </a:t>
+            </a:r>
+            <a:r>
+              <a:rPr lang="ru-RU" b="1" dirty="0"/>
+              <a:t>визията</a:t>
+            </a:r>
+            <a:r>
+              <a:rPr lang="ru-RU" dirty="0"/>
+              <a:t> на героя</a:t>
+            </a:r>
+            <a:r>
+              <a:rPr lang="en-GB" dirty="0"/>
+              <a:t>:</a:t>
+            </a:r>
+            <a:endParaRPr lang="ru-RU" dirty="0"/>
           </a:p>
           <a:p>
             <a:pPr lvl="1"/>
             <a:r>
               <a:rPr lang="bg-BG" dirty="0"/>
               <a:t>Костюм</a:t>
-            </a:r>
-          </a:p>
-          <a:p>
-            <a:pPr lvl="1"/>
-            <a:r>
-              <a:rPr lang="bg-BG" dirty="0"/>
-              <a:t>Състояние</a:t>
             </a:r>
           </a:p>
           <a:p>
@@ -9564,6 +13012,615 @@
     <p:extLst>
       <p:ext uri="{BB962C8B-B14F-4D97-AF65-F5344CB8AC3E}">
         <p14:creationId xmlns:p14="http://schemas.microsoft.com/office/powerpoint/2010/main" val="1646986932"/>
+      </p:ext>
+    </p:extLst>
+  </p:cSld>
+  <p:clrMapOvr>
+    <a:masterClrMapping/>
+  </p:clrMapOvr>
+  <mc:AlternateContent xmlns:mc="http://schemas.openxmlformats.org/markup-compatibility/2006" xmlns:p14="http://schemas.microsoft.com/office/powerpoint/2010/main">
+    <mc:Choice Requires="p14">
+      <p:transition spd="slow" p14:dur="2000" advClick="0" advTm="5000"/>
+    </mc:Choice>
+    <mc:Fallback xmlns="">
+      <p:transition spd="slow" advClick="0" advTm="5000"/>
+    </mc:Fallback>
+  </mc:AlternateContent>
+  <p:timing>
+    <p:tnLst>
+      <p:par>
+        <p:cTn id="1" dur="indefinite" restart="never" nodeType="tmRoot">
+          <p:childTnLst>
+            <p:seq concurrent="1" nextAc="seek">
+              <p:cTn id="2" dur="indefinite" nodeType="mainSeq">
+                <p:childTnLst>
+                  <p:par>
+                    <p:cTn id="3" fill="hold">
+                      <p:stCondLst>
+                        <p:cond delay="indefinite"/>
+                      </p:stCondLst>
+                      <p:childTnLst>
+                        <p:par>
+                          <p:cTn id="4" fill="hold">
+                            <p:stCondLst>
+                              <p:cond delay="0"/>
+                            </p:stCondLst>
+                            <p:childTnLst>
+                              <p:par>
+                                <p:cTn id="5" presetID="1" presetClass="entr" presetSubtype="0" fill="hold" nodeType="clickEffect">
+                                  <p:stCondLst>
+                                    <p:cond delay="0"/>
+                                  </p:stCondLst>
+                                  <p:childTnLst>
+                                    <p:set>
+                                      <p:cBhvr>
+                                        <p:cTn id="6" dur="1" fill="hold">
+                                          <p:stCondLst>
+                                            <p:cond delay="0"/>
+                                          </p:stCondLst>
+                                        </p:cTn>
+                                        <p:tgtEl>
+                                          <p:spTgt spid="444419">
+                                            <p:txEl>
+                                              <p:pRg st="1" end="1"/>
+                                            </p:txEl>
+                                          </p:spTgt>
+                                        </p:tgtEl>
+                                        <p:attrNameLst>
+                                          <p:attrName>style.visibility</p:attrName>
+                                        </p:attrNameLst>
+                                      </p:cBhvr>
+                                      <p:to>
+                                        <p:strVal val="visible"/>
+                                      </p:to>
+                                    </p:set>
+                                  </p:childTnLst>
+                                </p:cTn>
+                              </p:par>
+                            </p:childTnLst>
+                          </p:cTn>
+                        </p:par>
+                      </p:childTnLst>
+                    </p:cTn>
+                  </p:par>
+                  <p:par>
+                    <p:cTn id="7" fill="hold">
+                      <p:stCondLst>
+                        <p:cond delay="indefinite"/>
+                      </p:stCondLst>
+                      <p:childTnLst>
+                        <p:par>
+                          <p:cTn id="8" fill="hold">
+                            <p:stCondLst>
+                              <p:cond delay="0"/>
+                            </p:stCondLst>
+                            <p:childTnLst>
+                              <p:par>
+                                <p:cTn id="9" presetID="1" presetClass="entr" presetSubtype="0" fill="hold" nodeType="clickEffect">
+                                  <p:stCondLst>
+                                    <p:cond delay="0"/>
+                                  </p:stCondLst>
+                                  <p:childTnLst>
+                                    <p:set>
+                                      <p:cBhvr>
+                                        <p:cTn id="10" dur="1" fill="hold">
+                                          <p:stCondLst>
+                                            <p:cond delay="0"/>
+                                          </p:stCondLst>
+                                        </p:cTn>
+                                        <p:tgtEl>
+                                          <p:spTgt spid="444419">
+                                            <p:txEl>
+                                              <p:pRg st="2" end="2"/>
+                                            </p:txEl>
+                                          </p:spTgt>
+                                        </p:tgtEl>
+                                        <p:attrNameLst>
+                                          <p:attrName>style.visibility</p:attrName>
+                                        </p:attrNameLst>
+                                      </p:cBhvr>
+                                      <p:to>
+                                        <p:strVal val="visible"/>
+                                      </p:to>
+                                    </p:set>
+                                  </p:childTnLst>
+                                </p:cTn>
+                              </p:par>
+                            </p:childTnLst>
+                          </p:cTn>
+                        </p:par>
+                      </p:childTnLst>
+                    </p:cTn>
+                  </p:par>
+                  <p:par>
+                    <p:cTn id="11" fill="hold">
+                      <p:stCondLst>
+                        <p:cond delay="indefinite"/>
+                      </p:stCondLst>
+                      <p:childTnLst>
+                        <p:par>
+                          <p:cTn id="12" fill="hold">
+                            <p:stCondLst>
+                              <p:cond delay="0"/>
+                            </p:stCondLst>
+                            <p:childTnLst>
+                              <p:par>
+                                <p:cTn id="13" presetID="1" presetClass="entr" presetSubtype="0" fill="hold" nodeType="clickEffect">
+                                  <p:stCondLst>
+                                    <p:cond delay="0"/>
+                                  </p:stCondLst>
+                                  <p:childTnLst>
+                                    <p:set>
+                                      <p:cBhvr>
+                                        <p:cTn id="14" dur="1" fill="hold">
+                                          <p:stCondLst>
+                                            <p:cond delay="0"/>
+                                          </p:stCondLst>
+                                        </p:cTn>
+                                        <p:tgtEl>
+                                          <p:spTgt spid="444419">
+                                            <p:txEl>
+                                              <p:pRg st="3" end="3"/>
+                                            </p:txEl>
+                                          </p:spTgt>
+                                        </p:tgtEl>
+                                        <p:attrNameLst>
+                                          <p:attrName>style.visibility</p:attrName>
+                                        </p:attrNameLst>
+                                      </p:cBhvr>
+                                      <p:to>
+                                        <p:strVal val="visible"/>
+                                      </p:to>
+                                    </p:set>
+                                  </p:childTnLst>
+                                </p:cTn>
+                              </p:par>
+                            </p:childTnLst>
+                          </p:cTn>
+                        </p:par>
+                      </p:childTnLst>
+                    </p:cTn>
+                  </p:par>
+                  <p:par>
+                    <p:cTn id="15" fill="hold">
+                      <p:stCondLst>
+                        <p:cond delay="indefinite"/>
+                      </p:stCondLst>
+                      <p:childTnLst>
+                        <p:par>
+                          <p:cTn id="16" fill="hold">
+                            <p:stCondLst>
+                              <p:cond delay="0"/>
+                            </p:stCondLst>
+                            <p:childTnLst>
+                              <p:par>
+                                <p:cTn id="17" presetID="1" presetClass="entr" presetSubtype="0" fill="hold" nodeType="clickEffect">
+                                  <p:stCondLst>
+                                    <p:cond delay="0"/>
+                                  </p:stCondLst>
+                                  <p:childTnLst>
+                                    <p:set>
+                                      <p:cBhvr>
+                                        <p:cTn id="18" dur="1" fill="hold">
+                                          <p:stCondLst>
+                                            <p:cond delay="0"/>
+                                          </p:stCondLst>
+                                        </p:cTn>
+                                        <p:tgtEl>
+                                          <p:spTgt spid="444419">
+                                            <p:txEl>
+                                              <p:pRg st="4" end="4"/>
+                                            </p:txEl>
+                                          </p:spTgt>
+                                        </p:tgtEl>
+                                        <p:attrNameLst>
+                                          <p:attrName>style.visibility</p:attrName>
+                                        </p:attrNameLst>
+                                      </p:cBhvr>
+                                      <p:to>
+                                        <p:strVal val="visible"/>
+                                      </p:to>
+                                    </p:set>
+                                  </p:childTnLst>
+                                </p:cTn>
+                              </p:par>
+                            </p:childTnLst>
+                          </p:cTn>
+                        </p:par>
+                      </p:childTnLst>
+                    </p:cTn>
+                  </p:par>
+                </p:childTnLst>
+              </p:cTn>
+              <p:prevCondLst>
+                <p:cond evt="onPrev" delay="0">
+                  <p:tgtEl>
+                    <p:sldTgt/>
+                  </p:tgtEl>
+                </p:cond>
+              </p:prevCondLst>
+              <p:nextCondLst>
+                <p:cond evt="onNext" delay="0">
+                  <p:tgtEl>
+                    <p:sldTgt/>
+                  </p:tgtEl>
+                </p:cond>
+              </p:nextCondLst>
+            </p:seq>
+          </p:childTnLst>
+        </p:cTn>
+      </p:par>
+    </p:tnLst>
+  </p:timing>
+</p:sld>
+</file>
+
+<file path=ppt/slides/slide20.xml><?xml version="1.0" encoding="utf-8"?>
+<p:sld xmlns:a="http://schemas.openxmlformats.org/drawingml/2006/main" xmlns:r="http://schemas.openxmlformats.org/officeDocument/2006/relationships" xmlns:p="http://schemas.openxmlformats.org/presentationml/2006/main" show="0">
+  <p:cSld>
+    <p:spTree>
+      <p:nvGrpSpPr>
+        <p:cNvPr id="1" name=""/>
+        <p:cNvGrpSpPr/>
+        <p:nvPr/>
+      </p:nvGrpSpPr>
+      <p:grpSpPr>
+        <a:xfrm>
+          <a:off x="0" y="0"/>
+          <a:ext cx="0" cy="0"/>
+          <a:chOff x="0" y="0"/>
+          <a:chExt cx="0" cy="0"/>
+        </a:xfrm>
+      </p:grpSpPr>
+      <p:sp>
+        <p:nvSpPr>
+          <p:cNvPr id="5" name="Slide Number">
+            <a:extLst>
+              <a:ext uri="{FF2B5EF4-FFF2-40B4-BE49-F238E27FC236}">
+                <a16:creationId xmlns:a16="http://schemas.microsoft.com/office/drawing/2014/main" id="{F48C3C93-90A1-4D31-BEA6-B54D1106CE31}"/>
+              </a:ext>
+            </a:extLst>
+          </p:cNvPr>
+          <p:cNvSpPr>
+            <a:spLocks noGrp="1"/>
+          </p:cNvSpPr>
+          <p:nvPr>
+            <p:ph type="sldNum" sz="quarter" idx="5"/>
+          </p:nvPr>
+        </p:nvSpPr>
+        <p:spPr>
+          <a:xfrm>
+            <a:off x="11753030" y="6507000"/>
+            <a:ext cx="367414" cy="297000"/>
+          </a:xfrm>
+          <a:prstGeom prst="rect">
+            <a:avLst/>
+          </a:prstGeom>
+        </p:spPr>
+        <p:txBody>
+          <a:bodyPr vert="horz" lIns="91440" tIns="45720" rIns="91440" bIns="45720" rtlCol="0" anchor="b"/>
+          <a:lstStyle>
+            <a:lvl1pPr algn="r">
+              <a:defRPr sz="1000"/>
+            </a:lvl1pPr>
+          </a:lstStyle>
+          <a:p>
+            <a:fld id="{2BF067CD-8E6B-4360-9AA8-C5DF2A48A6D1}" type="slidenum">
+              <a:rPr lang="en-US" smtClean="0"/>
+              <a:pPr/>
+              <a:t>20</a:t>
+            </a:fld>
+            <a:endParaRPr lang="en-US" dirty="0"/>
+          </a:p>
+        </p:txBody>
+      </p:sp>
+      <p:sp>
+        <p:nvSpPr>
+          <p:cNvPr id="2" name="Slide Body">
+            <a:extLst>
+              <a:ext uri="{FF2B5EF4-FFF2-40B4-BE49-F238E27FC236}">
+                <a16:creationId xmlns:a16="http://schemas.microsoft.com/office/drawing/2014/main" id="{980F49B1-E4BE-4389-A747-7AB9B71AD920}"/>
+              </a:ext>
+            </a:extLst>
+          </p:cNvPr>
+          <p:cNvSpPr>
+            <a:spLocks noGrp="1"/>
+          </p:cNvSpPr>
+          <p:nvPr>
+            <p:ph type="body" sz="quarter" idx="10"/>
+          </p:nvPr>
+        </p:nvSpPr>
+        <p:spPr>
+          <a:xfrm>
+            <a:off x="190402" y="1269001"/>
+            <a:ext cx="9865598" cy="2474999"/>
+          </a:xfrm>
+        </p:spPr>
+        <p:txBody>
+          <a:bodyPr>
+            <a:normAutofit/>
+          </a:bodyPr>
+          <a:lstStyle/>
+          <a:p>
+            <a:pPr>
+              <a:lnSpc>
+                <a:spcPct val="120000"/>
+              </a:lnSpc>
+            </a:pPr>
+            <a:r>
+              <a:rPr lang="bg-BG" sz="3200" dirty="0"/>
+              <a:t>Този курс</a:t>
+            </a:r>
+            <a:r>
+              <a:rPr lang="en-US" sz="3200" dirty="0"/>
+              <a:t> (</a:t>
+            </a:r>
+            <a:r>
+              <a:rPr lang="bg-BG" sz="3200" dirty="0"/>
+              <a:t>презентации, примери, демонстрационен код, упражнения, домашни, видео и други активи</a:t>
+            </a:r>
+            <a:r>
+              <a:rPr lang="en-US" sz="3200" dirty="0"/>
+              <a:t>) </a:t>
+            </a:r>
+            <a:r>
+              <a:rPr lang="bg-BG" sz="3200" dirty="0"/>
+              <a:t>представлява</a:t>
+            </a:r>
+            <a:r>
+              <a:rPr lang="en-US" sz="3200" dirty="0"/>
+              <a:t> </a:t>
+            </a:r>
+            <a:r>
+              <a:rPr lang="bg-BG" sz="3200" b="1" dirty="0"/>
+              <a:t>свободно учебно съдържание </a:t>
+            </a:r>
+            <a:r>
+              <a:rPr lang="bg-BG" sz="3200" dirty="0"/>
+              <a:t>и се разпространява под свободен лиценз </a:t>
+            </a:r>
+            <a:r>
+              <a:rPr lang="en-US" sz="3200" b="1" dirty="0"/>
+              <a:t>CC-BY-NC-SA</a:t>
+            </a:r>
+            <a:endParaRPr lang="bg-BG" sz="3200" dirty="0"/>
+          </a:p>
+        </p:txBody>
+      </p:sp>
+      <p:pic>
+        <p:nvPicPr>
+          <p:cNvPr id="6" name="Picture License" descr="License">
+            <a:extLst>
+              <a:ext uri="{FF2B5EF4-FFF2-40B4-BE49-F238E27FC236}">
+                <a16:creationId xmlns:a16="http://schemas.microsoft.com/office/drawing/2014/main" id="{82BA520F-A037-4E01-AA18-27D9F1E930A6}"/>
+              </a:ext>
+            </a:extLst>
+          </p:cNvPr>
+          <p:cNvPicPr>
+            <a:picLocks noChangeAspect="1"/>
+          </p:cNvPicPr>
+          <p:nvPr/>
+        </p:nvPicPr>
+        <p:blipFill>
+          <a:blip r:embed="rId3">
+            <a:clrChange>
+              <a:clrFrom>
+                <a:srgbClr val="FFFFFF"/>
+              </a:clrFrom>
+              <a:clrTo>
+                <a:srgbClr val="FFFFFF">
+                  <a:alpha val="0"/>
+                </a:srgbClr>
+              </a:clrTo>
+            </a:clrChange>
+          </a:blip>
+          <a:stretch>
+            <a:fillRect/>
+          </a:stretch>
+        </p:blipFill>
+        <p:spPr>
+          <a:xfrm>
+            <a:off x="10226175" y="1440120"/>
+            <a:ext cx="1198986" cy="1268880"/>
+          </a:xfrm>
+          <a:prstGeom prst="rect">
+            <a:avLst/>
+          </a:prstGeom>
+        </p:spPr>
+      </p:pic>
+      <p:sp>
+        <p:nvSpPr>
+          <p:cNvPr id="3" name="Slide Title">
+            <a:extLst>
+              <a:ext uri="{FF2B5EF4-FFF2-40B4-BE49-F238E27FC236}">
+                <a16:creationId xmlns:a16="http://schemas.microsoft.com/office/drawing/2014/main" id="{E5F1FB41-80C3-4816-BC47-CCC50632E6E8}"/>
+              </a:ext>
+            </a:extLst>
+          </p:cNvPr>
+          <p:cNvSpPr>
+            <a:spLocks noGrp="1"/>
+          </p:cNvSpPr>
+          <p:nvPr>
+            <p:ph type="title"/>
+          </p:nvPr>
+        </p:nvSpPr>
+        <p:spPr/>
+        <p:txBody>
+          <a:bodyPr/>
+          <a:lstStyle/>
+          <a:p>
+            <a:r>
+              <a:rPr lang="bg-BG" dirty="0"/>
+              <a:t>Лиценз</a:t>
+            </a:r>
+          </a:p>
+        </p:txBody>
+      </p:sp>
+      <p:sp>
+        <p:nvSpPr>
+          <p:cNvPr id="11" name="TextBox 10">
+            <a:extLst>
+              <a:ext uri="{FF2B5EF4-FFF2-40B4-BE49-F238E27FC236}">
+                <a16:creationId xmlns:a16="http://schemas.microsoft.com/office/drawing/2014/main" id="{0C18DF19-B750-4C88-975B-661A6BF61F5E}"/>
+              </a:ext>
+            </a:extLst>
+          </p:cNvPr>
+          <p:cNvSpPr txBox="1"/>
+          <p:nvPr/>
+        </p:nvSpPr>
+        <p:spPr>
+          <a:xfrm>
+            <a:off x="190401" y="3927519"/>
+            <a:ext cx="11710599" cy="1979644"/>
+          </a:xfrm>
+          <a:prstGeom prst="rect">
+            <a:avLst/>
+          </a:prstGeom>
+          <a:noFill/>
+          <a:ln w="12700">
+            <a:noFill/>
+          </a:ln>
+        </p:spPr>
+        <p:txBody>
+          <a:bodyPr wrap="square">
+            <a:spAutoFit/>
+          </a:bodyPr>
+          <a:lstStyle/>
+          <a:p>
+            <a:pPr marL="360363" indent="-360363" defTabSz="1218438">
+              <a:lnSpc>
+                <a:spcPct val="120000"/>
+              </a:lnSpc>
+              <a:spcBef>
+                <a:spcPts val="600"/>
+              </a:spcBef>
+              <a:spcAft>
+                <a:spcPts val="600"/>
+              </a:spcAft>
+              <a:buFont typeface="Wingdings" panose="05000000000000000000" pitchFamily="2" charset="2"/>
+              <a:buChar char="§"/>
+              <a:defRPr/>
+            </a:pPr>
+            <a:r>
+              <a:rPr lang="bg-BG" sz="3200" dirty="0"/>
+              <a:t>Проект "</a:t>
+            </a:r>
+            <a:r>
+              <a:rPr lang="bg-BG" sz="3200" b="1" dirty="0"/>
+              <a:t>Отворено учебно съдържание по програмиране и ИТ</a:t>
+            </a:r>
+            <a:r>
+              <a:rPr lang="bg-BG" sz="3200" dirty="0"/>
+              <a:t>" към Фондация "Софтуерен университет"</a:t>
+            </a:r>
+            <a:r>
+              <a:rPr lang="en-US" sz="3200" dirty="0"/>
+              <a:t>:</a:t>
+            </a:r>
+            <a:endParaRPr lang="bg-BG" sz="3200" dirty="0"/>
+          </a:p>
+          <a:p>
+            <a:pPr marL="817563" lvl="1" indent="-360363" defTabSz="1218438">
+              <a:lnSpc>
+                <a:spcPct val="120000"/>
+              </a:lnSpc>
+              <a:spcBef>
+                <a:spcPts val="600"/>
+              </a:spcBef>
+              <a:spcAft>
+                <a:spcPts val="600"/>
+              </a:spcAft>
+              <a:buFont typeface="Wingdings" panose="05000000000000000000" pitchFamily="2" charset="2"/>
+              <a:buChar char="§"/>
+              <a:defRPr/>
+            </a:pPr>
+            <a:r>
+              <a:rPr kumimoji="0" lang="en-US" sz="3200" b="0" i="0" u="none" strike="noStrike" kern="1200" cap="none" spc="0" normalizeH="0" baseline="0" noProof="0" dirty="0">
+                <a:ln>
+                  <a:noFill/>
+                </a:ln>
+                <a:solidFill>
+                  <a:srgbClr val="234465"/>
+                </a:solidFill>
+                <a:effectLst/>
+                <a:uLnTx/>
+                <a:uFillTx/>
+                <a:latin typeface="Calibri"/>
+                <a:ea typeface="+mn-ea"/>
+                <a:cs typeface="+mn-cs"/>
+                <a:hlinkClick r:id="rId4"/>
+              </a:rPr>
+              <a:t>https://github.com/BG-IT-Edu</a:t>
+            </a:r>
+            <a:endParaRPr kumimoji="0" lang="bg-BG" sz="3200" b="0" i="0" u="none" strike="noStrike" kern="1200" cap="none" spc="0" normalizeH="0" baseline="0" noProof="0" dirty="0">
+              <a:ln>
+                <a:noFill/>
+              </a:ln>
+              <a:solidFill>
+                <a:srgbClr val="234465"/>
+              </a:solidFill>
+              <a:effectLst/>
+              <a:uLnTx/>
+              <a:uFillTx/>
+              <a:latin typeface="Calibri"/>
+              <a:ea typeface="+mn-ea"/>
+              <a:cs typeface="+mn-cs"/>
+            </a:endParaRPr>
+          </a:p>
+        </p:txBody>
+      </p:sp>
+      <p:pic>
+        <p:nvPicPr>
+          <p:cNvPr id="7" name="Picture 6" title="CC-BY-NC-SA License">
+            <a:hlinkClick r:id="rId5" tooltip="This work is licensed under the &quot;Creative Commons Attribution-NonCommercial-ShareAlike 4.0 International&quot; license"/>
+            <a:extLst>
+              <a:ext uri="{FF2B5EF4-FFF2-40B4-BE49-F238E27FC236}">
+                <a16:creationId xmlns:a16="http://schemas.microsoft.com/office/drawing/2014/main" id="{F6C77C47-F7D8-A176-5C69-7FDE5C7E8003}"/>
+              </a:ext>
+            </a:extLst>
+          </p:cNvPr>
+          <p:cNvPicPr>
+            <a:picLocks noChangeAspect="1" noChangeArrowheads="1"/>
+          </p:cNvPicPr>
+          <p:nvPr/>
+        </p:nvPicPr>
+        <p:blipFill>
+          <a:blip r:embed="rId6">
+            <a:extLst>
+              <a:ext uri="{28A0092B-C50C-407E-A947-70E740481C1C}">
+                <a14:useLocalDpi xmlns:a14="http://schemas.microsoft.com/office/drawing/2010/main"/>
+              </a:ext>
+            </a:extLst>
+          </a:blip>
+          <a:srcRect/>
+          <a:stretch>
+            <a:fillRect/>
+          </a:stretch>
+        </p:blipFill>
+        <p:spPr bwMode="auto">
+          <a:xfrm>
+            <a:off x="9831000" y="2908593"/>
+            <a:ext cx="1989336" cy="696022"/>
+          </a:xfrm>
+          <a:prstGeom prst="roundRect">
+            <a:avLst>
+              <a:gd name="adj" fmla="val 3940"/>
+            </a:avLst>
+          </a:prstGeom>
+          <a:solidFill>
+            <a:srgbClr val="231F20">
+              <a:alpha val="50000"/>
+            </a:srgbClr>
+          </a:solidFill>
+          <a:ln>
+            <a:noFill/>
+          </a:ln>
+        </p:spPr>
+      </p:pic>
+    </p:spTree>
+    <p:extLst>
+      <p:ext uri="{BB962C8B-B14F-4D97-AF65-F5344CB8AC3E}">
+        <p14:creationId xmlns:p14="http://schemas.microsoft.com/office/powerpoint/2010/main" val="3879276042"/>
       </p:ext>
     </p:extLst>
   </p:cSld>
@@ -9948,10 +14005,16 @@
               <a:buSzPct val="70000"/>
             </a:pPr>
             <a:r>
+              <a:rPr lang="en-US" sz="2800" b="1" dirty="0" err="1">
+                <a:latin typeface="Consolas" panose="020B0609020204030204" pitchFamily="49" charset="0"/>
+              </a:rPr>
+              <a:t>my_turtle</a:t>
+            </a:r>
+            <a:r>
               <a:rPr lang="en-US" sz="2800" b="1" dirty="0">
                 <a:latin typeface="Consolas" panose="020B0609020204030204" pitchFamily="49" charset="0"/>
               </a:rPr>
-              <a:t>pesho = </a:t>
+              <a:t> = </a:t>
             </a:r>
             <a:r>
               <a:rPr lang="en-US" sz="2800" b="1" dirty="0">
@@ -10427,8 +14490,8 @@
         </p:nvSpPr>
         <p:spPr>
           <a:xfrm>
-            <a:off x="615109" y="4704824"/>
-            <a:ext cx="10961783" cy="1694175"/>
+            <a:off x="1735555" y="4704824"/>
+            <a:ext cx="8720891" cy="1694175"/>
           </a:xfrm>
         </p:spPr>
         <p:txBody>
@@ -10437,7 +14500,7 @@
           <a:p>
             <a:r>
               <a:rPr lang="ru-RU" dirty="0"/>
-              <a:t>Персонализиране на визията и характеристиките на героя</a:t>
+              <a:t>Персонализиране на визията на героя</a:t>
             </a:r>
             <a:endParaRPr lang="en-GB" dirty="0"/>
           </a:p>
@@ -10729,7 +14792,7 @@
             </a:r>
             <a:r>
               <a:rPr lang="bg-BG" dirty="0"/>
-              <a:t>има няколко готови костюма</a:t>
+              <a:t>има вградени костюми</a:t>
             </a:r>
             <a:r>
               <a:rPr lang="en-GB" dirty="0"/>
@@ -12348,6 +16411,130 @@
       <p:transition spd="slow" advClick="0" advTm="5000"/>
     </mc:Fallback>
   </mc:AlternateContent>
+  <p:timing>
+    <p:tnLst>
+      <p:par>
+        <p:cTn id="1" dur="indefinite" restart="never" nodeType="tmRoot">
+          <p:childTnLst>
+            <p:seq concurrent="1" nextAc="seek">
+              <p:cTn id="2" dur="indefinite" nodeType="mainSeq">
+                <p:childTnLst>
+                  <p:par>
+                    <p:cTn id="3" fill="hold">
+                      <p:stCondLst>
+                        <p:cond delay="indefinite"/>
+                      </p:stCondLst>
+                      <p:childTnLst>
+                        <p:par>
+                          <p:cTn id="4" fill="hold">
+                            <p:stCondLst>
+                              <p:cond delay="0"/>
+                            </p:stCondLst>
+                            <p:childTnLst>
+                              <p:par>
+                                <p:cTn id="5" presetID="1" presetClass="entr" presetSubtype="0" fill="hold" nodeType="clickEffect">
+                                  <p:stCondLst>
+                                    <p:cond delay="0"/>
+                                  </p:stCondLst>
+                                  <p:childTnLst>
+                                    <p:set>
+                                      <p:cBhvr>
+                                        <p:cTn id="6" dur="1" fill="hold">
+                                          <p:stCondLst>
+                                            <p:cond delay="0"/>
+                                          </p:stCondLst>
+                                        </p:cTn>
+                                        <p:tgtEl>
+                                          <p:spTgt spid="6">
+                                            <p:txEl>
+                                              <p:pRg st="1" end="1"/>
+                                            </p:txEl>
+                                          </p:spTgt>
+                                        </p:tgtEl>
+                                        <p:attrNameLst>
+                                          <p:attrName>style.visibility</p:attrName>
+                                        </p:attrNameLst>
+                                      </p:cBhvr>
+                                      <p:to>
+                                        <p:strVal val="visible"/>
+                                      </p:to>
+                                    </p:set>
+                                  </p:childTnLst>
+                                </p:cTn>
+                              </p:par>
+                            </p:childTnLst>
+                          </p:cTn>
+                        </p:par>
+                      </p:childTnLst>
+                    </p:cTn>
+                  </p:par>
+                  <p:par>
+                    <p:cTn id="7" fill="hold">
+                      <p:stCondLst>
+                        <p:cond delay="indefinite"/>
+                      </p:stCondLst>
+                      <p:childTnLst>
+                        <p:par>
+                          <p:cTn id="8" fill="hold">
+                            <p:stCondLst>
+                              <p:cond delay="0"/>
+                            </p:stCondLst>
+                            <p:childTnLst>
+                              <p:par>
+                                <p:cTn id="9" presetID="1" presetClass="entr" presetSubtype="0" fill="hold" nodeType="clickEffect">
+                                  <p:stCondLst>
+                                    <p:cond delay="0"/>
+                                  </p:stCondLst>
+                                  <p:childTnLst>
+                                    <p:set>
+                                      <p:cBhvr>
+                                        <p:cTn id="10" dur="1" fill="hold">
+                                          <p:stCondLst>
+                                            <p:cond delay="0"/>
+                                          </p:stCondLst>
+                                        </p:cTn>
+                                        <p:tgtEl>
+                                          <p:spTgt spid="8"/>
+                                        </p:tgtEl>
+                                        <p:attrNameLst>
+                                          <p:attrName>style.visibility</p:attrName>
+                                        </p:attrNameLst>
+                                      </p:cBhvr>
+                                      <p:to>
+                                        <p:strVal val="visible"/>
+                                      </p:to>
+                                    </p:set>
+                                  </p:childTnLst>
+                                </p:cTn>
+                              </p:par>
+                            </p:childTnLst>
+                          </p:cTn>
+                        </p:par>
+                      </p:childTnLst>
+                    </p:cTn>
+                  </p:par>
+                </p:childTnLst>
+              </p:cTn>
+              <p:prevCondLst>
+                <p:cond evt="onPrev" delay="0">
+                  <p:tgtEl>
+                    <p:sldTgt/>
+                  </p:tgtEl>
+                </p:cond>
+              </p:prevCondLst>
+              <p:nextCondLst>
+                <p:cond evt="onNext" delay="0">
+                  <p:tgtEl>
+                    <p:sldTgt/>
+                  </p:tgtEl>
+                </p:cond>
+              </p:nextCondLst>
+            </p:seq>
+          </p:childTnLst>
+        </p:cTn>
+      </p:par>
+    </p:tnLst>
+  </p:timing>
 </p:sld>
 </file>
 
